--- a/Q1/OOP/OOP.pptx
+++ b/Q1/OOP/OOP.pptx
@@ -10,15 +10,16 @@
     <p:sldId id="258" r:id="rId4"/>
     <p:sldId id="259" r:id="rId5"/>
     <p:sldId id="268" r:id="rId6"/>
-    <p:sldId id="263" r:id="rId7"/>
-    <p:sldId id="260" r:id="rId8"/>
-    <p:sldId id="262" r:id="rId9"/>
-    <p:sldId id="264" r:id="rId10"/>
-    <p:sldId id="265" r:id="rId11"/>
-    <p:sldId id="261" r:id="rId12"/>
-    <p:sldId id="269" r:id="rId13"/>
-    <p:sldId id="266" r:id="rId14"/>
-    <p:sldId id="267" r:id="rId15"/>
+    <p:sldId id="270" r:id="rId7"/>
+    <p:sldId id="263" r:id="rId8"/>
+    <p:sldId id="260" r:id="rId9"/>
+    <p:sldId id="262" r:id="rId10"/>
+    <p:sldId id="264" r:id="rId11"/>
+    <p:sldId id="265" r:id="rId12"/>
+    <p:sldId id="261" r:id="rId13"/>
+    <p:sldId id="269" r:id="rId14"/>
+    <p:sldId id="266" r:id="rId15"/>
+    <p:sldId id="267" r:id="rId16"/>
   </p:sldIdLst>
   <p:sldSz cx="12192000" cy="6858000"/>
   <p:notesSz cx="6858000" cy="9144000"/>
@@ -127,6 +128,7 @@
             <p14:sldId id="258"/>
             <p14:sldId id="259"/>
             <p14:sldId id="268"/>
+            <p14:sldId id="270"/>
             <p14:sldId id="263"/>
             <p14:sldId id="260"/>
             <p14:sldId id="262"/>
@@ -294,7 +296,7 @@
           <a:p>
             <a:fld id="{86C0A107-932F-4F75-9D1D-27987C070C27}" type="datetimeFigureOut">
               <a:rPr lang="de-DE" smtClean="0"/>
-              <a:t>27.01.2022</a:t>
+              <a:t>07.05.2022</a:t>
             </a:fld>
             <a:endParaRPr lang="de-DE"/>
           </a:p>
@@ -492,7 +494,7 @@
           <a:p>
             <a:fld id="{86C0A107-932F-4F75-9D1D-27987C070C27}" type="datetimeFigureOut">
               <a:rPr lang="de-DE" smtClean="0"/>
-              <a:t>27.01.2022</a:t>
+              <a:t>07.05.2022</a:t>
             </a:fld>
             <a:endParaRPr lang="de-DE"/>
           </a:p>
@@ -700,7 +702,7 @@
           <a:p>
             <a:fld id="{86C0A107-932F-4F75-9D1D-27987C070C27}" type="datetimeFigureOut">
               <a:rPr lang="de-DE" smtClean="0"/>
-              <a:t>27.01.2022</a:t>
+              <a:t>07.05.2022</a:t>
             </a:fld>
             <a:endParaRPr lang="de-DE"/>
           </a:p>
@@ -898,7 +900,7 @@
           <a:p>
             <a:fld id="{86C0A107-932F-4F75-9D1D-27987C070C27}" type="datetimeFigureOut">
               <a:rPr lang="de-DE" smtClean="0"/>
-              <a:t>27.01.2022</a:t>
+              <a:t>07.05.2022</a:t>
             </a:fld>
             <a:endParaRPr lang="de-DE"/>
           </a:p>
@@ -1173,7 +1175,7 @@
           <a:p>
             <a:fld id="{86C0A107-932F-4F75-9D1D-27987C070C27}" type="datetimeFigureOut">
               <a:rPr lang="de-DE" smtClean="0"/>
-              <a:t>27.01.2022</a:t>
+              <a:t>07.05.2022</a:t>
             </a:fld>
             <a:endParaRPr lang="de-DE"/>
           </a:p>
@@ -1438,7 +1440,7 @@
           <a:p>
             <a:fld id="{86C0A107-932F-4F75-9D1D-27987C070C27}" type="datetimeFigureOut">
               <a:rPr lang="de-DE" smtClean="0"/>
-              <a:t>27.01.2022</a:t>
+              <a:t>07.05.2022</a:t>
             </a:fld>
             <a:endParaRPr lang="de-DE"/>
           </a:p>
@@ -1850,7 +1852,7 @@
           <a:p>
             <a:fld id="{86C0A107-932F-4F75-9D1D-27987C070C27}" type="datetimeFigureOut">
               <a:rPr lang="de-DE" smtClean="0"/>
-              <a:t>27.01.2022</a:t>
+              <a:t>07.05.2022</a:t>
             </a:fld>
             <a:endParaRPr lang="de-DE"/>
           </a:p>
@@ -1991,7 +1993,7 @@
           <a:p>
             <a:fld id="{86C0A107-932F-4F75-9D1D-27987C070C27}" type="datetimeFigureOut">
               <a:rPr lang="de-DE" smtClean="0"/>
-              <a:t>27.01.2022</a:t>
+              <a:t>07.05.2022</a:t>
             </a:fld>
             <a:endParaRPr lang="de-DE"/>
           </a:p>
@@ -2104,7 +2106,7 @@
           <a:p>
             <a:fld id="{86C0A107-932F-4F75-9D1D-27987C070C27}" type="datetimeFigureOut">
               <a:rPr lang="de-DE" smtClean="0"/>
-              <a:t>27.01.2022</a:t>
+              <a:t>07.05.2022</a:t>
             </a:fld>
             <a:endParaRPr lang="de-DE"/>
           </a:p>
@@ -2415,7 +2417,7 @@
           <a:p>
             <a:fld id="{86C0A107-932F-4F75-9D1D-27987C070C27}" type="datetimeFigureOut">
               <a:rPr lang="de-DE" smtClean="0"/>
-              <a:t>27.01.2022</a:t>
+              <a:t>07.05.2022</a:t>
             </a:fld>
             <a:endParaRPr lang="de-DE"/>
           </a:p>
@@ -2703,7 +2705,7 @@
           <a:p>
             <a:fld id="{86C0A107-932F-4F75-9D1D-27987C070C27}" type="datetimeFigureOut">
               <a:rPr lang="de-DE" smtClean="0"/>
-              <a:t>27.01.2022</a:t>
+              <a:t>07.05.2022</a:t>
             </a:fld>
             <a:endParaRPr lang="de-DE"/>
           </a:p>
@@ -2944,7 +2946,7 @@
           <a:p>
             <a:fld id="{86C0A107-932F-4F75-9D1D-27987C070C27}" type="datetimeFigureOut">
               <a:rPr lang="de-DE" smtClean="0"/>
-              <a:t>27.01.2022</a:t>
+              <a:t>07.05.2022</a:t>
             </a:fld>
             <a:endParaRPr lang="de-DE"/>
           </a:p>
@@ -3361,67 +3363,582 @@
           <a:chExt cx="0" cy="0"/>
         </a:xfrm>
       </p:grpSpPr>
-      <p:sp>
-        <p:nvSpPr>
-          <p:cNvPr id="2" name="Titel 1">
-            <a:extLst>
-              <a:ext uri="{FF2B5EF4-FFF2-40B4-BE49-F238E27FC236}">
-                <a16:creationId xmlns:a16="http://schemas.microsoft.com/office/drawing/2014/main" id="{36EC4A7D-A4E6-4FF1-8773-A8929030A6BE}"/>
-              </a:ext>
-            </a:extLst>
-          </p:cNvPr>
-          <p:cNvSpPr>
-            <a:spLocks noGrp="1"/>
-          </p:cNvSpPr>
-          <p:nvPr>
-            <p:ph type="ctrTitle"/>
-          </p:nvPr>
-        </p:nvSpPr>
-        <p:spPr/>
-        <p:txBody>
-          <a:bodyPr/>
-          <a:lstStyle/>
-          <a:p>
-            <a:r>
-              <a:rPr lang="de-DE" dirty="0"/>
-              <a:t>OOP</a:t>
-            </a:r>
-          </a:p>
-        </p:txBody>
-      </p:sp>
-      <p:sp>
-        <p:nvSpPr>
-          <p:cNvPr id="3" name="Untertitel 2">
-            <a:extLst>
-              <a:ext uri="{FF2B5EF4-FFF2-40B4-BE49-F238E27FC236}">
-                <a16:creationId xmlns:a16="http://schemas.microsoft.com/office/drawing/2014/main" id="{3DF47EF4-B438-4E7D-A0DC-59F65DD2F53C}"/>
-              </a:ext>
-            </a:extLst>
-          </p:cNvPr>
-          <p:cNvSpPr>
-            <a:spLocks noGrp="1"/>
-          </p:cNvSpPr>
-          <p:nvPr>
-            <p:ph type="subTitle" idx="1"/>
-          </p:nvPr>
-        </p:nvSpPr>
-        <p:spPr/>
-        <p:txBody>
-          <a:bodyPr/>
-          <a:lstStyle/>
-          <a:p>
-            <a:r>
-              <a:rPr lang="de-DE" dirty="0"/>
-              <a:t>Java </a:t>
-            </a:r>
-            <a:r>
-              <a:rPr lang="de-DE" dirty="0" err="1"/>
-              <a:t>version</a:t>
-            </a:r>
-            <a:endParaRPr lang="de-DE" dirty="0"/>
-          </a:p>
-        </p:txBody>
-      </p:sp>
+      <p:grpSp>
+        <p:nvGrpSpPr>
+          <p:cNvPr id="17" name="Gruppieren 16">
+            <a:extLst>
+              <a:ext uri="{FF2B5EF4-FFF2-40B4-BE49-F238E27FC236}">
+                <a16:creationId xmlns:a16="http://schemas.microsoft.com/office/drawing/2014/main" id="{F3880E63-C7D4-4E18-B088-EB1CAE56CE17}"/>
+              </a:ext>
+            </a:extLst>
+          </p:cNvPr>
+          <p:cNvGrpSpPr/>
+          <p:nvPr/>
+        </p:nvGrpSpPr>
+        <p:grpSpPr>
+          <a:xfrm>
+            <a:off x="-8390" y="-8389"/>
+            <a:ext cx="12200389" cy="6866389"/>
+            <a:chOff x="-8390" y="-8389"/>
+            <a:chExt cx="12200389" cy="6866389"/>
+          </a:xfrm>
+        </p:grpSpPr>
+        <p:pic>
+          <p:nvPicPr>
+            <p:cNvPr id="1026" name="Picture 2">
+              <a:extLst>
+                <a:ext uri="{FF2B5EF4-FFF2-40B4-BE49-F238E27FC236}">
+                  <a16:creationId xmlns:a16="http://schemas.microsoft.com/office/drawing/2014/main" id="{7320FC66-E9D1-4B1F-9D0B-47EE7E600B92}"/>
+                </a:ext>
+              </a:extLst>
+            </p:cNvPr>
+            <p:cNvPicPr>
+              <a:picLocks noChangeAspect="1" noChangeArrowheads="1"/>
+            </p:cNvPicPr>
+            <p:nvPr/>
+          </p:nvPicPr>
+          <p:blipFill rotWithShape="1">
+            <a:blip r:embed="rId2">
+              <a:extLst>
+                <a:ext uri="{28A0092B-C50C-407E-A947-70E740481C1C}">
+                  <a14:useLocalDpi xmlns:a14="http://schemas.microsoft.com/office/drawing/2010/main" val="0"/>
+                </a:ext>
+              </a:extLst>
+            </a:blip>
+            <a:srcRect b="9890"/>
+            <a:stretch/>
+          </p:blipFill>
+          <p:spPr bwMode="auto">
+            <a:xfrm>
+              <a:off x="-8390" y="-8389"/>
+              <a:ext cx="12200389" cy="6866389"/>
+            </a:xfrm>
+            <a:prstGeom prst="rect">
+              <a:avLst/>
+            </a:prstGeom>
+            <a:noFill/>
+            <a:extLst>
+              <a:ext uri="{909E8E84-426E-40DD-AFC4-6F175D3DCCD1}">
+                <a14:hiddenFill xmlns:a14="http://schemas.microsoft.com/office/drawing/2010/main">
+                  <a:solidFill>
+                    <a:srgbClr val="FFFFFF"/>
+                  </a:solidFill>
+                </a14:hiddenFill>
+              </a:ext>
+            </a:extLst>
+          </p:spPr>
+        </p:pic>
+        <p:sp>
+          <p:nvSpPr>
+            <p:cNvPr id="16" name="Rechteck 15">
+              <a:extLst>
+                <a:ext uri="{FF2B5EF4-FFF2-40B4-BE49-F238E27FC236}">
+                  <a16:creationId xmlns:a16="http://schemas.microsoft.com/office/drawing/2014/main" id="{14F297BD-F838-49D4-9E85-1D1CDC78A9EC}"/>
+                </a:ext>
+              </a:extLst>
+            </p:cNvPr>
+            <p:cNvSpPr/>
+            <p:nvPr/>
+          </p:nvSpPr>
+          <p:spPr>
+            <a:xfrm>
+              <a:off x="3849189" y="1584960"/>
+              <a:ext cx="508000" cy="274630"/>
+            </a:xfrm>
+            <a:prstGeom prst="rect">
+              <a:avLst/>
+            </a:prstGeom>
+            <a:solidFill>
+              <a:srgbClr val="CE5421"/>
+            </a:solidFill>
+            <a:ln>
+              <a:noFill/>
+            </a:ln>
+          </p:spPr>
+          <p:style>
+            <a:lnRef idx="2">
+              <a:schemeClr val="accent1">
+                <a:shade val="50000"/>
+              </a:schemeClr>
+            </a:lnRef>
+            <a:fillRef idx="1">
+              <a:schemeClr val="accent1"/>
+            </a:fillRef>
+            <a:effectRef idx="0">
+              <a:schemeClr val="accent1"/>
+            </a:effectRef>
+            <a:fontRef idx="minor">
+              <a:schemeClr val="lt1"/>
+            </a:fontRef>
+          </p:style>
+          <p:txBody>
+            <a:bodyPr rtlCol="0" anchor="ctr"/>
+            <a:lstStyle/>
+            <a:p>
+              <a:pPr algn="ctr"/>
+              <a:endParaRPr lang="de-DE" dirty="0"/>
+            </a:p>
+          </p:txBody>
+        </p:sp>
+        <p:sp>
+          <p:nvSpPr>
+            <p:cNvPr id="18" name="Rechteck 17">
+              <a:extLst>
+                <a:ext uri="{FF2B5EF4-FFF2-40B4-BE49-F238E27FC236}">
+                  <a16:creationId xmlns:a16="http://schemas.microsoft.com/office/drawing/2014/main" id="{6FDECEEC-FCBE-4665-BDFA-21DFE16CFF03}"/>
+                </a:ext>
+              </a:extLst>
+            </p:cNvPr>
+            <p:cNvSpPr/>
+            <p:nvPr/>
+          </p:nvSpPr>
+          <p:spPr>
+            <a:xfrm>
+              <a:off x="7817395" y="1586877"/>
+              <a:ext cx="623342" cy="274630"/>
+            </a:xfrm>
+            <a:prstGeom prst="rect">
+              <a:avLst/>
+            </a:prstGeom>
+            <a:solidFill>
+              <a:srgbClr val="CE5421"/>
+            </a:solidFill>
+            <a:ln>
+              <a:noFill/>
+            </a:ln>
+          </p:spPr>
+          <p:style>
+            <a:lnRef idx="2">
+              <a:schemeClr val="accent1">
+                <a:shade val="50000"/>
+              </a:schemeClr>
+            </a:lnRef>
+            <a:fillRef idx="1">
+              <a:schemeClr val="accent1"/>
+            </a:fillRef>
+            <a:effectRef idx="0">
+              <a:schemeClr val="accent1"/>
+            </a:effectRef>
+            <a:fontRef idx="minor">
+              <a:schemeClr val="lt1"/>
+            </a:fontRef>
+          </p:style>
+          <p:txBody>
+            <a:bodyPr rtlCol="0" anchor="ctr"/>
+            <a:lstStyle/>
+            <a:p>
+              <a:pPr algn="ctr"/>
+              <a:endParaRPr lang="de-DE" dirty="0"/>
+            </a:p>
+          </p:txBody>
+        </p:sp>
+        <p:grpSp>
+          <p:nvGrpSpPr>
+            <p:cNvPr id="15" name="Gruppieren 14">
+              <a:extLst>
+                <a:ext uri="{FF2B5EF4-FFF2-40B4-BE49-F238E27FC236}">
+                  <a16:creationId xmlns:a16="http://schemas.microsoft.com/office/drawing/2014/main" id="{1ACFD025-F1F8-406E-ABD2-CDF93027D84C}"/>
+                </a:ext>
+              </a:extLst>
+            </p:cNvPr>
+            <p:cNvGrpSpPr/>
+            <p:nvPr/>
+          </p:nvGrpSpPr>
+          <p:grpSpPr>
+            <a:xfrm>
+              <a:off x="3125011" y="1071156"/>
+              <a:ext cx="6264634" cy="788434"/>
+              <a:chOff x="2863754" y="3849524"/>
+              <a:chExt cx="6264634" cy="666179"/>
+            </a:xfrm>
+          </p:grpSpPr>
+          <p:sp>
+            <p:nvSpPr>
+              <p:cNvPr id="12" name="Freihandform: Form 11">
+                <a:extLst>
+                  <a:ext uri="{FF2B5EF4-FFF2-40B4-BE49-F238E27FC236}">
+                    <a16:creationId xmlns:a16="http://schemas.microsoft.com/office/drawing/2014/main" id="{C27B0D14-B688-456F-900E-EEDF7144DDD8}"/>
+                  </a:ext>
+                </a:extLst>
+              </p:cNvPr>
+              <p:cNvSpPr/>
+              <p:nvPr/>
+            </p:nvSpPr>
+            <p:spPr>
+              <a:xfrm>
+                <a:off x="2863754" y="3912079"/>
+                <a:ext cx="508000" cy="603624"/>
+              </a:xfrm>
+              <a:custGeom>
+                <a:avLst/>
+                <a:gdLst>
+                  <a:gd name="connsiteX0" fmla="*/ 502023 w 508000"/>
+                  <a:gd name="connsiteY0" fmla="*/ 519953 h 603624"/>
+                  <a:gd name="connsiteX1" fmla="*/ 502023 w 508000"/>
+                  <a:gd name="connsiteY1" fmla="*/ 603624 h 603624"/>
+                  <a:gd name="connsiteX2" fmla="*/ 0 w 508000"/>
+                  <a:gd name="connsiteY2" fmla="*/ 603624 h 603624"/>
+                  <a:gd name="connsiteX3" fmla="*/ 185270 w 508000"/>
+                  <a:gd name="connsiteY3" fmla="*/ 298824 h 603624"/>
+                  <a:gd name="connsiteX4" fmla="*/ 5976 w 508000"/>
+                  <a:gd name="connsiteY4" fmla="*/ 0 h 603624"/>
+                  <a:gd name="connsiteX5" fmla="*/ 508000 w 508000"/>
+                  <a:gd name="connsiteY5" fmla="*/ 0 h 603624"/>
+                  <a:gd name="connsiteX6" fmla="*/ 502023 w 508000"/>
+                  <a:gd name="connsiteY6" fmla="*/ 519953 h 603624"/>
+                </a:gdLst>
+                <a:ahLst/>
+                <a:cxnLst>
+                  <a:cxn ang="0">
+                    <a:pos x="connsiteX0" y="connsiteY0"/>
+                  </a:cxn>
+                  <a:cxn ang="0">
+                    <a:pos x="connsiteX1" y="connsiteY1"/>
+                  </a:cxn>
+                  <a:cxn ang="0">
+                    <a:pos x="connsiteX2" y="connsiteY2"/>
+                  </a:cxn>
+                  <a:cxn ang="0">
+                    <a:pos x="connsiteX3" y="connsiteY3"/>
+                  </a:cxn>
+                  <a:cxn ang="0">
+                    <a:pos x="connsiteX4" y="connsiteY4"/>
+                  </a:cxn>
+                  <a:cxn ang="0">
+                    <a:pos x="connsiteX5" y="connsiteY5"/>
+                  </a:cxn>
+                  <a:cxn ang="0">
+                    <a:pos x="connsiteX6" y="connsiteY6"/>
+                  </a:cxn>
+                </a:cxnLst>
+                <a:rect l="l" t="t" r="r" b="b"/>
+                <a:pathLst>
+                  <a:path w="508000" h="603624">
+                    <a:moveTo>
+                      <a:pt x="502023" y="519953"/>
+                    </a:moveTo>
+                    <a:lnTo>
+                      <a:pt x="502023" y="603624"/>
+                    </a:lnTo>
+                    <a:lnTo>
+                      <a:pt x="0" y="603624"/>
+                    </a:lnTo>
+                    <a:lnTo>
+                      <a:pt x="185270" y="298824"/>
+                    </a:lnTo>
+                    <a:lnTo>
+                      <a:pt x="5976" y="0"/>
+                    </a:lnTo>
+                    <a:lnTo>
+                      <a:pt x="508000" y="0"/>
+                    </a:lnTo>
+                    <a:cubicBezTo>
+                      <a:pt x="506008" y="173318"/>
+                      <a:pt x="504015" y="346635"/>
+                      <a:pt x="502023" y="519953"/>
+                    </a:cubicBezTo>
+                    <a:close/>
+                  </a:path>
+                </a:pathLst>
+              </a:custGeom>
+              <a:solidFill>
+                <a:srgbClr val="F0E5DF"/>
+              </a:solidFill>
+              <a:ln>
+                <a:noFill/>
+              </a:ln>
+            </p:spPr>
+            <p:style>
+              <a:lnRef idx="2">
+                <a:schemeClr val="accent1">
+                  <a:shade val="50000"/>
+                </a:schemeClr>
+              </a:lnRef>
+              <a:fillRef idx="1">
+                <a:schemeClr val="accent1"/>
+              </a:fillRef>
+              <a:effectRef idx="0">
+                <a:schemeClr val="accent1"/>
+              </a:effectRef>
+              <a:fontRef idx="minor">
+                <a:schemeClr val="lt1"/>
+              </a:fontRef>
+            </p:style>
+            <p:txBody>
+              <a:bodyPr rot="0" spcFirstLastPara="0" vertOverflow="overflow" horzOverflow="overflow" vert="horz" wrap="square" lIns="91440" tIns="45720" rIns="91440" bIns="45720" numCol="1" spcCol="0" rtlCol="0" fromWordArt="0" anchor="ctr" anchorCtr="0" forceAA="0" compatLnSpc="1">
+                <a:prstTxWarp prst="textNoShape">
+                  <a:avLst/>
+                </a:prstTxWarp>
+                <a:noAutofit/>
+              </a:bodyPr>
+              <a:lstStyle/>
+              <a:p>
+                <a:pPr algn="ctr"/>
+                <a:endParaRPr lang="de-DE" dirty="0"/>
+              </a:p>
+            </p:txBody>
+          </p:sp>
+          <p:sp>
+            <p:nvSpPr>
+              <p:cNvPr id="14" name="Freihandform: Form 13">
+                <a:extLst>
+                  <a:ext uri="{FF2B5EF4-FFF2-40B4-BE49-F238E27FC236}">
+                    <a16:creationId xmlns:a16="http://schemas.microsoft.com/office/drawing/2014/main" id="{AB8699CE-D428-460D-93BA-F0854621A546}"/>
+                  </a:ext>
+                </a:extLst>
+              </p:cNvPr>
+              <p:cNvSpPr/>
+              <p:nvPr/>
+            </p:nvSpPr>
+            <p:spPr>
+              <a:xfrm flipH="1">
+                <a:off x="8620388" y="3912079"/>
+                <a:ext cx="508000" cy="603624"/>
+              </a:xfrm>
+              <a:custGeom>
+                <a:avLst/>
+                <a:gdLst>
+                  <a:gd name="connsiteX0" fmla="*/ 502023 w 508000"/>
+                  <a:gd name="connsiteY0" fmla="*/ 519953 h 603624"/>
+                  <a:gd name="connsiteX1" fmla="*/ 502023 w 508000"/>
+                  <a:gd name="connsiteY1" fmla="*/ 603624 h 603624"/>
+                  <a:gd name="connsiteX2" fmla="*/ 0 w 508000"/>
+                  <a:gd name="connsiteY2" fmla="*/ 603624 h 603624"/>
+                  <a:gd name="connsiteX3" fmla="*/ 185270 w 508000"/>
+                  <a:gd name="connsiteY3" fmla="*/ 298824 h 603624"/>
+                  <a:gd name="connsiteX4" fmla="*/ 5976 w 508000"/>
+                  <a:gd name="connsiteY4" fmla="*/ 0 h 603624"/>
+                  <a:gd name="connsiteX5" fmla="*/ 508000 w 508000"/>
+                  <a:gd name="connsiteY5" fmla="*/ 0 h 603624"/>
+                  <a:gd name="connsiteX6" fmla="*/ 502023 w 508000"/>
+                  <a:gd name="connsiteY6" fmla="*/ 519953 h 603624"/>
+                </a:gdLst>
+                <a:ahLst/>
+                <a:cxnLst>
+                  <a:cxn ang="0">
+                    <a:pos x="connsiteX0" y="connsiteY0"/>
+                  </a:cxn>
+                  <a:cxn ang="0">
+                    <a:pos x="connsiteX1" y="connsiteY1"/>
+                  </a:cxn>
+                  <a:cxn ang="0">
+                    <a:pos x="connsiteX2" y="connsiteY2"/>
+                  </a:cxn>
+                  <a:cxn ang="0">
+                    <a:pos x="connsiteX3" y="connsiteY3"/>
+                  </a:cxn>
+                  <a:cxn ang="0">
+                    <a:pos x="connsiteX4" y="connsiteY4"/>
+                  </a:cxn>
+                  <a:cxn ang="0">
+                    <a:pos x="connsiteX5" y="connsiteY5"/>
+                  </a:cxn>
+                  <a:cxn ang="0">
+                    <a:pos x="connsiteX6" y="connsiteY6"/>
+                  </a:cxn>
+                </a:cxnLst>
+                <a:rect l="l" t="t" r="r" b="b"/>
+                <a:pathLst>
+                  <a:path w="508000" h="603624">
+                    <a:moveTo>
+                      <a:pt x="502023" y="519953"/>
+                    </a:moveTo>
+                    <a:lnTo>
+                      <a:pt x="502023" y="603624"/>
+                    </a:lnTo>
+                    <a:lnTo>
+                      <a:pt x="0" y="603624"/>
+                    </a:lnTo>
+                    <a:lnTo>
+                      <a:pt x="185270" y="298824"/>
+                    </a:lnTo>
+                    <a:lnTo>
+                      <a:pt x="5976" y="0"/>
+                    </a:lnTo>
+                    <a:lnTo>
+                      <a:pt x="508000" y="0"/>
+                    </a:lnTo>
+                    <a:cubicBezTo>
+                      <a:pt x="506008" y="173318"/>
+                      <a:pt x="504015" y="346635"/>
+                      <a:pt x="502023" y="519953"/>
+                    </a:cubicBezTo>
+                    <a:close/>
+                  </a:path>
+                </a:pathLst>
+              </a:custGeom>
+              <a:solidFill>
+                <a:srgbClr val="F0E5DF"/>
+              </a:solidFill>
+              <a:ln>
+                <a:noFill/>
+              </a:ln>
+            </p:spPr>
+            <p:style>
+              <a:lnRef idx="2">
+                <a:schemeClr val="accent1">
+                  <a:shade val="50000"/>
+                </a:schemeClr>
+              </a:lnRef>
+              <a:fillRef idx="1">
+                <a:schemeClr val="accent1"/>
+              </a:fillRef>
+              <a:effectRef idx="0">
+                <a:schemeClr val="accent1"/>
+              </a:effectRef>
+              <a:fontRef idx="minor">
+                <a:schemeClr val="lt1"/>
+              </a:fontRef>
+            </p:style>
+            <p:txBody>
+              <a:bodyPr rot="0" spcFirstLastPara="0" vertOverflow="overflow" horzOverflow="overflow" vert="horz" wrap="square" lIns="91440" tIns="45720" rIns="91440" bIns="45720" numCol="1" spcCol="0" rtlCol="0" fromWordArt="0" anchor="ctr" anchorCtr="0" forceAA="0" compatLnSpc="1">
+                <a:prstTxWarp prst="textNoShape">
+                  <a:avLst/>
+                </a:prstTxWarp>
+                <a:noAutofit/>
+              </a:bodyPr>
+              <a:lstStyle/>
+              <a:p>
+                <a:pPr algn="ctr"/>
+                <a:endParaRPr lang="de-DE" dirty="0"/>
+              </a:p>
+            </p:txBody>
+          </p:sp>
+          <p:sp>
+            <p:nvSpPr>
+              <p:cNvPr id="11" name="Rechteck 10">
+                <a:extLst>
+                  <a:ext uri="{FF2B5EF4-FFF2-40B4-BE49-F238E27FC236}">
+                    <a16:creationId xmlns:a16="http://schemas.microsoft.com/office/drawing/2014/main" id="{26CFE2A0-6F0B-4B01-BA94-766DDCF45433}"/>
+                  </a:ext>
+                </a:extLst>
+              </p:cNvPr>
+              <p:cNvSpPr/>
+              <p:nvPr/>
+            </p:nvSpPr>
+            <p:spPr>
+              <a:xfrm>
+                <a:off x="3164230" y="3849524"/>
+                <a:ext cx="5663682" cy="550507"/>
+              </a:xfrm>
+              <a:prstGeom prst="rect">
+                <a:avLst/>
+              </a:prstGeom>
+              <a:solidFill>
+                <a:srgbClr val="F0E5DF"/>
+              </a:solidFill>
+              <a:ln>
+                <a:noFill/>
+              </a:ln>
+            </p:spPr>
+            <p:style>
+              <a:lnRef idx="2">
+                <a:schemeClr val="accent1">
+                  <a:shade val="50000"/>
+                </a:schemeClr>
+              </a:lnRef>
+              <a:fillRef idx="1">
+                <a:schemeClr val="accent1"/>
+              </a:fillRef>
+              <a:effectRef idx="0">
+                <a:schemeClr val="accent1"/>
+              </a:effectRef>
+              <a:fontRef idx="minor">
+                <a:schemeClr val="lt1"/>
+              </a:fontRef>
+            </p:style>
+            <p:txBody>
+              <a:bodyPr rtlCol="0" anchor="ctr"/>
+              <a:lstStyle/>
+              <a:p>
+                <a:pPr algn="ctr"/>
+                <a:endParaRPr lang="de-DE" dirty="0"/>
+              </a:p>
+            </p:txBody>
+          </p:sp>
+        </p:grpSp>
+        <p:sp>
+          <p:nvSpPr>
+            <p:cNvPr id="8" name="Textfeld 7">
+              <a:extLst>
+                <a:ext uri="{FF2B5EF4-FFF2-40B4-BE49-F238E27FC236}">
+                  <a16:creationId xmlns:a16="http://schemas.microsoft.com/office/drawing/2014/main" id="{77AE43E7-4A99-4C57-86D6-0DF047444BFF}"/>
+                </a:ext>
+              </a:extLst>
+            </p:cNvPr>
+            <p:cNvSpPr txBox="1"/>
+            <p:nvPr/>
+          </p:nvSpPr>
+          <p:spPr>
+            <a:xfrm>
+              <a:off x="4073919" y="1076359"/>
+              <a:ext cx="4807726" cy="646331"/>
+            </a:xfrm>
+            <a:prstGeom prst="rect">
+              <a:avLst/>
+            </a:prstGeom>
+            <a:noFill/>
+          </p:spPr>
+          <p:txBody>
+            <a:bodyPr wrap="none" rtlCol="0">
+              <a:spAutoFit/>
+            </a:bodyPr>
+            <a:lstStyle/>
+            <a:p>
+              <a:r>
+                <a:rPr lang="de-DE" sz="3600" b="1" dirty="0">
+                  <a:latin typeface="Arial Black" panose="020B0A04020102020204" pitchFamily="34" charset="0"/>
+                </a:rPr>
+                <a:t>O</a:t>
+              </a:r>
+              <a:r>
+                <a:rPr lang="de-DE" sz="2400" dirty="0">
+                  <a:latin typeface="Arial" panose="020B0604020202020204" pitchFamily="34" charset="0"/>
+                  <a:cs typeface="Arial" panose="020B0604020202020204" pitchFamily="34" charset="0"/>
+                </a:rPr>
+                <a:t>bject</a:t>
+              </a:r>
+              <a:r>
+                <a:rPr lang="de-DE" sz="3600" b="1" dirty="0">
+                  <a:latin typeface="Arial Black" panose="020B0A04020102020204" pitchFamily="34" charset="0"/>
+                </a:rPr>
+                <a:t> O</a:t>
+              </a:r>
+              <a:r>
+                <a:rPr lang="de-DE" sz="2400" dirty="0">
+                  <a:latin typeface="Arial" panose="020B0604020202020204" pitchFamily="34" charset="0"/>
+                  <a:cs typeface="Arial" panose="020B0604020202020204" pitchFamily="34" charset="0"/>
+                </a:rPr>
+                <a:t>riented</a:t>
+              </a:r>
+              <a:r>
+                <a:rPr lang="de-DE" sz="3600" b="1" dirty="0">
+                  <a:latin typeface="Arial Black" panose="020B0A04020102020204" pitchFamily="34" charset="0"/>
+                </a:rPr>
+                <a:t> </a:t>
+              </a:r>
+              <a:r>
+                <a:rPr lang="de-DE" sz="3600" b="1" dirty="0">
+                  <a:latin typeface="Arial Black" panose="020B0A04020102020204" pitchFamily="34" charset="0"/>
+                  <a:cs typeface="Arial" panose="020B0604020202020204" pitchFamily="34" charset="0"/>
+                </a:rPr>
+                <a:t>P</a:t>
+              </a:r>
+              <a:r>
+                <a:rPr lang="de-DE" sz="2400" dirty="0">
+                  <a:latin typeface="Arial" panose="020B0604020202020204" pitchFamily="34" charset="0"/>
+                  <a:cs typeface="Arial" panose="020B0604020202020204" pitchFamily="34" charset="0"/>
+                </a:rPr>
+                <a:t>rogramming</a:t>
+              </a:r>
+              <a:endParaRPr lang="de-DE" sz="3600" dirty="0">
+                <a:latin typeface="Arial" panose="020B0604020202020204" pitchFamily="34" charset="0"/>
+                <a:cs typeface="Arial" panose="020B0604020202020204" pitchFamily="34" charset="0"/>
+              </a:endParaRPr>
+            </a:p>
+          </p:txBody>
+        </p:sp>
+      </p:grpSp>
     </p:spTree>
     <p:extLst>
       <p:ext uri="{BB962C8B-B14F-4D97-AF65-F5344CB8AC3E}">
@@ -3436,6 +3953,1633 @@
 </file>
 
 <file path=ppt/slides/slide10.xml><?xml version="1.0" encoding="utf-8"?>
+<p:sld xmlns:a="http://schemas.openxmlformats.org/drawingml/2006/main" xmlns:r="http://schemas.openxmlformats.org/officeDocument/2006/relationships" xmlns:p="http://schemas.openxmlformats.org/presentationml/2006/main">
+  <p:cSld>
+    <p:spTree>
+      <p:nvGrpSpPr>
+        <p:cNvPr id="1" name=""/>
+        <p:cNvGrpSpPr/>
+        <p:nvPr/>
+      </p:nvGrpSpPr>
+      <p:grpSpPr>
+        <a:xfrm>
+          <a:off x="0" y="0"/>
+          <a:ext cx="0" cy="0"/>
+          <a:chOff x="0" y="0"/>
+          <a:chExt cx="0" cy="0"/>
+        </a:xfrm>
+      </p:grpSpPr>
+      <p:sp>
+        <p:nvSpPr>
+          <p:cNvPr id="2" name="Titel 1">
+            <a:extLst>
+              <a:ext uri="{FF2B5EF4-FFF2-40B4-BE49-F238E27FC236}">
+                <a16:creationId xmlns:a16="http://schemas.microsoft.com/office/drawing/2014/main" id="{782CE7BC-D855-4B20-8877-C9DD44CF4F9D}"/>
+              </a:ext>
+            </a:extLst>
+          </p:cNvPr>
+          <p:cNvSpPr>
+            <a:spLocks noGrp="1"/>
+          </p:cNvSpPr>
+          <p:nvPr>
+            <p:ph type="title"/>
+          </p:nvPr>
+        </p:nvSpPr>
+        <p:spPr/>
+        <p:txBody>
+          <a:bodyPr/>
+          <a:lstStyle/>
+          <a:p>
+            <a:r>
+              <a:rPr lang="de-DE" dirty="0"/>
+              <a:t>Beziehungen</a:t>
+            </a:r>
+            <a:br>
+              <a:rPr lang="de-DE" dirty="0"/>
+            </a:br>
+            <a:r>
+              <a:rPr lang="de-DE" sz="2800" dirty="0">
+                <a:solidFill>
+                  <a:schemeClr val="bg1">
+                    <a:lumMod val="75000"/>
+                  </a:schemeClr>
+                </a:solidFill>
+              </a:rPr>
+              <a:t>- Aggregation -</a:t>
+            </a:r>
+            <a:endParaRPr lang="de-DE" dirty="0">
+              <a:solidFill>
+                <a:schemeClr val="bg1">
+                  <a:lumMod val="75000"/>
+                </a:schemeClr>
+              </a:solidFill>
+            </a:endParaRPr>
+          </a:p>
+        </p:txBody>
+      </p:sp>
+      <p:sp>
+        <p:nvSpPr>
+          <p:cNvPr id="16" name="Textfeld 15">
+            <a:extLst>
+              <a:ext uri="{FF2B5EF4-FFF2-40B4-BE49-F238E27FC236}">
+                <a16:creationId xmlns:a16="http://schemas.microsoft.com/office/drawing/2014/main" id="{9C78366B-AE22-4D47-8276-EEA91EEA3145}"/>
+              </a:ext>
+            </a:extLst>
+          </p:cNvPr>
+          <p:cNvSpPr txBox="1"/>
+          <p:nvPr/>
+        </p:nvSpPr>
+        <p:spPr>
+          <a:xfrm>
+            <a:off x="1282354" y="5517654"/>
+            <a:ext cx="9823796" cy="923330"/>
+          </a:xfrm>
+          <a:prstGeom prst="rect">
+            <a:avLst/>
+          </a:prstGeom>
+          <a:noFill/>
+        </p:spPr>
+        <p:txBody>
+          <a:bodyPr wrap="square" rtlCol="0">
+            <a:spAutoFit/>
+          </a:bodyPr>
+          <a:lstStyle/>
+          <a:p>
+            <a:r>
+              <a:rPr lang="de-DE" b="1" dirty="0"/>
+              <a:t>Aggregation:</a:t>
+            </a:r>
+          </a:p>
+          <a:p>
+            <a:r>
+              <a:rPr lang="de-DE" dirty="0"/>
+              <a:t>Man nennt eine Beziehung Aggregation, wenn eine Klasse eine andere verwaltet (in einer Liste oder das erste Element einer dynamischen Liste).</a:t>
+            </a:r>
+          </a:p>
+        </p:txBody>
+      </p:sp>
+      <p:grpSp>
+        <p:nvGrpSpPr>
+          <p:cNvPr id="13" name="Gruppieren 12">
+            <a:extLst>
+              <a:ext uri="{FF2B5EF4-FFF2-40B4-BE49-F238E27FC236}">
+                <a16:creationId xmlns:a16="http://schemas.microsoft.com/office/drawing/2014/main" id="{9E812677-9616-4027-B48A-F5FF14FEA38E}"/>
+              </a:ext>
+            </a:extLst>
+          </p:cNvPr>
+          <p:cNvGrpSpPr/>
+          <p:nvPr/>
+        </p:nvGrpSpPr>
+        <p:grpSpPr>
+          <a:xfrm>
+            <a:off x="6096000" y="2058743"/>
+            <a:ext cx="5115817" cy="2786261"/>
+            <a:chOff x="2921659" y="2031025"/>
+            <a:chExt cx="5115817" cy="2786261"/>
+          </a:xfrm>
+        </p:grpSpPr>
+        <p:grpSp>
+          <p:nvGrpSpPr>
+            <p:cNvPr id="17" name="Gruppieren 16">
+              <a:extLst>
+                <a:ext uri="{FF2B5EF4-FFF2-40B4-BE49-F238E27FC236}">
+                  <a16:creationId xmlns:a16="http://schemas.microsoft.com/office/drawing/2014/main" id="{89A88DDE-0AE1-43B9-AE5F-1AF419B1CDE4}"/>
+                </a:ext>
+              </a:extLst>
+            </p:cNvPr>
+            <p:cNvGrpSpPr/>
+            <p:nvPr/>
+          </p:nvGrpSpPr>
+          <p:grpSpPr>
+            <a:xfrm>
+              <a:off x="2921659" y="2046913"/>
+              <a:ext cx="2214646" cy="2770373"/>
+              <a:chOff x="1510014" y="1929468"/>
+              <a:chExt cx="2214646" cy="2770373"/>
+            </a:xfrm>
+          </p:grpSpPr>
+          <p:sp>
+            <p:nvSpPr>
+              <p:cNvPr id="4" name="Rechteck 3">
+                <a:extLst>
+                  <a:ext uri="{FF2B5EF4-FFF2-40B4-BE49-F238E27FC236}">
+                    <a16:creationId xmlns:a16="http://schemas.microsoft.com/office/drawing/2014/main" id="{AF1EC51F-7536-477C-86AB-296920D47CC5}"/>
+                  </a:ext>
+                </a:extLst>
+              </p:cNvPr>
+              <p:cNvSpPr/>
+              <p:nvPr/>
+            </p:nvSpPr>
+            <p:spPr>
+              <a:xfrm>
+                <a:off x="1510017" y="1929468"/>
+                <a:ext cx="2214642" cy="536895"/>
+              </a:xfrm>
+              <a:prstGeom prst="rect">
+                <a:avLst/>
+              </a:prstGeom>
+              <a:solidFill>
+                <a:schemeClr val="bg1">
+                  <a:lumMod val="75000"/>
+                  <a:alpha val="60000"/>
+                </a:schemeClr>
+              </a:solidFill>
+              <a:ln>
+                <a:noFill/>
+              </a:ln>
+            </p:spPr>
+            <p:style>
+              <a:lnRef idx="2">
+                <a:schemeClr val="accent1">
+                  <a:shade val="50000"/>
+                </a:schemeClr>
+              </a:lnRef>
+              <a:fillRef idx="1">
+                <a:schemeClr val="accent1"/>
+              </a:fillRef>
+              <a:effectRef idx="0">
+                <a:schemeClr val="accent1"/>
+              </a:effectRef>
+              <a:fontRef idx="minor">
+                <a:schemeClr val="lt1"/>
+              </a:fontRef>
+            </p:style>
+            <p:txBody>
+              <a:bodyPr rtlCol="0" anchor="ctr"/>
+              <a:lstStyle/>
+              <a:p>
+                <a:pPr algn="ctr"/>
+                <a:endParaRPr lang="de-DE" dirty="0"/>
+              </a:p>
+            </p:txBody>
+          </p:sp>
+          <p:sp>
+            <p:nvSpPr>
+              <p:cNvPr id="5" name="Rechteck 4">
+                <a:extLst>
+                  <a:ext uri="{FF2B5EF4-FFF2-40B4-BE49-F238E27FC236}">
+                    <a16:creationId xmlns:a16="http://schemas.microsoft.com/office/drawing/2014/main" id="{1BE165BD-7477-4F61-8575-B61137DE6641}"/>
+                  </a:ext>
+                </a:extLst>
+              </p:cNvPr>
+              <p:cNvSpPr/>
+              <p:nvPr/>
+            </p:nvSpPr>
+            <p:spPr>
+              <a:xfrm>
+                <a:off x="1510017" y="2466363"/>
+                <a:ext cx="2214643" cy="962637"/>
+              </a:xfrm>
+              <a:prstGeom prst="rect">
+                <a:avLst/>
+              </a:prstGeom>
+              <a:solidFill>
+                <a:srgbClr val="92D050">
+                  <a:alpha val="60000"/>
+                </a:srgbClr>
+              </a:solidFill>
+              <a:ln>
+                <a:noFill/>
+              </a:ln>
+            </p:spPr>
+            <p:style>
+              <a:lnRef idx="2">
+                <a:schemeClr val="accent1">
+                  <a:shade val="50000"/>
+                </a:schemeClr>
+              </a:lnRef>
+              <a:fillRef idx="1">
+                <a:schemeClr val="accent1"/>
+              </a:fillRef>
+              <a:effectRef idx="0">
+                <a:schemeClr val="accent1"/>
+              </a:effectRef>
+              <a:fontRef idx="minor">
+                <a:schemeClr val="lt1"/>
+              </a:fontRef>
+            </p:style>
+            <p:txBody>
+              <a:bodyPr rtlCol="0" anchor="ctr"/>
+              <a:lstStyle/>
+              <a:p>
+                <a:pPr algn="ctr"/>
+                <a:endParaRPr lang="de-DE"/>
+              </a:p>
+            </p:txBody>
+          </p:sp>
+          <p:sp>
+            <p:nvSpPr>
+              <p:cNvPr id="6" name="Rechteck 5">
+                <a:extLst>
+                  <a:ext uri="{FF2B5EF4-FFF2-40B4-BE49-F238E27FC236}">
+                    <a16:creationId xmlns:a16="http://schemas.microsoft.com/office/drawing/2014/main" id="{A974DD69-A7FC-44A1-A9D6-A923602BB5BD}"/>
+                  </a:ext>
+                </a:extLst>
+              </p:cNvPr>
+              <p:cNvSpPr/>
+              <p:nvPr/>
+            </p:nvSpPr>
+            <p:spPr>
+              <a:xfrm>
+                <a:off x="1510015" y="3433102"/>
+                <a:ext cx="2214644" cy="1266739"/>
+              </a:xfrm>
+              <a:prstGeom prst="rect">
+                <a:avLst/>
+              </a:prstGeom>
+              <a:solidFill>
+                <a:schemeClr val="accent1">
+                  <a:alpha val="60000"/>
+                </a:schemeClr>
+              </a:solidFill>
+              <a:ln>
+                <a:noFill/>
+              </a:ln>
+            </p:spPr>
+            <p:style>
+              <a:lnRef idx="2">
+                <a:schemeClr val="accent1">
+                  <a:shade val="50000"/>
+                </a:schemeClr>
+              </a:lnRef>
+              <a:fillRef idx="1">
+                <a:schemeClr val="accent1"/>
+              </a:fillRef>
+              <a:effectRef idx="0">
+                <a:schemeClr val="accent1"/>
+              </a:effectRef>
+              <a:fontRef idx="minor">
+                <a:schemeClr val="lt1"/>
+              </a:fontRef>
+            </p:style>
+            <p:txBody>
+              <a:bodyPr rtlCol="0" anchor="ctr"/>
+              <a:lstStyle/>
+              <a:p>
+                <a:pPr algn="ctr"/>
+                <a:endParaRPr lang="de-DE"/>
+              </a:p>
+            </p:txBody>
+          </p:sp>
+          <p:sp>
+            <p:nvSpPr>
+              <p:cNvPr id="7" name="Textfeld 6">
+                <a:extLst>
+                  <a:ext uri="{FF2B5EF4-FFF2-40B4-BE49-F238E27FC236}">
+                    <a16:creationId xmlns:a16="http://schemas.microsoft.com/office/drawing/2014/main" id="{DC674F73-4A2B-4524-B01C-23582C027E91}"/>
+                  </a:ext>
+                </a:extLst>
+              </p:cNvPr>
+              <p:cNvSpPr txBox="1"/>
+              <p:nvPr/>
+            </p:nvSpPr>
+            <p:spPr>
+              <a:xfrm>
+                <a:off x="1510014" y="3433287"/>
+                <a:ext cx="1770036" cy="1200329"/>
+              </a:xfrm>
+              <a:prstGeom prst="rect">
+                <a:avLst/>
+              </a:prstGeom>
+              <a:noFill/>
+            </p:spPr>
+            <p:txBody>
+              <a:bodyPr wrap="none" rtlCol="0">
+                <a:spAutoFit/>
+              </a:bodyPr>
+              <a:lstStyle/>
+              <a:p>
+                <a:r>
+                  <a:rPr lang="de-DE" dirty="0"/>
+                  <a:t>c </a:t>
+                </a:r>
+                <a:r>
+                  <a:rPr lang="de-DE" i="1" dirty="0"/>
+                  <a:t>Klassenname()</a:t>
+                </a:r>
+              </a:p>
+              <a:p>
+                <a:r>
+                  <a:rPr lang="de-DE" dirty="0"/>
+                  <a:t>+ </a:t>
+                </a:r>
+              </a:p>
+              <a:p>
+                <a:r>
+                  <a:rPr lang="de-DE" dirty="0"/>
+                  <a:t>-</a:t>
+                </a:r>
+              </a:p>
+              <a:p>
+                <a:r>
+                  <a:rPr lang="de-DE" dirty="0"/>
+                  <a:t>#</a:t>
+                </a:r>
+              </a:p>
+            </p:txBody>
+          </p:sp>
+          <p:sp>
+            <p:nvSpPr>
+              <p:cNvPr id="8" name="Textfeld 7">
+                <a:extLst>
+                  <a:ext uri="{FF2B5EF4-FFF2-40B4-BE49-F238E27FC236}">
+                    <a16:creationId xmlns:a16="http://schemas.microsoft.com/office/drawing/2014/main" id="{A422D8FB-696E-4A83-941B-9D3AC1E76A0E}"/>
+                  </a:ext>
+                </a:extLst>
+              </p:cNvPr>
+              <p:cNvSpPr txBox="1"/>
+              <p:nvPr/>
+            </p:nvSpPr>
+            <p:spPr>
+              <a:xfrm>
+                <a:off x="2175548" y="1994312"/>
+                <a:ext cx="883575" cy="369332"/>
+              </a:xfrm>
+              <a:prstGeom prst="rect">
+                <a:avLst/>
+              </a:prstGeom>
+              <a:noFill/>
+            </p:spPr>
+            <p:txBody>
+              <a:bodyPr wrap="none" rtlCol="0">
+                <a:spAutoFit/>
+              </a:bodyPr>
+              <a:lstStyle/>
+              <a:p>
+                <a:r>
+                  <a:rPr lang="de-DE" i="1" dirty="0"/>
+                  <a:t>Klasse0</a:t>
+                </a:r>
+              </a:p>
+            </p:txBody>
+          </p:sp>
+          <p:sp>
+            <p:nvSpPr>
+              <p:cNvPr id="9" name="Textfeld 8">
+                <a:extLst>
+                  <a:ext uri="{FF2B5EF4-FFF2-40B4-BE49-F238E27FC236}">
+                    <a16:creationId xmlns:a16="http://schemas.microsoft.com/office/drawing/2014/main" id="{E25CADDF-0E71-43BD-95A6-BCB13D6463CF}"/>
+                  </a:ext>
+                </a:extLst>
+              </p:cNvPr>
+              <p:cNvSpPr txBox="1"/>
+              <p:nvPr/>
+            </p:nvSpPr>
+            <p:spPr>
+              <a:xfrm>
+                <a:off x="1510014" y="2443197"/>
+                <a:ext cx="2014334" cy="369332"/>
+              </a:xfrm>
+              <a:prstGeom prst="rect">
+                <a:avLst/>
+              </a:prstGeom>
+              <a:noFill/>
+            </p:spPr>
+            <p:txBody>
+              <a:bodyPr wrap="none" rtlCol="0">
+                <a:spAutoFit/>
+              </a:bodyPr>
+              <a:lstStyle/>
+              <a:p>
+                <a:r>
+                  <a:rPr lang="de-DE" dirty="0"/>
+                  <a:t>- </a:t>
+                </a:r>
+                <a:r>
+                  <a:rPr lang="de-DE" i="1" dirty="0"/>
+                  <a:t>ListKlass1</a:t>
+                </a:r>
+                <a:r>
+                  <a:rPr lang="de-DE" dirty="0"/>
+                  <a:t> :Klasse1</a:t>
+                </a:r>
+              </a:p>
+            </p:txBody>
+          </p:sp>
+        </p:grpSp>
+        <p:grpSp>
+          <p:nvGrpSpPr>
+            <p:cNvPr id="18" name="Gruppieren 17">
+              <a:extLst>
+                <a:ext uri="{FF2B5EF4-FFF2-40B4-BE49-F238E27FC236}">
+                  <a16:creationId xmlns:a16="http://schemas.microsoft.com/office/drawing/2014/main" id="{D6E3DEB9-C732-49F3-8DC1-720D30B0E207}"/>
+                </a:ext>
+              </a:extLst>
+            </p:cNvPr>
+            <p:cNvGrpSpPr/>
+            <p:nvPr/>
+          </p:nvGrpSpPr>
+          <p:grpSpPr>
+            <a:xfrm>
+              <a:off x="5822830" y="2031025"/>
+              <a:ext cx="2214646" cy="2770373"/>
+              <a:chOff x="1510014" y="1929468"/>
+              <a:chExt cx="2214646" cy="2770373"/>
+            </a:xfrm>
+          </p:grpSpPr>
+          <p:sp>
+            <p:nvSpPr>
+              <p:cNvPr id="19" name="Rechteck 18">
+                <a:extLst>
+                  <a:ext uri="{FF2B5EF4-FFF2-40B4-BE49-F238E27FC236}">
+                    <a16:creationId xmlns:a16="http://schemas.microsoft.com/office/drawing/2014/main" id="{2A311017-6714-4F2A-85A5-E36E3BA64233}"/>
+                  </a:ext>
+                </a:extLst>
+              </p:cNvPr>
+              <p:cNvSpPr/>
+              <p:nvPr/>
+            </p:nvSpPr>
+            <p:spPr>
+              <a:xfrm>
+                <a:off x="1510017" y="1929468"/>
+                <a:ext cx="2214642" cy="536895"/>
+              </a:xfrm>
+              <a:prstGeom prst="rect">
+                <a:avLst/>
+              </a:prstGeom>
+              <a:solidFill>
+                <a:schemeClr val="bg1">
+                  <a:lumMod val="75000"/>
+                  <a:alpha val="60000"/>
+                </a:schemeClr>
+              </a:solidFill>
+              <a:ln>
+                <a:noFill/>
+              </a:ln>
+            </p:spPr>
+            <p:style>
+              <a:lnRef idx="2">
+                <a:schemeClr val="accent1">
+                  <a:shade val="50000"/>
+                </a:schemeClr>
+              </a:lnRef>
+              <a:fillRef idx="1">
+                <a:schemeClr val="accent1"/>
+              </a:fillRef>
+              <a:effectRef idx="0">
+                <a:schemeClr val="accent1"/>
+              </a:effectRef>
+              <a:fontRef idx="minor">
+                <a:schemeClr val="lt1"/>
+              </a:fontRef>
+            </p:style>
+            <p:txBody>
+              <a:bodyPr rtlCol="0" anchor="ctr"/>
+              <a:lstStyle/>
+              <a:p>
+                <a:pPr algn="ctr"/>
+                <a:endParaRPr lang="de-DE" dirty="0"/>
+              </a:p>
+            </p:txBody>
+          </p:sp>
+          <p:sp>
+            <p:nvSpPr>
+              <p:cNvPr id="20" name="Rechteck 19">
+                <a:extLst>
+                  <a:ext uri="{FF2B5EF4-FFF2-40B4-BE49-F238E27FC236}">
+                    <a16:creationId xmlns:a16="http://schemas.microsoft.com/office/drawing/2014/main" id="{EDEF8969-3DAC-4579-AEF6-C97CF61C321D}"/>
+                  </a:ext>
+                </a:extLst>
+              </p:cNvPr>
+              <p:cNvSpPr/>
+              <p:nvPr/>
+            </p:nvSpPr>
+            <p:spPr>
+              <a:xfrm>
+                <a:off x="1510017" y="2466363"/>
+                <a:ext cx="2214643" cy="962637"/>
+              </a:xfrm>
+              <a:prstGeom prst="rect">
+                <a:avLst/>
+              </a:prstGeom>
+              <a:solidFill>
+                <a:srgbClr val="92D050">
+                  <a:alpha val="60000"/>
+                </a:srgbClr>
+              </a:solidFill>
+              <a:ln>
+                <a:noFill/>
+              </a:ln>
+            </p:spPr>
+            <p:style>
+              <a:lnRef idx="2">
+                <a:schemeClr val="accent1">
+                  <a:shade val="50000"/>
+                </a:schemeClr>
+              </a:lnRef>
+              <a:fillRef idx="1">
+                <a:schemeClr val="accent1"/>
+              </a:fillRef>
+              <a:effectRef idx="0">
+                <a:schemeClr val="accent1"/>
+              </a:effectRef>
+              <a:fontRef idx="minor">
+                <a:schemeClr val="lt1"/>
+              </a:fontRef>
+            </p:style>
+            <p:txBody>
+              <a:bodyPr rtlCol="0" anchor="ctr"/>
+              <a:lstStyle/>
+              <a:p>
+                <a:pPr algn="ctr"/>
+                <a:endParaRPr lang="de-DE"/>
+              </a:p>
+            </p:txBody>
+          </p:sp>
+          <p:sp>
+            <p:nvSpPr>
+              <p:cNvPr id="21" name="Rechteck 20">
+                <a:extLst>
+                  <a:ext uri="{FF2B5EF4-FFF2-40B4-BE49-F238E27FC236}">
+                    <a16:creationId xmlns:a16="http://schemas.microsoft.com/office/drawing/2014/main" id="{47012A2D-9B77-4433-A3FE-68A50B206692}"/>
+                  </a:ext>
+                </a:extLst>
+              </p:cNvPr>
+              <p:cNvSpPr/>
+              <p:nvPr/>
+            </p:nvSpPr>
+            <p:spPr>
+              <a:xfrm>
+                <a:off x="1510015" y="3433102"/>
+                <a:ext cx="2214644" cy="1266739"/>
+              </a:xfrm>
+              <a:prstGeom prst="rect">
+                <a:avLst/>
+              </a:prstGeom>
+              <a:solidFill>
+                <a:schemeClr val="accent1">
+                  <a:alpha val="60000"/>
+                </a:schemeClr>
+              </a:solidFill>
+              <a:ln>
+                <a:noFill/>
+              </a:ln>
+            </p:spPr>
+            <p:style>
+              <a:lnRef idx="2">
+                <a:schemeClr val="accent1">
+                  <a:shade val="50000"/>
+                </a:schemeClr>
+              </a:lnRef>
+              <a:fillRef idx="1">
+                <a:schemeClr val="accent1"/>
+              </a:fillRef>
+              <a:effectRef idx="0">
+                <a:schemeClr val="accent1"/>
+              </a:effectRef>
+              <a:fontRef idx="minor">
+                <a:schemeClr val="lt1"/>
+              </a:fontRef>
+            </p:style>
+            <p:txBody>
+              <a:bodyPr rtlCol="0" anchor="ctr"/>
+              <a:lstStyle/>
+              <a:p>
+                <a:pPr algn="ctr"/>
+                <a:endParaRPr lang="de-DE"/>
+              </a:p>
+            </p:txBody>
+          </p:sp>
+          <p:sp>
+            <p:nvSpPr>
+              <p:cNvPr id="22" name="Textfeld 21">
+                <a:extLst>
+                  <a:ext uri="{FF2B5EF4-FFF2-40B4-BE49-F238E27FC236}">
+                    <a16:creationId xmlns:a16="http://schemas.microsoft.com/office/drawing/2014/main" id="{24326C4E-3C96-4407-8240-B240F33F2755}"/>
+                  </a:ext>
+                </a:extLst>
+              </p:cNvPr>
+              <p:cNvSpPr txBox="1"/>
+              <p:nvPr/>
+            </p:nvSpPr>
+            <p:spPr>
+              <a:xfrm>
+                <a:off x="1510014" y="3433287"/>
+                <a:ext cx="1770036" cy="1200329"/>
+              </a:xfrm>
+              <a:prstGeom prst="rect">
+                <a:avLst/>
+              </a:prstGeom>
+              <a:noFill/>
+            </p:spPr>
+            <p:txBody>
+              <a:bodyPr wrap="none" rtlCol="0">
+                <a:spAutoFit/>
+              </a:bodyPr>
+              <a:lstStyle/>
+              <a:p>
+                <a:r>
+                  <a:rPr lang="de-DE" dirty="0"/>
+                  <a:t>c </a:t>
+                </a:r>
+                <a:r>
+                  <a:rPr lang="de-DE" i="1" dirty="0"/>
+                  <a:t>Klassenname()</a:t>
+                </a:r>
+              </a:p>
+              <a:p>
+                <a:r>
+                  <a:rPr lang="de-DE" dirty="0"/>
+                  <a:t>+ </a:t>
+                </a:r>
+              </a:p>
+              <a:p>
+                <a:r>
+                  <a:rPr lang="de-DE" dirty="0"/>
+                  <a:t>-</a:t>
+                </a:r>
+              </a:p>
+              <a:p>
+                <a:r>
+                  <a:rPr lang="de-DE" dirty="0"/>
+                  <a:t>#</a:t>
+                </a:r>
+              </a:p>
+            </p:txBody>
+          </p:sp>
+          <p:sp>
+            <p:nvSpPr>
+              <p:cNvPr id="23" name="Textfeld 22">
+                <a:extLst>
+                  <a:ext uri="{FF2B5EF4-FFF2-40B4-BE49-F238E27FC236}">
+                    <a16:creationId xmlns:a16="http://schemas.microsoft.com/office/drawing/2014/main" id="{56D80766-5075-4138-85D9-2BE888EAF5CF}"/>
+                  </a:ext>
+                </a:extLst>
+              </p:cNvPr>
+              <p:cNvSpPr txBox="1"/>
+              <p:nvPr/>
+            </p:nvSpPr>
+            <p:spPr>
+              <a:xfrm>
+                <a:off x="2230851" y="2000695"/>
+                <a:ext cx="883575" cy="369332"/>
+              </a:xfrm>
+              <a:prstGeom prst="rect">
+                <a:avLst/>
+              </a:prstGeom>
+              <a:noFill/>
+            </p:spPr>
+            <p:txBody>
+              <a:bodyPr wrap="none" rtlCol="0">
+                <a:spAutoFit/>
+              </a:bodyPr>
+              <a:lstStyle/>
+              <a:p>
+                <a:r>
+                  <a:rPr lang="de-DE" i="1" dirty="0"/>
+                  <a:t>Klasse1</a:t>
+                </a:r>
+              </a:p>
+            </p:txBody>
+          </p:sp>
+          <p:sp>
+            <p:nvSpPr>
+              <p:cNvPr id="24" name="Textfeld 23">
+                <a:extLst>
+                  <a:ext uri="{FF2B5EF4-FFF2-40B4-BE49-F238E27FC236}">
+                    <a16:creationId xmlns:a16="http://schemas.microsoft.com/office/drawing/2014/main" id="{F4B52A61-F3D5-4541-8FDB-3DD1801D5889}"/>
+                  </a:ext>
+                </a:extLst>
+              </p:cNvPr>
+              <p:cNvSpPr txBox="1"/>
+              <p:nvPr/>
+            </p:nvSpPr>
+            <p:spPr>
+              <a:xfrm>
+                <a:off x="1510014" y="2443197"/>
+                <a:ext cx="352982" cy="923330"/>
+              </a:xfrm>
+              <a:prstGeom prst="rect">
+                <a:avLst/>
+              </a:prstGeom>
+              <a:noFill/>
+            </p:spPr>
+            <p:txBody>
+              <a:bodyPr wrap="none" rtlCol="0">
+                <a:spAutoFit/>
+              </a:bodyPr>
+              <a:lstStyle/>
+              <a:p>
+                <a:r>
+                  <a:rPr lang="de-DE" dirty="0"/>
+                  <a:t>+ </a:t>
+                </a:r>
+              </a:p>
+              <a:p>
+                <a:r>
+                  <a:rPr lang="de-DE" dirty="0"/>
+                  <a:t>-</a:t>
+                </a:r>
+              </a:p>
+              <a:p>
+                <a:r>
+                  <a:rPr lang="de-DE" dirty="0"/>
+                  <a:t>#</a:t>
+                </a:r>
+              </a:p>
+            </p:txBody>
+          </p:sp>
+        </p:grpSp>
+        <p:cxnSp>
+          <p:nvCxnSpPr>
+            <p:cNvPr id="25" name="Gerade Verbindung mit Pfeil 24">
+              <a:extLst>
+                <a:ext uri="{FF2B5EF4-FFF2-40B4-BE49-F238E27FC236}">
+                  <a16:creationId xmlns:a16="http://schemas.microsoft.com/office/drawing/2014/main" id="{30738549-A80F-4E14-AECB-E8A5446CE781}"/>
+                </a:ext>
+              </a:extLst>
+            </p:cNvPr>
+            <p:cNvCxnSpPr>
+              <a:cxnSpLocks/>
+            </p:cNvCxnSpPr>
+            <p:nvPr/>
+          </p:nvCxnSpPr>
+          <p:spPr>
+            <a:xfrm flipH="1">
+              <a:off x="5210176" y="3546445"/>
+              <a:ext cx="612654" cy="0"/>
+            </a:xfrm>
+            <a:prstGeom prst="straightConnector1">
+              <a:avLst/>
+            </a:prstGeom>
+            <a:ln>
+              <a:tailEnd type="diamond" w="lg" len="lg"/>
+            </a:ln>
+          </p:spPr>
+          <p:style>
+            <a:lnRef idx="1">
+              <a:schemeClr val="accent1"/>
+            </a:lnRef>
+            <a:fillRef idx="0">
+              <a:schemeClr val="accent1"/>
+            </a:fillRef>
+            <a:effectRef idx="0">
+              <a:schemeClr val="accent1"/>
+            </a:effectRef>
+            <a:fontRef idx="minor">
+              <a:schemeClr val="tx1"/>
+            </a:fontRef>
+          </p:style>
+        </p:cxnSp>
+      </p:grpSp>
+      <p:sp>
+        <p:nvSpPr>
+          <p:cNvPr id="26" name="Freihandform: Form 25">
+            <a:extLst>
+              <a:ext uri="{FF2B5EF4-FFF2-40B4-BE49-F238E27FC236}">
+                <a16:creationId xmlns:a16="http://schemas.microsoft.com/office/drawing/2014/main" id="{B905EE40-4924-423A-BEF7-6C701FD024BD}"/>
+              </a:ext>
+            </a:extLst>
+          </p:cNvPr>
+          <p:cNvSpPr/>
+          <p:nvPr/>
+        </p:nvSpPr>
+        <p:spPr>
+          <a:xfrm>
+            <a:off x="11020982" y="1821977"/>
+            <a:ext cx="522515" cy="551715"/>
+          </a:xfrm>
+          <a:custGeom>
+            <a:avLst/>
+            <a:gdLst>
+              <a:gd name="connsiteX0" fmla="*/ 232229 w 653143"/>
+              <a:gd name="connsiteY0" fmla="*/ 667657 h 667657"/>
+              <a:gd name="connsiteX1" fmla="*/ 653143 w 653143"/>
+              <a:gd name="connsiteY1" fmla="*/ 667657 h 667657"/>
+              <a:gd name="connsiteX2" fmla="*/ 653143 w 653143"/>
+              <a:gd name="connsiteY2" fmla="*/ 0 h 667657"/>
+              <a:gd name="connsiteX3" fmla="*/ 0 w 653143"/>
+              <a:gd name="connsiteY3" fmla="*/ 0 h 667657"/>
+              <a:gd name="connsiteX4" fmla="*/ 0 w 653143"/>
+              <a:gd name="connsiteY4" fmla="*/ 232228 h 667657"/>
+            </a:gdLst>
+            <a:ahLst/>
+            <a:cxnLst>
+              <a:cxn ang="0">
+                <a:pos x="connsiteX0" y="connsiteY0"/>
+              </a:cxn>
+              <a:cxn ang="0">
+                <a:pos x="connsiteX1" y="connsiteY1"/>
+              </a:cxn>
+              <a:cxn ang="0">
+                <a:pos x="connsiteX2" y="connsiteY2"/>
+              </a:cxn>
+              <a:cxn ang="0">
+                <a:pos x="connsiteX3" y="connsiteY3"/>
+              </a:cxn>
+              <a:cxn ang="0">
+                <a:pos x="connsiteX4" y="connsiteY4"/>
+              </a:cxn>
+            </a:cxnLst>
+            <a:rect l="l" t="t" r="r" b="b"/>
+            <a:pathLst>
+              <a:path w="653143" h="667657">
+                <a:moveTo>
+                  <a:pt x="232229" y="667657"/>
+                </a:moveTo>
+                <a:lnTo>
+                  <a:pt x="653143" y="667657"/>
+                </a:lnTo>
+                <a:lnTo>
+                  <a:pt x="653143" y="0"/>
+                </a:lnTo>
+                <a:lnTo>
+                  <a:pt x="0" y="0"/>
+                </a:lnTo>
+                <a:lnTo>
+                  <a:pt x="0" y="232228"/>
+                </a:lnTo>
+              </a:path>
+            </a:pathLst>
+          </a:custGeom>
+          <a:noFill/>
+          <a:ln>
+            <a:tailEnd type="arrow"/>
+          </a:ln>
+        </p:spPr>
+        <p:style>
+          <a:lnRef idx="2">
+            <a:schemeClr val="accent1">
+              <a:shade val="50000"/>
+            </a:schemeClr>
+          </a:lnRef>
+          <a:fillRef idx="1">
+            <a:schemeClr val="accent1"/>
+          </a:fillRef>
+          <a:effectRef idx="0">
+            <a:schemeClr val="accent1"/>
+          </a:effectRef>
+          <a:fontRef idx="minor">
+            <a:schemeClr val="lt1"/>
+          </a:fontRef>
+        </p:style>
+        <p:txBody>
+          <a:bodyPr rtlCol="0" anchor="ctr"/>
+          <a:lstStyle/>
+          <a:p>
+            <a:pPr algn="ctr"/>
+            <a:endParaRPr lang="de-DE"/>
+          </a:p>
+        </p:txBody>
+      </p:sp>
+      <p:grpSp>
+        <p:nvGrpSpPr>
+          <p:cNvPr id="58" name="Gruppieren 57">
+            <a:extLst>
+              <a:ext uri="{FF2B5EF4-FFF2-40B4-BE49-F238E27FC236}">
+                <a16:creationId xmlns:a16="http://schemas.microsoft.com/office/drawing/2014/main" id="{D2494B2D-50A1-4B49-B087-85230AA37D56}"/>
+              </a:ext>
+            </a:extLst>
+          </p:cNvPr>
+          <p:cNvGrpSpPr/>
+          <p:nvPr/>
+        </p:nvGrpSpPr>
+        <p:grpSpPr>
+          <a:xfrm>
+            <a:off x="607296" y="2081947"/>
+            <a:ext cx="5115817" cy="2786261"/>
+            <a:chOff x="2921659" y="2031025"/>
+            <a:chExt cx="5115817" cy="2786261"/>
+          </a:xfrm>
+        </p:grpSpPr>
+        <p:grpSp>
+          <p:nvGrpSpPr>
+            <p:cNvPr id="59" name="Gruppieren 58">
+              <a:extLst>
+                <a:ext uri="{FF2B5EF4-FFF2-40B4-BE49-F238E27FC236}">
+                  <a16:creationId xmlns:a16="http://schemas.microsoft.com/office/drawing/2014/main" id="{8F1230D9-9EE5-4700-9674-FDCFF0E7234A}"/>
+                </a:ext>
+              </a:extLst>
+            </p:cNvPr>
+            <p:cNvGrpSpPr/>
+            <p:nvPr/>
+          </p:nvGrpSpPr>
+          <p:grpSpPr>
+            <a:xfrm>
+              <a:off x="2921659" y="2046913"/>
+              <a:ext cx="2214646" cy="2770373"/>
+              <a:chOff x="1510014" y="1929468"/>
+              <a:chExt cx="2214646" cy="2770373"/>
+            </a:xfrm>
+          </p:grpSpPr>
+          <p:sp>
+            <p:nvSpPr>
+              <p:cNvPr id="68" name="Rechteck 67">
+                <a:extLst>
+                  <a:ext uri="{FF2B5EF4-FFF2-40B4-BE49-F238E27FC236}">
+                    <a16:creationId xmlns:a16="http://schemas.microsoft.com/office/drawing/2014/main" id="{30A4800F-D29B-49B2-B78B-5B3B4D39D0CF}"/>
+                  </a:ext>
+                </a:extLst>
+              </p:cNvPr>
+              <p:cNvSpPr/>
+              <p:nvPr/>
+            </p:nvSpPr>
+            <p:spPr>
+              <a:xfrm>
+                <a:off x="1510017" y="1929468"/>
+                <a:ext cx="2214642" cy="536895"/>
+              </a:xfrm>
+              <a:prstGeom prst="rect">
+                <a:avLst/>
+              </a:prstGeom>
+              <a:solidFill>
+                <a:schemeClr val="bg1">
+                  <a:lumMod val="75000"/>
+                  <a:alpha val="60000"/>
+                </a:schemeClr>
+              </a:solidFill>
+              <a:ln>
+                <a:noFill/>
+              </a:ln>
+            </p:spPr>
+            <p:style>
+              <a:lnRef idx="2">
+                <a:schemeClr val="accent1">
+                  <a:shade val="50000"/>
+                </a:schemeClr>
+              </a:lnRef>
+              <a:fillRef idx="1">
+                <a:schemeClr val="accent1"/>
+              </a:fillRef>
+              <a:effectRef idx="0">
+                <a:schemeClr val="accent1"/>
+              </a:effectRef>
+              <a:fontRef idx="minor">
+                <a:schemeClr val="lt1"/>
+              </a:fontRef>
+            </p:style>
+            <p:txBody>
+              <a:bodyPr rtlCol="0" anchor="ctr"/>
+              <a:lstStyle/>
+              <a:p>
+                <a:pPr algn="ctr"/>
+                <a:endParaRPr lang="de-DE" dirty="0"/>
+              </a:p>
+            </p:txBody>
+          </p:sp>
+          <p:sp>
+            <p:nvSpPr>
+              <p:cNvPr id="69" name="Rechteck 68">
+                <a:extLst>
+                  <a:ext uri="{FF2B5EF4-FFF2-40B4-BE49-F238E27FC236}">
+                    <a16:creationId xmlns:a16="http://schemas.microsoft.com/office/drawing/2014/main" id="{9C29478F-E397-4C0A-BBDF-D02398383256}"/>
+                  </a:ext>
+                </a:extLst>
+              </p:cNvPr>
+              <p:cNvSpPr/>
+              <p:nvPr/>
+            </p:nvSpPr>
+            <p:spPr>
+              <a:xfrm>
+                <a:off x="1510017" y="2466363"/>
+                <a:ext cx="2214643" cy="962637"/>
+              </a:xfrm>
+              <a:prstGeom prst="rect">
+                <a:avLst/>
+              </a:prstGeom>
+              <a:solidFill>
+                <a:srgbClr val="92D050">
+                  <a:alpha val="60000"/>
+                </a:srgbClr>
+              </a:solidFill>
+              <a:ln>
+                <a:noFill/>
+              </a:ln>
+            </p:spPr>
+            <p:style>
+              <a:lnRef idx="2">
+                <a:schemeClr val="accent1">
+                  <a:shade val="50000"/>
+                </a:schemeClr>
+              </a:lnRef>
+              <a:fillRef idx="1">
+                <a:schemeClr val="accent1"/>
+              </a:fillRef>
+              <a:effectRef idx="0">
+                <a:schemeClr val="accent1"/>
+              </a:effectRef>
+              <a:fontRef idx="minor">
+                <a:schemeClr val="lt1"/>
+              </a:fontRef>
+            </p:style>
+            <p:txBody>
+              <a:bodyPr rtlCol="0" anchor="ctr"/>
+              <a:lstStyle/>
+              <a:p>
+                <a:pPr algn="ctr"/>
+                <a:endParaRPr lang="de-DE"/>
+              </a:p>
+            </p:txBody>
+          </p:sp>
+          <p:sp>
+            <p:nvSpPr>
+              <p:cNvPr id="70" name="Rechteck 69">
+                <a:extLst>
+                  <a:ext uri="{FF2B5EF4-FFF2-40B4-BE49-F238E27FC236}">
+                    <a16:creationId xmlns:a16="http://schemas.microsoft.com/office/drawing/2014/main" id="{C3D317A5-69C4-455D-95DC-02BF19CBC221}"/>
+                  </a:ext>
+                </a:extLst>
+              </p:cNvPr>
+              <p:cNvSpPr/>
+              <p:nvPr/>
+            </p:nvSpPr>
+            <p:spPr>
+              <a:xfrm>
+                <a:off x="1510015" y="3433102"/>
+                <a:ext cx="2214644" cy="1266739"/>
+              </a:xfrm>
+              <a:prstGeom prst="rect">
+                <a:avLst/>
+              </a:prstGeom>
+              <a:solidFill>
+                <a:schemeClr val="accent1">
+                  <a:alpha val="60000"/>
+                </a:schemeClr>
+              </a:solidFill>
+              <a:ln>
+                <a:noFill/>
+              </a:ln>
+            </p:spPr>
+            <p:style>
+              <a:lnRef idx="2">
+                <a:schemeClr val="accent1">
+                  <a:shade val="50000"/>
+                </a:schemeClr>
+              </a:lnRef>
+              <a:fillRef idx="1">
+                <a:schemeClr val="accent1"/>
+              </a:fillRef>
+              <a:effectRef idx="0">
+                <a:schemeClr val="accent1"/>
+              </a:effectRef>
+              <a:fontRef idx="minor">
+                <a:schemeClr val="lt1"/>
+              </a:fontRef>
+            </p:style>
+            <p:txBody>
+              <a:bodyPr rtlCol="0" anchor="ctr"/>
+              <a:lstStyle/>
+              <a:p>
+                <a:pPr algn="ctr"/>
+                <a:endParaRPr lang="de-DE"/>
+              </a:p>
+            </p:txBody>
+          </p:sp>
+          <p:sp>
+            <p:nvSpPr>
+              <p:cNvPr id="71" name="Textfeld 70">
+                <a:extLst>
+                  <a:ext uri="{FF2B5EF4-FFF2-40B4-BE49-F238E27FC236}">
+                    <a16:creationId xmlns:a16="http://schemas.microsoft.com/office/drawing/2014/main" id="{FA14B949-D205-43AA-9820-2335C586A688}"/>
+                  </a:ext>
+                </a:extLst>
+              </p:cNvPr>
+              <p:cNvSpPr txBox="1"/>
+              <p:nvPr/>
+            </p:nvSpPr>
+            <p:spPr>
+              <a:xfrm>
+                <a:off x="1510014" y="3433287"/>
+                <a:ext cx="1770036" cy="1200329"/>
+              </a:xfrm>
+              <a:prstGeom prst="rect">
+                <a:avLst/>
+              </a:prstGeom>
+              <a:noFill/>
+            </p:spPr>
+            <p:txBody>
+              <a:bodyPr wrap="none" rtlCol="0">
+                <a:spAutoFit/>
+              </a:bodyPr>
+              <a:lstStyle/>
+              <a:p>
+                <a:r>
+                  <a:rPr lang="de-DE" dirty="0"/>
+                  <a:t>c </a:t>
+                </a:r>
+                <a:r>
+                  <a:rPr lang="de-DE" i="1" dirty="0"/>
+                  <a:t>Klassenname()</a:t>
+                </a:r>
+              </a:p>
+              <a:p>
+                <a:r>
+                  <a:rPr lang="de-DE" dirty="0"/>
+                  <a:t>+ </a:t>
+                </a:r>
+              </a:p>
+              <a:p>
+                <a:r>
+                  <a:rPr lang="de-DE" dirty="0"/>
+                  <a:t>-</a:t>
+                </a:r>
+              </a:p>
+              <a:p>
+                <a:r>
+                  <a:rPr lang="de-DE" dirty="0"/>
+                  <a:t>#</a:t>
+                </a:r>
+              </a:p>
+            </p:txBody>
+          </p:sp>
+          <p:sp>
+            <p:nvSpPr>
+              <p:cNvPr id="72" name="Textfeld 71">
+                <a:extLst>
+                  <a:ext uri="{FF2B5EF4-FFF2-40B4-BE49-F238E27FC236}">
+                    <a16:creationId xmlns:a16="http://schemas.microsoft.com/office/drawing/2014/main" id="{5C68C0D3-3755-49A8-8DFE-CE3A945E8ED4}"/>
+                  </a:ext>
+                </a:extLst>
+              </p:cNvPr>
+              <p:cNvSpPr txBox="1"/>
+              <p:nvPr/>
+            </p:nvSpPr>
+            <p:spPr>
+              <a:xfrm>
+                <a:off x="2175548" y="1994312"/>
+                <a:ext cx="883575" cy="369332"/>
+              </a:xfrm>
+              <a:prstGeom prst="rect">
+                <a:avLst/>
+              </a:prstGeom>
+              <a:noFill/>
+            </p:spPr>
+            <p:txBody>
+              <a:bodyPr wrap="none" rtlCol="0">
+                <a:spAutoFit/>
+              </a:bodyPr>
+              <a:lstStyle/>
+              <a:p>
+                <a:r>
+                  <a:rPr lang="de-DE" i="1" dirty="0"/>
+                  <a:t>Klasse0</a:t>
+                </a:r>
+              </a:p>
+            </p:txBody>
+          </p:sp>
+          <p:sp>
+            <p:nvSpPr>
+              <p:cNvPr id="73" name="Textfeld 72">
+                <a:extLst>
+                  <a:ext uri="{FF2B5EF4-FFF2-40B4-BE49-F238E27FC236}">
+                    <a16:creationId xmlns:a16="http://schemas.microsoft.com/office/drawing/2014/main" id="{6F617FB8-462B-440C-B1C1-47B191E6C2ED}"/>
+                  </a:ext>
+                </a:extLst>
+              </p:cNvPr>
+              <p:cNvSpPr txBox="1"/>
+              <p:nvPr/>
+            </p:nvSpPr>
+            <p:spPr>
+              <a:xfrm>
+                <a:off x="1510014" y="2443197"/>
+                <a:ext cx="2155398" cy="369332"/>
+              </a:xfrm>
+              <a:prstGeom prst="rect">
+                <a:avLst/>
+              </a:prstGeom>
+              <a:noFill/>
+            </p:spPr>
+            <p:txBody>
+              <a:bodyPr wrap="none" rtlCol="0">
+                <a:spAutoFit/>
+              </a:bodyPr>
+              <a:lstStyle/>
+              <a:p>
+                <a:r>
+                  <a:rPr lang="de-DE" dirty="0"/>
+                  <a:t>- </a:t>
+                </a:r>
+                <a:r>
+                  <a:rPr lang="de-DE" i="1" dirty="0"/>
+                  <a:t>ListKlass1</a:t>
+                </a:r>
+                <a:r>
+                  <a:rPr lang="de-DE" dirty="0"/>
+                  <a:t> :Klasse1[]</a:t>
+                </a:r>
+              </a:p>
+            </p:txBody>
+          </p:sp>
+        </p:grpSp>
+        <p:grpSp>
+          <p:nvGrpSpPr>
+            <p:cNvPr id="60" name="Gruppieren 59">
+              <a:extLst>
+                <a:ext uri="{FF2B5EF4-FFF2-40B4-BE49-F238E27FC236}">
+                  <a16:creationId xmlns:a16="http://schemas.microsoft.com/office/drawing/2014/main" id="{B1EDD865-361E-4159-989A-57B5A406E215}"/>
+                </a:ext>
+              </a:extLst>
+            </p:cNvPr>
+            <p:cNvGrpSpPr/>
+            <p:nvPr/>
+          </p:nvGrpSpPr>
+          <p:grpSpPr>
+            <a:xfrm>
+              <a:off x="5822830" y="2031025"/>
+              <a:ext cx="2214646" cy="2770373"/>
+              <a:chOff x="1510014" y="1929468"/>
+              <a:chExt cx="2214646" cy="2770373"/>
+            </a:xfrm>
+          </p:grpSpPr>
+          <p:sp>
+            <p:nvSpPr>
+              <p:cNvPr id="62" name="Rechteck 61">
+                <a:extLst>
+                  <a:ext uri="{FF2B5EF4-FFF2-40B4-BE49-F238E27FC236}">
+                    <a16:creationId xmlns:a16="http://schemas.microsoft.com/office/drawing/2014/main" id="{60AA64FA-193A-4727-9A35-873313C94E06}"/>
+                  </a:ext>
+                </a:extLst>
+              </p:cNvPr>
+              <p:cNvSpPr/>
+              <p:nvPr/>
+            </p:nvSpPr>
+            <p:spPr>
+              <a:xfrm>
+                <a:off x="1510017" y="1929468"/>
+                <a:ext cx="2214642" cy="536895"/>
+              </a:xfrm>
+              <a:prstGeom prst="rect">
+                <a:avLst/>
+              </a:prstGeom>
+              <a:solidFill>
+                <a:schemeClr val="bg1">
+                  <a:lumMod val="75000"/>
+                  <a:alpha val="60000"/>
+                </a:schemeClr>
+              </a:solidFill>
+              <a:ln>
+                <a:noFill/>
+              </a:ln>
+            </p:spPr>
+            <p:style>
+              <a:lnRef idx="2">
+                <a:schemeClr val="accent1">
+                  <a:shade val="50000"/>
+                </a:schemeClr>
+              </a:lnRef>
+              <a:fillRef idx="1">
+                <a:schemeClr val="accent1"/>
+              </a:fillRef>
+              <a:effectRef idx="0">
+                <a:schemeClr val="accent1"/>
+              </a:effectRef>
+              <a:fontRef idx="minor">
+                <a:schemeClr val="lt1"/>
+              </a:fontRef>
+            </p:style>
+            <p:txBody>
+              <a:bodyPr rtlCol="0" anchor="ctr"/>
+              <a:lstStyle/>
+              <a:p>
+                <a:pPr algn="ctr"/>
+                <a:endParaRPr lang="de-DE" dirty="0"/>
+              </a:p>
+            </p:txBody>
+          </p:sp>
+          <p:sp>
+            <p:nvSpPr>
+              <p:cNvPr id="63" name="Rechteck 62">
+                <a:extLst>
+                  <a:ext uri="{FF2B5EF4-FFF2-40B4-BE49-F238E27FC236}">
+                    <a16:creationId xmlns:a16="http://schemas.microsoft.com/office/drawing/2014/main" id="{895CA047-65D0-4D5D-8F44-9665E3499213}"/>
+                  </a:ext>
+                </a:extLst>
+              </p:cNvPr>
+              <p:cNvSpPr/>
+              <p:nvPr/>
+            </p:nvSpPr>
+            <p:spPr>
+              <a:xfrm>
+                <a:off x="1510017" y="2466363"/>
+                <a:ext cx="2214643" cy="962637"/>
+              </a:xfrm>
+              <a:prstGeom prst="rect">
+                <a:avLst/>
+              </a:prstGeom>
+              <a:solidFill>
+                <a:srgbClr val="92D050">
+                  <a:alpha val="60000"/>
+                </a:srgbClr>
+              </a:solidFill>
+              <a:ln>
+                <a:noFill/>
+              </a:ln>
+            </p:spPr>
+            <p:style>
+              <a:lnRef idx="2">
+                <a:schemeClr val="accent1">
+                  <a:shade val="50000"/>
+                </a:schemeClr>
+              </a:lnRef>
+              <a:fillRef idx="1">
+                <a:schemeClr val="accent1"/>
+              </a:fillRef>
+              <a:effectRef idx="0">
+                <a:schemeClr val="accent1"/>
+              </a:effectRef>
+              <a:fontRef idx="minor">
+                <a:schemeClr val="lt1"/>
+              </a:fontRef>
+            </p:style>
+            <p:txBody>
+              <a:bodyPr rtlCol="0" anchor="ctr"/>
+              <a:lstStyle/>
+              <a:p>
+                <a:pPr algn="ctr"/>
+                <a:endParaRPr lang="de-DE"/>
+              </a:p>
+            </p:txBody>
+          </p:sp>
+          <p:sp>
+            <p:nvSpPr>
+              <p:cNvPr id="64" name="Rechteck 63">
+                <a:extLst>
+                  <a:ext uri="{FF2B5EF4-FFF2-40B4-BE49-F238E27FC236}">
+                    <a16:creationId xmlns:a16="http://schemas.microsoft.com/office/drawing/2014/main" id="{1C78826B-D58A-43BD-B48B-4A8D5DEC3594}"/>
+                  </a:ext>
+                </a:extLst>
+              </p:cNvPr>
+              <p:cNvSpPr/>
+              <p:nvPr/>
+            </p:nvSpPr>
+            <p:spPr>
+              <a:xfrm>
+                <a:off x="1510015" y="3433102"/>
+                <a:ext cx="2214644" cy="1266739"/>
+              </a:xfrm>
+              <a:prstGeom prst="rect">
+                <a:avLst/>
+              </a:prstGeom>
+              <a:solidFill>
+                <a:schemeClr val="accent1">
+                  <a:alpha val="60000"/>
+                </a:schemeClr>
+              </a:solidFill>
+              <a:ln>
+                <a:noFill/>
+              </a:ln>
+            </p:spPr>
+            <p:style>
+              <a:lnRef idx="2">
+                <a:schemeClr val="accent1">
+                  <a:shade val="50000"/>
+                </a:schemeClr>
+              </a:lnRef>
+              <a:fillRef idx="1">
+                <a:schemeClr val="accent1"/>
+              </a:fillRef>
+              <a:effectRef idx="0">
+                <a:schemeClr val="accent1"/>
+              </a:effectRef>
+              <a:fontRef idx="minor">
+                <a:schemeClr val="lt1"/>
+              </a:fontRef>
+            </p:style>
+            <p:txBody>
+              <a:bodyPr rtlCol="0" anchor="ctr"/>
+              <a:lstStyle/>
+              <a:p>
+                <a:pPr algn="ctr"/>
+                <a:endParaRPr lang="de-DE"/>
+              </a:p>
+            </p:txBody>
+          </p:sp>
+          <p:sp>
+            <p:nvSpPr>
+              <p:cNvPr id="65" name="Textfeld 64">
+                <a:extLst>
+                  <a:ext uri="{FF2B5EF4-FFF2-40B4-BE49-F238E27FC236}">
+                    <a16:creationId xmlns:a16="http://schemas.microsoft.com/office/drawing/2014/main" id="{161348E9-A1F7-4026-936B-5401545BAC82}"/>
+                  </a:ext>
+                </a:extLst>
+              </p:cNvPr>
+              <p:cNvSpPr txBox="1"/>
+              <p:nvPr/>
+            </p:nvSpPr>
+            <p:spPr>
+              <a:xfrm>
+                <a:off x="1510014" y="3433287"/>
+                <a:ext cx="1770036" cy="1200329"/>
+              </a:xfrm>
+              <a:prstGeom prst="rect">
+                <a:avLst/>
+              </a:prstGeom>
+              <a:noFill/>
+            </p:spPr>
+            <p:txBody>
+              <a:bodyPr wrap="none" rtlCol="0">
+                <a:spAutoFit/>
+              </a:bodyPr>
+              <a:lstStyle/>
+              <a:p>
+                <a:r>
+                  <a:rPr lang="de-DE" dirty="0"/>
+                  <a:t>c </a:t>
+                </a:r>
+                <a:r>
+                  <a:rPr lang="de-DE" i="1" dirty="0"/>
+                  <a:t>Klassenname()</a:t>
+                </a:r>
+              </a:p>
+              <a:p>
+                <a:r>
+                  <a:rPr lang="de-DE" dirty="0"/>
+                  <a:t>+ </a:t>
+                </a:r>
+              </a:p>
+              <a:p>
+                <a:r>
+                  <a:rPr lang="de-DE" dirty="0"/>
+                  <a:t>-</a:t>
+                </a:r>
+              </a:p>
+              <a:p>
+                <a:r>
+                  <a:rPr lang="de-DE" dirty="0"/>
+                  <a:t>#</a:t>
+                </a:r>
+              </a:p>
+            </p:txBody>
+          </p:sp>
+          <p:sp>
+            <p:nvSpPr>
+              <p:cNvPr id="66" name="Textfeld 65">
+                <a:extLst>
+                  <a:ext uri="{FF2B5EF4-FFF2-40B4-BE49-F238E27FC236}">
+                    <a16:creationId xmlns:a16="http://schemas.microsoft.com/office/drawing/2014/main" id="{D9D21A55-FD04-45CD-924A-A26F10B84F8D}"/>
+                  </a:ext>
+                </a:extLst>
+              </p:cNvPr>
+              <p:cNvSpPr txBox="1"/>
+              <p:nvPr/>
+            </p:nvSpPr>
+            <p:spPr>
+              <a:xfrm>
+                <a:off x="2230851" y="2000695"/>
+                <a:ext cx="883575" cy="369332"/>
+              </a:xfrm>
+              <a:prstGeom prst="rect">
+                <a:avLst/>
+              </a:prstGeom>
+              <a:noFill/>
+            </p:spPr>
+            <p:txBody>
+              <a:bodyPr wrap="none" rtlCol="0">
+                <a:spAutoFit/>
+              </a:bodyPr>
+              <a:lstStyle/>
+              <a:p>
+                <a:r>
+                  <a:rPr lang="de-DE" i="1" dirty="0"/>
+                  <a:t>Klasse1</a:t>
+                </a:r>
+              </a:p>
+            </p:txBody>
+          </p:sp>
+          <p:sp>
+            <p:nvSpPr>
+              <p:cNvPr id="67" name="Textfeld 66">
+                <a:extLst>
+                  <a:ext uri="{FF2B5EF4-FFF2-40B4-BE49-F238E27FC236}">
+                    <a16:creationId xmlns:a16="http://schemas.microsoft.com/office/drawing/2014/main" id="{F06BA00F-05D0-4ED9-9618-1B222F4061D0}"/>
+                  </a:ext>
+                </a:extLst>
+              </p:cNvPr>
+              <p:cNvSpPr txBox="1"/>
+              <p:nvPr/>
+            </p:nvSpPr>
+            <p:spPr>
+              <a:xfrm>
+                <a:off x="1510014" y="2443197"/>
+                <a:ext cx="352982" cy="923330"/>
+              </a:xfrm>
+              <a:prstGeom prst="rect">
+                <a:avLst/>
+              </a:prstGeom>
+              <a:noFill/>
+            </p:spPr>
+            <p:txBody>
+              <a:bodyPr wrap="none" rtlCol="0">
+                <a:spAutoFit/>
+              </a:bodyPr>
+              <a:lstStyle/>
+              <a:p>
+                <a:r>
+                  <a:rPr lang="de-DE" dirty="0"/>
+                  <a:t>+ </a:t>
+                </a:r>
+              </a:p>
+              <a:p>
+                <a:r>
+                  <a:rPr lang="de-DE" dirty="0"/>
+                  <a:t>-</a:t>
+                </a:r>
+              </a:p>
+              <a:p>
+                <a:r>
+                  <a:rPr lang="de-DE" dirty="0"/>
+                  <a:t>#</a:t>
+                </a:r>
+              </a:p>
+            </p:txBody>
+          </p:sp>
+        </p:grpSp>
+        <p:cxnSp>
+          <p:nvCxnSpPr>
+            <p:cNvPr id="61" name="Gerade Verbindung mit Pfeil 60">
+              <a:extLst>
+                <a:ext uri="{FF2B5EF4-FFF2-40B4-BE49-F238E27FC236}">
+                  <a16:creationId xmlns:a16="http://schemas.microsoft.com/office/drawing/2014/main" id="{B7D31187-CC22-4EFB-97A6-B4B72658EDDC}"/>
+                </a:ext>
+              </a:extLst>
+            </p:cNvPr>
+            <p:cNvCxnSpPr>
+              <a:cxnSpLocks/>
+            </p:cNvCxnSpPr>
+            <p:nvPr/>
+          </p:nvCxnSpPr>
+          <p:spPr>
+            <a:xfrm flipH="1">
+              <a:off x="5210176" y="3546445"/>
+              <a:ext cx="612654" cy="0"/>
+            </a:xfrm>
+            <a:prstGeom prst="straightConnector1">
+              <a:avLst/>
+            </a:prstGeom>
+            <a:ln>
+              <a:tailEnd type="diamond" w="lg" len="lg"/>
+            </a:ln>
+          </p:spPr>
+          <p:style>
+            <a:lnRef idx="1">
+              <a:schemeClr val="accent1"/>
+            </a:lnRef>
+            <a:fillRef idx="0">
+              <a:schemeClr val="accent1"/>
+            </a:fillRef>
+            <a:effectRef idx="0">
+              <a:schemeClr val="accent1"/>
+            </a:effectRef>
+            <a:fontRef idx="minor">
+              <a:schemeClr val="tx1"/>
+            </a:fontRef>
+          </p:style>
+        </p:cxnSp>
+      </p:grpSp>
+    </p:spTree>
+    <p:extLst>
+      <p:ext uri="{BB962C8B-B14F-4D97-AF65-F5344CB8AC3E}">
+        <p14:creationId xmlns:p14="http://schemas.microsoft.com/office/powerpoint/2010/main" val="2233902049"/>
+      </p:ext>
+    </p:extLst>
+  </p:cSld>
+  <p:clrMapOvr>
+    <a:masterClrMapping/>
+  </p:clrMapOvr>
+</p:sld>
+</file>
+
+<file path=ppt/slides/slide11.xml><?xml version="1.0" encoding="utf-8"?>
 <p:sld xmlns:a="http://schemas.openxmlformats.org/drawingml/2006/main" xmlns:r="http://schemas.openxmlformats.org/officeDocument/2006/relationships" xmlns:p="http://schemas.openxmlformats.org/presentationml/2006/main">
   <p:cSld>
     <p:spTree>
@@ -3840,7 +5984,7 @@
         <p:spPr>
           <a:xfrm>
             <a:off x="1284154" y="5518635"/>
-            <a:ext cx="9623691" cy="923330"/>
+            <a:ext cx="9783896" cy="923330"/>
           </a:xfrm>
           <a:prstGeom prst="rect">
             <a:avLst/>
@@ -3855,21 +5999,29 @@
           <a:p>
             <a:r>
               <a:rPr lang="de-DE" b="1" dirty="0"/>
-              <a:t>Vererbung</a:t>
-            </a:r>
-          </a:p>
-          <a:p>
-            <a:r>
-              <a:rPr lang="de-DE" dirty="0"/>
-              <a:t>Die Eigenschaften der Basis-/Elternklasse werden weiter vererbt, das heißt Klasse1 hat Zugriff auf alle die Methoden und Attribute der Basisklasse, die nicht private oder </a:t>
-            </a:r>
-            <a:r>
-              <a:rPr lang="de-DE" dirty="0" err="1"/>
-              <a:t>konstruktor</a:t>
-            </a:r>
-            <a:r>
-              <a:rPr lang="de-DE" dirty="0"/>
-              <a:t> sind.</a:t>
+              <a:t>Vererbung:</a:t>
+            </a:r>
+          </a:p>
+          <a:p>
+            <a:r>
+              <a:rPr lang="de-DE" dirty="0"/>
+              <a:t>Die Eigenschaften der </a:t>
+            </a:r>
+            <a:r>
+              <a:rPr lang="de-DE" u="sng" dirty="0"/>
+              <a:t>Basis-/Elternklasse</a:t>
+            </a:r>
+            <a:r>
+              <a:rPr lang="de-DE" dirty="0"/>
+              <a:t>(Klass0) werden weiter vererbt, das heißt </a:t>
+            </a:r>
+            <a:r>
+              <a:rPr lang="de-DE" u="sng" dirty="0"/>
+              <a:t>Kindklasse</a:t>
+            </a:r>
+            <a:r>
+              <a:rPr lang="de-DE" dirty="0"/>
+              <a:t>(Klasse1) hat Zugriff auf alle die Methoden und Attribute der Basisklasse, die nicht private oder Konstruktor sind.</a:t>
             </a:r>
           </a:p>
         </p:txBody>
@@ -4129,7 +6281,7 @@
           <p:spPr>
             <a:xfrm>
               <a:off x="2230851" y="2000695"/>
-              <a:ext cx="772969" cy="369332"/>
+              <a:ext cx="883575" cy="369332"/>
             </a:xfrm>
             <a:prstGeom prst="rect">
               <a:avLst/>
@@ -4144,7 +6296,7 @@
             <a:p>
               <a:r>
                 <a:rPr lang="de-DE" i="1" dirty="0"/>
-                <a:t>Klass1</a:t>
+                <a:t>Klasse1</a:t>
               </a:r>
             </a:p>
           </p:txBody>
@@ -4269,27 +6421,28 @@
       </p:sp>
       <p:cxnSp>
         <p:nvCxnSpPr>
-          <p:cNvPr id="12" name="Gerade Verbindung mit Pfeil 11">
-            <a:extLst>
-              <a:ext uri="{FF2B5EF4-FFF2-40B4-BE49-F238E27FC236}">
-                <a16:creationId xmlns:a16="http://schemas.microsoft.com/office/drawing/2014/main" id="{6CC3286C-4678-4763-8AD0-A9447F015A21}"/>
-              </a:ext>
-            </a:extLst>
-          </p:cNvPr>
-          <p:cNvCxnSpPr/>
+          <p:cNvPr id="11" name="Gerader Verbinder 10">
+            <a:extLst>
+              <a:ext uri="{FF2B5EF4-FFF2-40B4-BE49-F238E27FC236}">
+                <a16:creationId xmlns:a16="http://schemas.microsoft.com/office/drawing/2014/main" id="{FB587D28-E073-411D-A716-3AF97F492745}"/>
+              </a:ext>
+            </a:extLst>
+          </p:cNvPr>
+          <p:cNvCxnSpPr>
+            <a:cxnSpLocks/>
+            <a:endCxn id="14" idx="3"/>
+          </p:cNvCxnSpPr>
           <p:nvPr/>
         </p:nvCxnSpPr>
         <p:spPr>
           <a:xfrm flipH="1">
-            <a:off x="5136304" y="3546445"/>
-            <a:ext cx="1264018" cy="0"/>
+            <a:off x="5369989" y="3559938"/>
+            <a:ext cx="1030332" cy="0"/>
           </a:xfrm>
-          <a:prstGeom prst="straightConnector1">
+          <a:prstGeom prst="line">
             <a:avLst/>
           </a:prstGeom>
-          <a:ln>
-            <a:tailEnd type="triangle"/>
-          </a:ln>
+          <a:ln w="15875"/>
         </p:spPr>
         <p:style>
           <a:lnRef idx="1">
@@ -4306,279 +6459,58 @@
           </a:fontRef>
         </p:style>
       </p:cxnSp>
+      <p:sp>
+        <p:nvSpPr>
+          <p:cNvPr id="14" name="Gleichschenkliges Dreieck 13">
+            <a:extLst>
+              <a:ext uri="{FF2B5EF4-FFF2-40B4-BE49-F238E27FC236}">
+                <a16:creationId xmlns:a16="http://schemas.microsoft.com/office/drawing/2014/main" id="{43D64C7D-B7D2-4205-B039-35EE7818AB34}"/>
+              </a:ext>
+            </a:extLst>
+          </p:cNvPr>
+          <p:cNvSpPr/>
+          <p:nvPr/>
+        </p:nvSpPr>
+        <p:spPr>
+          <a:xfrm rot="16200000">
+            <a:off x="5132030" y="3449772"/>
+            <a:ext cx="255586" cy="220332"/>
+          </a:xfrm>
+          <a:prstGeom prst="triangle">
+            <a:avLst/>
+          </a:prstGeom>
+          <a:noFill/>
+          <a:ln w="15875"/>
+        </p:spPr>
+        <p:style>
+          <a:lnRef idx="2">
+            <a:schemeClr val="accent1">
+              <a:shade val="50000"/>
+            </a:schemeClr>
+          </a:lnRef>
+          <a:fillRef idx="1">
+            <a:schemeClr val="accent1"/>
+          </a:fillRef>
+          <a:effectRef idx="0">
+            <a:schemeClr val="accent1"/>
+          </a:effectRef>
+          <a:fontRef idx="minor">
+            <a:schemeClr val="lt1"/>
+          </a:fontRef>
+        </p:style>
+        <p:txBody>
+          <a:bodyPr rtlCol="0" anchor="ctr"/>
+          <a:lstStyle/>
+          <a:p>
+            <a:pPr algn="ctr"/>
+            <a:endParaRPr lang="de-DE"/>
+          </a:p>
+        </p:txBody>
+      </p:sp>
     </p:spTree>
     <p:extLst>
       <p:ext uri="{BB962C8B-B14F-4D97-AF65-F5344CB8AC3E}">
         <p14:creationId xmlns:p14="http://schemas.microsoft.com/office/powerpoint/2010/main" val="2242635674"/>
-      </p:ext>
-    </p:extLst>
-  </p:cSld>
-  <p:clrMapOvr>
-    <a:masterClrMapping/>
-  </p:clrMapOvr>
-</p:sld>
-</file>
-
-<file path=ppt/slides/slide11.xml><?xml version="1.0" encoding="utf-8"?>
-<p:sld xmlns:a="http://schemas.openxmlformats.org/drawingml/2006/main" xmlns:r="http://schemas.openxmlformats.org/officeDocument/2006/relationships" xmlns:p="http://schemas.openxmlformats.org/presentationml/2006/main">
-  <p:cSld>
-    <p:spTree>
-      <p:nvGrpSpPr>
-        <p:cNvPr id="1" name=""/>
-        <p:cNvGrpSpPr/>
-        <p:nvPr/>
-      </p:nvGrpSpPr>
-      <p:grpSpPr>
-        <a:xfrm>
-          <a:off x="0" y="0"/>
-          <a:ext cx="0" cy="0"/>
-          <a:chOff x="0" y="0"/>
-          <a:chExt cx="0" cy="0"/>
-        </a:xfrm>
-      </p:grpSpPr>
-      <p:sp>
-        <p:nvSpPr>
-          <p:cNvPr id="2" name="Titel 1">
-            <a:extLst>
-              <a:ext uri="{FF2B5EF4-FFF2-40B4-BE49-F238E27FC236}">
-                <a16:creationId xmlns:a16="http://schemas.microsoft.com/office/drawing/2014/main" id="{D1D58A17-9AAE-481A-B690-A23581CF5601}"/>
-              </a:ext>
-            </a:extLst>
-          </p:cNvPr>
-          <p:cNvSpPr>
-            <a:spLocks noGrp="1"/>
-          </p:cNvSpPr>
-          <p:nvPr>
-            <p:ph type="title"/>
-          </p:nvPr>
-        </p:nvSpPr>
-        <p:spPr/>
-        <p:txBody>
-          <a:bodyPr/>
-          <a:lstStyle/>
-          <a:p>
-            <a:r>
-              <a:rPr lang="de-DE" dirty="0"/>
-              <a:t>Abstrakte Klassen und Methoden</a:t>
-            </a:r>
-          </a:p>
-        </p:txBody>
-      </p:sp>
-      <p:sp>
-        <p:nvSpPr>
-          <p:cNvPr id="3" name="Inhaltsplatzhalter 2">
-            <a:extLst>
-              <a:ext uri="{FF2B5EF4-FFF2-40B4-BE49-F238E27FC236}">
-                <a16:creationId xmlns:a16="http://schemas.microsoft.com/office/drawing/2014/main" id="{424BD671-2E07-4428-A73A-B96DC8ACE6EE}"/>
-              </a:ext>
-            </a:extLst>
-          </p:cNvPr>
-          <p:cNvSpPr>
-            <a:spLocks noGrp="1"/>
-          </p:cNvSpPr>
-          <p:nvPr>
-            <p:ph idx="1"/>
-          </p:nvPr>
-        </p:nvSpPr>
-        <p:spPr/>
-        <p:txBody>
-          <a:bodyPr>
-            <a:normAutofit fontScale="85000" lnSpcReduction="20000"/>
-          </a:bodyPr>
-          <a:lstStyle/>
-          <a:p>
-            <a:r>
-              <a:rPr lang="de-DE" dirty="0"/>
-              <a:t>Eine Klasse in der eine abstrakte Methode ist muss auch abstrakt sein </a:t>
-            </a:r>
-          </a:p>
-          <a:p>
-            <a:r>
-              <a:rPr lang="de-DE" dirty="0"/>
-              <a:t>Eine abstrakte Methode kann nicht </a:t>
-            </a:r>
-            <a:r>
-              <a:rPr lang="de-DE" dirty="0" err="1"/>
-              <a:t>static</a:t>
-            </a:r>
-            <a:r>
-              <a:rPr lang="de-DE" dirty="0"/>
-              <a:t> sein, da dafür ein Objekt eistieren müsste</a:t>
-            </a:r>
-          </a:p>
-          <a:p>
-            <a:r>
-              <a:rPr lang="de-DE" dirty="0"/>
-              <a:t>Können </a:t>
-            </a:r>
-            <a:r>
-              <a:rPr lang="de-DE" dirty="0" err="1"/>
-              <a:t>objekte</a:t>
-            </a:r>
-            <a:r>
-              <a:rPr lang="de-DE" dirty="0"/>
-              <a:t> erzeugt werden? Nein</a:t>
-            </a:r>
-          </a:p>
-          <a:p>
-            <a:r>
-              <a:rPr lang="de-DE" dirty="0"/>
-              <a:t>Glossar:</a:t>
-            </a:r>
-          </a:p>
-          <a:p>
-            <a:pPr lvl="1"/>
-            <a:r>
-              <a:rPr lang="de-DE" dirty="0"/>
-              <a:t>Mit einer abstrakten Klasse kann in einer Klassenhierarchie eine Oberklasse modelliert werden, welche abstrakte Methoden enthält, die erst in abgeleiteten Unterklassen implementiert werden. Die abstrakte Oberklasse </a:t>
-            </a:r>
-            <a:r>
-              <a:rPr lang="de-DE" dirty="0" err="1"/>
-              <a:t>GeometrischeFigur</a:t>
-            </a:r>
-            <a:r>
-              <a:rPr lang="de-DE" dirty="0"/>
-              <a:t> kann beispielsweise die abstrakte Methode </a:t>
-            </a:r>
-            <a:r>
-              <a:rPr lang="de-DE" dirty="0" err="1"/>
-              <a:t>berechneFläche</a:t>
-            </a:r>
-            <a:r>
-              <a:rPr lang="de-DE" dirty="0"/>
-              <a:t>()</a:t>
-            </a:r>
-            <a:br>
-              <a:rPr lang="de-DE" dirty="0"/>
-            </a:br>
-            <a:r>
-              <a:rPr lang="de-DE" dirty="0"/>
-              <a:t>definieren, die jeweils in den beiden Unterklassen Rechteck und Kreis implementiert wird.</a:t>
-            </a:r>
-          </a:p>
-          <a:p>
-            <a:r>
-              <a:rPr lang="de-DE" dirty="0"/>
-              <a:t>Notation in Java:</a:t>
-            </a:r>
-          </a:p>
-          <a:p>
-            <a:pPr marL="0" indent="0">
-              <a:buNone/>
-            </a:pPr>
-            <a:r>
-              <a:rPr lang="de-DE" dirty="0" err="1">
-                <a:latin typeface="Consolas" panose="020B0609020204030204" pitchFamily="49" charset="0"/>
-              </a:rPr>
-              <a:t>public</a:t>
-            </a:r>
-            <a:r>
-              <a:rPr lang="de-DE" dirty="0">
-                <a:latin typeface="Consolas" panose="020B0609020204030204" pitchFamily="49" charset="0"/>
-              </a:rPr>
-              <a:t> </a:t>
-            </a:r>
-            <a:r>
-              <a:rPr lang="de-DE" dirty="0" err="1">
-                <a:latin typeface="Consolas" panose="020B0609020204030204" pitchFamily="49" charset="0"/>
-              </a:rPr>
-              <a:t>abstract</a:t>
-            </a:r>
-            <a:r>
-              <a:rPr lang="de-DE" dirty="0">
-                <a:latin typeface="Consolas" panose="020B0609020204030204" pitchFamily="49" charset="0"/>
-              </a:rPr>
-              <a:t> </a:t>
-            </a:r>
-            <a:r>
-              <a:rPr lang="de-DE" dirty="0" err="1">
-                <a:latin typeface="Consolas" panose="020B0609020204030204" pitchFamily="49" charset="0"/>
-              </a:rPr>
-              <a:t>class</a:t>
-            </a:r>
-            <a:r>
-              <a:rPr lang="de-DE" dirty="0">
-                <a:latin typeface="Consolas" panose="020B0609020204030204" pitchFamily="49" charset="0"/>
-              </a:rPr>
-              <a:t> Abstract {</a:t>
-            </a:r>
-            <a:br>
-              <a:rPr lang="de-DE" dirty="0">
-                <a:latin typeface="Consolas" panose="020B0609020204030204" pitchFamily="49" charset="0"/>
-              </a:rPr>
-            </a:br>
-            <a:r>
-              <a:rPr lang="de-DE" dirty="0">
-                <a:latin typeface="Consolas" panose="020B0609020204030204" pitchFamily="49" charset="0"/>
-              </a:rPr>
-              <a:t>	</a:t>
-            </a:r>
-            <a:r>
-              <a:rPr lang="de-DE" dirty="0" err="1">
-                <a:latin typeface="Consolas" panose="020B0609020204030204" pitchFamily="49" charset="0"/>
-              </a:rPr>
-              <a:t>public</a:t>
-            </a:r>
-            <a:r>
-              <a:rPr lang="de-DE" dirty="0">
-                <a:latin typeface="Consolas" panose="020B0609020204030204" pitchFamily="49" charset="0"/>
-              </a:rPr>
-              <a:t> </a:t>
-            </a:r>
-            <a:r>
-              <a:rPr lang="de-DE" dirty="0" err="1">
-                <a:latin typeface="Consolas" panose="020B0609020204030204" pitchFamily="49" charset="0"/>
-              </a:rPr>
-              <a:t>abstract</a:t>
-            </a:r>
-            <a:r>
-              <a:rPr lang="de-DE" dirty="0">
-                <a:latin typeface="Consolas" panose="020B0609020204030204" pitchFamily="49" charset="0"/>
-              </a:rPr>
-              <a:t> </a:t>
-            </a:r>
-            <a:r>
-              <a:rPr lang="de-DE" dirty="0" err="1">
-                <a:latin typeface="Consolas" panose="020B0609020204030204" pitchFamily="49" charset="0"/>
-              </a:rPr>
-              <a:t>void</a:t>
-            </a:r>
-            <a:r>
-              <a:rPr lang="de-DE" dirty="0">
-                <a:latin typeface="Consolas" panose="020B0609020204030204" pitchFamily="49" charset="0"/>
-              </a:rPr>
-              <a:t> </a:t>
-            </a:r>
-            <a:r>
-              <a:rPr lang="de-DE" dirty="0" err="1">
-                <a:latin typeface="Consolas" panose="020B0609020204030204" pitchFamily="49" charset="0"/>
-              </a:rPr>
-              <a:t>method</a:t>
-            </a:r>
-            <a:r>
-              <a:rPr lang="de-DE" dirty="0">
-                <a:latin typeface="Consolas" panose="020B0609020204030204" pitchFamily="49" charset="0"/>
-              </a:rPr>
-              <a:t>();</a:t>
-            </a:r>
-            <a:br>
-              <a:rPr lang="de-DE" dirty="0">
-                <a:latin typeface="Consolas" panose="020B0609020204030204" pitchFamily="49" charset="0"/>
-              </a:rPr>
-            </a:br>
-            <a:r>
-              <a:rPr lang="de-DE" dirty="0">
-                <a:latin typeface="Consolas" panose="020B0609020204030204" pitchFamily="49" charset="0"/>
-              </a:rPr>
-              <a:t>}</a:t>
-            </a:r>
-          </a:p>
-        </p:txBody>
-      </p:sp>
-    </p:spTree>
-    <p:extLst>
-      <p:ext uri="{BB962C8B-B14F-4D97-AF65-F5344CB8AC3E}">
-        <p14:creationId xmlns:p14="http://schemas.microsoft.com/office/powerpoint/2010/main" val="3767791101"/>
       </p:ext>
     </p:extLst>
   </p:cSld>
@@ -4607,10 +6539,65 @@
       </p:grpSpPr>
       <p:sp>
         <p:nvSpPr>
+          <p:cNvPr id="6" name="Rechteck 5">
+            <a:extLst>
+              <a:ext uri="{FF2B5EF4-FFF2-40B4-BE49-F238E27FC236}">
+                <a16:creationId xmlns:a16="http://schemas.microsoft.com/office/drawing/2014/main" id="{069D4667-2AE2-423F-93EE-0138416D5AD3}"/>
+              </a:ext>
+            </a:extLst>
+          </p:cNvPr>
+          <p:cNvSpPr/>
+          <p:nvPr/>
+        </p:nvSpPr>
+        <p:spPr>
+          <a:xfrm>
+            <a:off x="647700" y="4828032"/>
+            <a:ext cx="6648450" cy="1758950"/>
+          </a:xfrm>
+          <a:prstGeom prst="rect">
+            <a:avLst/>
+          </a:prstGeom>
+          <a:solidFill>
+            <a:schemeClr val="bg1">
+              <a:lumMod val="65000"/>
+              <a:alpha val="52000"/>
+            </a:schemeClr>
+          </a:solidFill>
+          <a:ln>
+            <a:noFill/>
+          </a:ln>
+        </p:spPr>
+        <p:style>
+          <a:lnRef idx="2">
+            <a:schemeClr val="accent1">
+              <a:shade val="50000"/>
+            </a:schemeClr>
+          </a:lnRef>
+          <a:fillRef idx="1">
+            <a:schemeClr val="accent1"/>
+          </a:fillRef>
+          <a:effectRef idx="0">
+            <a:schemeClr val="accent1"/>
+          </a:effectRef>
+          <a:fontRef idx="minor">
+            <a:schemeClr val="lt1"/>
+          </a:fontRef>
+        </p:style>
+        <p:txBody>
+          <a:bodyPr rtlCol="0" anchor="ctr"/>
+          <a:lstStyle/>
+          <a:p>
+            <a:pPr algn="ctr"/>
+            <a:endParaRPr lang="de-DE"/>
+          </a:p>
+        </p:txBody>
+      </p:sp>
+      <p:sp>
+        <p:nvSpPr>
           <p:cNvPr id="2" name="Titel 1">
             <a:extLst>
               <a:ext uri="{FF2B5EF4-FFF2-40B4-BE49-F238E27FC236}">
-                <a16:creationId xmlns:a16="http://schemas.microsoft.com/office/drawing/2014/main" id="{B1A90CD1-3C50-4C8F-A04E-D49D3CA0D9D2}"/>
+                <a16:creationId xmlns:a16="http://schemas.microsoft.com/office/drawing/2014/main" id="{D1D58A17-9AAE-481A-B690-A23581CF5601}"/>
               </a:ext>
             </a:extLst>
           </p:cNvPr>
@@ -4618,7 +6605,7 @@
             <a:spLocks noGrp="1"/>
           </p:cNvSpPr>
           <p:nvPr>
-            <p:ph type="ctrTitle"/>
+            <p:ph type="title"/>
           </p:nvPr>
         </p:nvSpPr>
         <p:spPr/>
@@ -4628,40 +6615,473 @@
           <a:p>
             <a:r>
               <a:rPr lang="de-DE" dirty="0"/>
-              <a:t>Anhang</a:t>
-            </a:r>
-          </a:p>
-        </p:txBody>
-      </p:sp>
-      <p:sp>
-        <p:nvSpPr>
-          <p:cNvPr id="3" name="Untertitel 2">
-            <a:extLst>
-              <a:ext uri="{FF2B5EF4-FFF2-40B4-BE49-F238E27FC236}">
-                <a16:creationId xmlns:a16="http://schemas.microsoft.com/office/drawing/2014/main" id="{C8CEC03F-D743-4D2C-83D1-6879D308BCE7}"/>
-              </a:ext>
-            </a:extLst>
-          </p:cNvPr>
-          <p:cNvSpPr>
-            <a:spLocks noGrp="1"/>
-          </p:cNvSpPr>
-          <p:nvPr>
-            <p:ph type="subTitle" idx="1"/>
-          </p:nvPr>
-        </p:nvSpPr>
-        <p:spPr/>
-        <p:txBody>
-          <a:bodyPr/>
-          <a:lstStyle/>
-          <a:p>
+              <a:t>Abstrakte Klassen und Methoden</a:t>
+            </a:r>
+          </a:p>
+        </p:txBody>
+      </p:sp>
+      <p:sp>
+        <p:nvSpPr>
+          <p:cNvPr id="4" name="Rechteck 3">
+            <a:extLst>
+              <a:ext uri="{FF2B5EF4-FFF2-40B4-BE49-F238E27FC236}">
+                <a16:creationId xmlns:a16="http://schemas.microsoft.com/office/drawing/2014/main" id="{228A21BB-A003-476A-95F6-A52CBC281022}"/>
+              </a:ext>
+            </a:extLst>
+          </p:cNvPr>
+          <p:cNvSpPr/>
+          <p:nvPr/>
+        </p:nvSpPr>
+        <p:spPr>
+          <a:xfrm>
+            <a:off x="990600" y="5353792"/>
+            <a:ext cx="6096000" cy="923330"/>
+          </a:xfrm>
+          <a:prstGeom prst="rect">
+            <a:avLst/>
+          </a:prstGeom>
+        </p:spPr>
+        <p:txBody>
+          <a:bodyPr>
+            <a:spAutoFit/>
+          </a:bodyPr>
+          <a:lstStyle/>
+          <a:p>
+            <a:r>
+              <a:rPr lang="de-DE" dirty="0">
+                <a:latin typeface="Consolas" panose="020B0609020204030204" pitchFamily="49" charset="0"/>
+              </a:rPr>
+              <a:t>public abstract class </a:t>
+            </a:r>
+            <a:r>
+              <a:rPr lang="de-DE" i="1" dirty="0">
+                <a:latin typeface="Consolas" panose="020B0609020204030204" pitchFamily="49" charset="0"/>
+              </a:rPr>
+              <a:t>Klassename</a:t>
+            </a:r>
+            <a:r>
+              <a:rPr lang="de-DE" dirty="0">
+                <a:latin typeface="Consolas" panose="020B0609020204030204" pitchFamily="49" charset="0"/>
+              </a:rPr>
+              <a:t> {</a:t>
+            </a:r>
+            <a:br>
+              <a:rPr lang="de-DE" dirty="0">
+                <a:latin typeface="Consolas" panose="020B0609020204030204" pitchFamily="49" charset="0"/>
+              </a:rPr>
+            </a:br>
+            <a:r>
+              <a:rPr lang="de-DE" dirty="0">
+                <a:latin typeface="Consolas" panose="020B0609020204030204" pitchFamily="49" charset="0"/>
+              </a:rPr>
+              <a:t>	public abstract void </a:t>
+            </a:r>
+            <a:r>
+              <a:rPr lang="de-DE" i="1" dirty="0">
+                <a:latin typeface="Consolas" panose="020B0609020204030204" pitchFamily="49" charset="0"/>
+              </a:rPr>
+              <a:t>methodename</a:t>
+            </a:r>
+            <a:r>
+              <a:rPr lang="de-DE" dirty="0">
+                <a:latin typeface="Consolas" panose="020B0609020204030204" pitchFamily="49" charset="0"/>
+              </a:rPr>
+              <a:t>();</a:t>
+            </a:r>
+            <a:br>
+              <a:rPr lang="de-DE" dirty="0">
+                <a:latin typeface="Consolas" panose="020B0609020204030204" pitchFamily="49" charset="0"/>
+              </a:rPr>
+            </a:br>
+            <a:r>
+              <a:rPr lang="de-DE" dirty="0">
+                <a:latin typeface="Consolas" panose="020B0609020204030204" pitchFamily="49" charset="0"/>
+              </a:rPr>
+              <a:t>}</a:t>
+            </a:r>
+            <a:endParaRPr lang="de-DE" dirty="0"/>
+          </a:p>
+        </p:txBody>
+      </p:sp>
+      <p:sp>
+        <p:nvSpPr>
+          <p:cNvPr id="5" name="Textfeld 4">
+            <a:extLst>
+              <a:ext uri="{FF2B5EF4-FFF2-40B4-BE49-F238E27FC236}">
+                <a16:creationId xmlns:a16="http://schemas.microsoft.com/office/drawing/2014/main" id="{58C5C2A4-9C2E-4D4A-B0CE-828F43DAE860}"/>
+              </a:ext>
+            </a:extLst>
+          </p:cNvPr>
+          <p:cNvSpPr txBox="1"/>
+          <p:nvPr/>
+        </p:nvSpPr>
+        <p:spPr>
+          <a:xfrm>
+            <a:off x="846363" y="4917785"/>
+            <a:ext cx="2249014" cy="369332"/>
+          </a:xfrm>
+          <a:prstGeom prst="rect">
+            <a:avLst/>
+          </a:prstGeom>
+          <a:noFill/>
+        </p:spPr>
+        <p:txBody>
+          <a:bodyPr wrap="none" rtlCol="0">
+            <a:spAutoFit/>
+          </a:bodyPr>
+          <a:lstStyle/>
+          <a:p>
+            <a:r>
+              <a:rPr lang="de-DE" b="1" dirty="0"/>
+              <a:t>Implementation Java:</a:t>
+            </a:r>
+          </a:p>
+        </p:txBody>
+      </p:sp>
+      <p:sp>
+        <p:nvSpPr>
+          <p:cNvPr id="7" name="L-Form 6">
+            <a:extLst>
+              <a:ext uri="{FF2B5EF4-FFF2-40B4-BE49-F238E27FC236}">
+                <a16:creationId xmlns:a16="http://schemas.microsoft.com/office/drawing/2014/main" id="{DFBDDDA9-43C7-468F-AF1E-141D9BD52A52}"/>
+              </a:ext>
+            </a:extLst>
+          </p:cNvPr>
+          <p:cNvSpPr/>
+          <p:nvPr/>
+        </p:nvSpPr>
+        <p:spPr>
+          <a:xfrm rot="5400000">
+            <a:off x="590550" y="4741863"/>
+            <a:ext cx="511627" cy="511627"/>
+          </a:xfrm>
+          <a:prstGeom prst="corner">
+            <a:avLst>
+              <a:gd name="adj1" fmla="val 36154"/>
+              <a:gd name="adj2" fmla="val 36800"/>
+            </a:avLst>
+          </a:prstGeom>
+          <a:solidFill>
+            <a:srgbClr val="92D050"/>
+          </a:solidFill>
+          <a:ln>
+            <a:noFill/>
+          </a:ln>
+        </p:spPr>
+        <p:style>
+          <a:lnRef idx="2">
+            <a:schemeClr val="accent1">
+              <a:shade val="50000"/>
+            </a:schemeClr>
+          </a:lnRef>
+          <a:fillRef idx="1">
+            <a:schemeClr val="accent1"/>
+          </a:fillRef>
+          <a:effectRef idx="0">
+            <a:schemeClr val="accent1"/>
+          </a:effectRef>
+          <a:fontRef idx="minor">
+            <a:schemeClr val="lt1"/>
+          </a:fontRef>
+        </p:style>
+        <p:txBody>
+          <a:bodyPr rtlCol="0" anchor="ctr"/>
+          <a:lstStyle/>
+          <a:p>
+            <a:pPr algn="ctr"/>
             <a:endParaRPr lang="de-DE"/>
+          </a:p>
+        </p:txBody>
+      </p:sp>
+      <p:sp>
+        <p:nvSpPr>
+          <p:cNvPr id="8" name="L-Form 7">
+            <a:extLst>
+              <a:ext uri="{FF2B5EF4-FFF2-40B4-BE49-F238E27FC236}">
+                <a16:creationId xmlns:a16="http://schemas.microsoft.com/office/drawing/2014/main" id="{C942545A-2749-44E0-9A85-79672573356F}"/>
+              </a:ext>
+            </a:extLst>
+          </p:cNvPr>
+          <p:cNvSpPr/>
+          <p:nvPr/>
+        </p:nvSpPr>
+        <p:spPr>
+          <a:xfrm rot="16200000">
+            <a:off x="6889298" y="6176110"/>
+            <a:ext cx="511627" cy="511627"/>
+          </a:xfrm>
+          <a:prstGeom prst="corner">
+            <a:avLst>
+              <a:gd name="adj1" fmla="val 36154"/>
+              <a:gd name="adj2" fmla="val 36800"/>
+            </a:avLst>
+          </a:prstGeom>
+          <a:solidFill>
+            <a:srgbClr val="92D050"/>
+          </a:solidFill>
+          <a:ln>
+            <a:noFill/>
+          </a:ln>
+        </p:spPr>
+        <p:style>
+          <a:lnRef idx="2">
+            <a:schemeClr val="accent1">
+              <a:shade val="50000"/>
+            </a:schemeClr>
+          </a:lnRef>
+          <a:fillRef idx="1">
+            <a:schemeClr val="accent1"/>
+          </a:fillRef>
+          <a:effectRef idx="0">
+            <a:schemeClr val="accent1"/>
+          </a:effectRef>
+          <a:fontRef idx="minor">
+            <a:schemeClr val="lt1"/>
+          </a:fontRef>
+        </p:style>
+        <p:txBody>
+          <a:bodyPr rtlCol="0" anchor="ctr"/>
+          <a:lstStyle/>
+          <a:p>
+            <a:pPr algn="ctr"/>
+            <a:endParaRPr lang="de-DE"/>
+          </a:p>
+        </p:txBody>
+      </p:sp>
+      <p:sp>
+        <p:nvSpPr>
+          <p:cNvPr id="9" name="Textfeld 8">
+            <a:extLst>
+              <a:ext uri="{FF2B5EF4-FFF2-40B4-BE49-F238E27FC236}">
+                <a16:creationId xmlns:a16="http://schemas.microsoft.com/office/drawing/2014/main" id="{61FD7860-B47D-42E3-A599-FD128F839960}"/>
+              </a:ext>
+            </a:extLst>
+          </p:cNvPr>
+          <p:cNvSpPr txBox="1"/>
+          <p:nvPr/>
+        </p:nvSpPr>
+        <p:spPr>
+          <a:xfrm>
+            <a:off x="583467" y="1556198"/>
+            <a:ext cx="1358385" cy="369332"/>
+          </a:xfrm>
+          <a:prstGeom prst="rect">
+            <a:avLst/>
+          </a:prstGeom>
+          <a:noFill/>
+        </p:spPr>
+        <p:txBody>
+          <a:bodyPr wrap="none" rtlCol="0">
+            <a:spAutoFit/>
+          </a:bodyPr>
+          <a:lstStyle/>
+          <a:p>
+            <a:r>
+              <a:rPr lang="de-DE" b="1" dirty="0"/>
+              <a:t>Was ist das?</a:t>
+            </a:r>
+          </a:p>
+        </p:txBody>
+      </p:sp>
+      <p:sp>
+        <p:nvSpPr>
+          <p:cNvPr id="10" name="Textfeld 9">
+            <a:extLst>
+              <a:ext uri="{FF2B5EF4-FFF2-40B4-BE49-F238E27FC236}">
+                <a16:creationId xmlns:a16="http://schemas.microsoft.com/office/drawing/2014/main" id="{83A0E8B1-4BF3-4A6E-9ACF-D7BC71BEA160}"/>
+              </a:ext>
+            </a:extLst>
+          </p:cNvPr>
+          <p:cNvSpPr txBox="1"/>
+          <p:nvPr/>
+        </p:nvSpPr>
+        <p:spPr>
+          <a:xfrm>
+            <a:off x="1102177" y="1991973"/>
+            <a:ext cx="7859010" cy="923330"/>
+          </a:xfrm>
+          <a:prstGeom prst="rect">
+            <a:avLst/>
+          </a:prstGeom>
+          <a:noFill/>
+        </p:spPr>
+        <p:txBody>
+          <a:bodyPr wrap="square" rtlCol="0">
+            <a:spAutoFit/>
+          </a:bodyPr>
+          <a:lstStyle/>
+          <a:p>
+            <a:r>
+              <a:rPr lang="de-DE" dirty="0"/>
+              <a:t>Wenn eine Klasse abstrakt ist, können keine Objekte dieser Klasse erstellt werden.</a:t>
+            </a:r>
+          </a:p>
+          <a:p>
+            <a:r>
+              <a:rPr lang="de-DE" dirty="0"/>
+              <a:t>Bei abstrakte Methode wird nur die Signatur festgelegt. Unterklassen dieser abstrakten Klasse </a:t>
+            </a:r>
+            <a:r>
+              <a:rPr lang="de-DE" u="sng" dirty="0"/>
+              <a:t>müssen</a:t>
+            </a:r>
+            <a:r>
+              <a:rPr lang="de-DE" dirty="0"/>
+              <a:t> diese abstrakte Methode definieren.</a:t>
+            </a:r>
+          </a:p>
+        </p:txBody>
+      </p:sp>
+      <p:sp>
+        <p:nvSpPr>
+          <p:cNvPr id="11" name="Textfeld 10">
+            <a:extLst>
+              <a:ext uri="{FF2B5EF4-FFF2-40B4-BE49-F238E27FC236}">
+                <a16:creationId xmlns:a16="http://schemas.microsoft.com/office/drawing/2014/main" id="{84BFDEDC-E390-4A03-A020-AC6C1A496B8F}"/>
+              </a:ext>
+            </a:extLst>
+          </p:cNvPr>
+          <p:cNvSpPr txBox="1"/>
+          <p:nvPr/>
+        </p:nvSpPr>
+        <p:spPr>
+          <a:xfrm>
+            <a:off x="583467" y="2936153"/>
+            <a:ext cx="2396810" cy="369332"/>
+          </a:xfrm>
+          <a:prstGeom prst="rect">
+            <a:avLst/>
+          </a:prstGeom>
+          <a:noFill/>
+        </p:spPr>
+        <p:txBody>
+          <a:bodyPr wrap="none" rtlCol="0">
+            <a:spAutoFit/>
+          </a:bodyPr>
+          <a:lstStyle/>
+          <a:p>
+            <a:r>
+              <a:rPr lang="de-DE" b="1" dirty="0"/>
+              <a:t>Wozu brauch man das?</a:t>
+            </a:r>
+          </a:p>
+        </p:txBody>
+      </p:sp>
+      <p:sp>
+        <p:nvSpPr>
+          <p:cNvPr id="12" name="Textfeld 11">
+            <a:extLst>
+              <a:ext uri="{FF2B5EF4-FFF2-40B4-BE49-F238E27FC236}">
+                <a16:creationId xmlns:a16="http://schemas.microsoft.com/office/drawing/2014/main" id="{3C1DF7D2-AFE3-4A5B-816D-99F17F8C5F62}"/>
+              </a:ext>
+            </a:extLst>
+          </p:cNvPr>
+          <p:cNvSpPr txBox="1"/>
+          <p:nvPr/>
+        </p:nvSpPr>
+        <p:spPr>
+          <a:xfrm>
+            <a:off x="9078791" y="1745357"/>
+            <a:ext cx="2904981" cy="3139321"/>
+          </a:xfrm>
+          <a:prstGeom prst="rect">
+            <a:avLst/>
+          </a:prstGeom>
+          <a:solidFill>
+            <a:srgbClr val="FF6E6E"/>
+          </a:solidFill>
+        </p:spPr>
+        <p:txBody>
+          <a:bodyPr wrap="square" rtlCol="0">
+            <a:spAutoFit/>
+          </a:bodyPr>
+          <a:lstStyle/>
+          <a:p>
+            <a:r>
+              <a:rPr lang="de-DE" b="1" dirty="0"/>
+              <a:t>Wichtig</a:t>
+            </a:r>
+            <a:r>
+              <a:rPr lang="de-DE" dirty="0"/>
+              <a:t>:</a:t>
+            </a:r>
+          </a:p>
+          <a:p>
+            <a:r>
+              <a:rPr lang="de-DE" dirty="0"/>
+              <a:t>Wenn eine Klasse eine Abstrakte Methode enthält muss die Klasse auch Abstrakt sein!</a:t>
+            </a:r>
+          </a:p>
+          <a:p>
+            <a:endParaRPr lang="de-DE" dirty="0"/>
+          </a:p>
+          <a:p>
+            <a:r>
+              <a:rPr lang="de-DE" b="1" dirty="0"/>
+              <a:t>Außerdem:</a:t>
+            </a:r>
+          </a:p>
+          <a:p>
+            <a:r>
+              <a:rPr lang="de-DE" dirty="0"/>
+              <a:t>Eine abstrakte Methode kann nicht </a:t>
+            </a:r>
+            <a:r>
+              <a:rPr lang="de-DE" dirty="0" err="1"/>
+              <a:t>static</a:t>
+            </a:r>
+            <a:r>
+              <a:rPr lang="de-DE" dirty="0"/>
+              <a:t> sein, da dafür ein Objekt existieren müsste.</a:t>
+            </a:r>
+          </a:p>
+        </p:txBody>
+      </p:sp>
+      <p:sp>
+        <p:nvSpPr>
+          <p:cNvPr id="16" name="Textfeld 15">
+            <a:extLst>
+              <a:ext uri="{FF2B5EF4-FFF2-40B4-BE49-F238E27FC236}">
+                <a16:creationId xmlns:a16="http://schemas.microsoft.com/office/drawing/2014/main" id="{B54D0EEC-2EB5-4BE2-80E3-604E80A800E0}"/>
+              </a:ext>
+            </a:extLst>
+          </p:cNvPr>
+          <p:cNvSpPr txBox="1"/>
+          <p:nvPr/>
+        </p:nvSpPr>
+        <p:spPr>
+          <a:xfrm>
+            <a:off x="1102176" y="3402262"/>
+            <a:ext cx="7859011" cy="1200329"/>
+          </a:xfrm>
+          <a:prstGeom prst="rect">
+            <a:avLst/>
+          </a:prstGeom>
+          <a:noFill/>
+        </p:spPr>
+        <p:txBody>
+          <a:bodyPr wrap="square" rtlCol="0">
+            <a:spAutoFit/>
+          </a:bodyPr>
+          <a:lstStyle/>
+          <a:p>
+            <a:r>
+              <a:rPr lang="de-DE" dirty="0"/>
+              <a:t>Eine abstrakten Klasse kann in einer Klassenhierarchie als Oberklasse modelliert werden, welche abstrakte Methoden enthält, die erst in abgeleiteten Unterklassen implementiert werden. </a:t>
+            </a:r>
+          </a:p>
+          <a:p>
+            <a:r>
+              <a:rPr lang="de-DE" dirty="0"/>
+              <a:t>– Glossar Informatik Hessen 2022</a:t>
+            </a:r>
           </a:p>
         </p:txBody>
       </p:sp>
     </p:spTree>
     <p:extLst>
       <p:ext uri="{BB962C8B-B14F-4D97-AF65-F5344CB8AC3E}">
-        <p14:creationId xmlns:p14="http://schemas.microsoft.com/office/powerpoint/2010/main" val="2003134851"/>
+        <p14:creationId xmlns:p14="http://schemas.microsoft.com/office/powerpoint/2010/main" val="3767791101"/>
       </p:ext>
     </p:extLst>
   </p:cSld>
@@ -4693,7 +7113,7 @@
           <p:cNvPr id="2" name="Titel 1">
             <a:extLst>
               <a:ext uri="{FF2B5EF4-FFF2-40B4-BE49-F238E27FC236}">
-                <a16:creationId xmlns:a16="http://schemas.microsoft.com/office/drawing/2014/main" id="{1E401948-8BB2-4707-95AE-465BB75A66B4}"/>
+                <a16:creationId xmlns:a16="http://schemas.microsoft.com/office/drawing/2014/main" id="{B1A90CD1-3C50-4C8F-A04E-D49D3CA0D9D2}"/>
               </a:ext>
             </a:extLst>
           </p:cNvPr>
@@ -4701,7 +7121,7 @@
             <a:spLocks noGrp="1"/>
           </p:cNvSpPr>
           <p:nvPr>
-            <p:ph type="title"/>
+            <p:ph type="ctrTitle"/>
           </p:nvPr>
         </p:nvSpPr>
         <p:spPr/>
@@ -4711,17 +7131,17 @@
           <a:p>
             <a:r>
               <a:rPr lang="de-DE" dirty="0"/>
-              <a:t>interface</a:t>
-            </a:r>
-          </a:p>
-        </p:txBody>
-      </p:sp>
-      <p:sp>
-        <p:nvSpPr>
-          <p:cNvPr id="3" name="Inhaltsplatzhalter 2">
-            <a:extLst>
-              <a:ext uri="{FF2B5EF4-FFF2-40B4-BE49-F238E27FC236}">
-                <a16:creationId xmlns:a16="http://schemas.microsoft.com/office/drawing/2014/main" id="{55BE582C-E6AC-4CCD-9F2D-0AD7A322E03E}"/>
+              <a:t>Anhang</a:t>
+            </a:r>
+          </a:p>
+        </p:txBody>
+      </p:sp>
+      <p:sp>
+        <p:nvSpPr>
+          <p:cNvPr id="3" name="Untertitel 2">
+            <a:extLst>
+              <a:ext uri="{FF2B5EF4-FFF2-40B4-BE49-F238E27FC236}">
+                <a16:creationId xmlns:a16="http://schemas.microsoft.com/office/drawing/2014/main" id="{C8CEC03F-D743-4D2C-83D1-6879D308BCE7}"/>
               </a:ext>
             </a:extLst>
           </p:cNvPr>
@@ -4729,7 +7149,7 @@
             <a:spLocks noGrp="1"/>
           </p:cNvSpPr>
           <p:nvPr>
-            <p:ph idx="1"/>
+            <p:ph type="subTitle" idx="1"/>
           </p:nvPr>
         </p:nvSpPr>
         <p:spPr/>
@@ -4744,7 +7164,7 @@
     </p:spTree>
     <p:extLst>
       <p:ext uri="{BB962C8B-B14F-4D97-AF65-F5344CB8AC3E}">
-        <p14:creationId xmlns:p14="http://schemas.microsoft.com/office/powerpoint/2010/main" val="227610676"/>
+        <p14:creationId xmlns:p14="http://schemas.microsoft.com/office/powerpoint/2010/main" val="2003134851"/>
       </p:ext>
     </p:extLst>
   </p:cSld>
@@ -4776,7 +7196,7 @@
           <p:cNvPr id="2" name="Titel 1">
             <a:extLst>
               <a:ext uri="{FF2B5EF4-FFF2-40B4-BE49-F238E27FC236}">
-                <a16:creationId xmlns:a16="http://schemas.microsoft.com/office/drawing/2014/main" id="{2B7EA457-A418-486D-B48E-E065B906F970}"/>
+                <a16:creationId xmlns:a16="http://schemas.microsoft.com/office/drawing/2014/main" id="{1E401948-8BB2-4707-95AE-465BB75A66B4}"/>
               </a:ext>
             </a:extLst>
           </p:cNvPr>
@@ -4794,7 +7214,7 @@
           <a:p>
             <a:r>
               <a:rPr lang="de-DE" dirty="0"/>
-              <a:t>Fachbegriffe:</a:t>
+              <a:t>interface</a:t>
             </a:r>
           </a:p>
         </p:txBody>
@@ -4804,7 +7224,7 @@
           <p:cNvPr id="3" name="Inhaltsplatzhalter 2">
             <a:extLst>
               <a:ext uri="{FF2B5EF4-FFF2-40B4-BE49-F238E27FC236}">
-                <a16:creationId xmlns:a16="http://schemas.microsoft.com/office/drawing/2014/main" id="{48945719-7CA4-4090-B09B-61EA97BC3C17}"/>
+                <a16:creationId xmlns:a16="http://schemas.microsoft.com/office/drawing/2014/main" id="{55BE582C-E6AC-4CCD-9F2D-0AD7A322E03E}"/>
               </a:ext>
             </a:extLst>
           </p:cNvPr>
@@ -4817,6 +7237,89 @@
         </p:nvSpPr>
         <p:spPr/>
         <p:txBody>
+          <a:bodyPr/>
+          <a:lstStyle/>
+          <a:p>
+            <a:endParaRPr lang="de-DE" dirty="0"/>
+          </a:p>
+        </p:txBody>
+      </p:sp>
+    </p:spTree>
+    <p:extLst>
+      <p:ext uri="{BB962C8B-B14F-4D97-AF65-F5344CB8AC3E}">
+        <p14:creationId xmlns:p14="http://schemas.microsoft.com/office/powerpoint/2010/main" val="227610676"/>
+      </p:ext>
+    </p:extLst>
+  </p:cSld>
+  <p:clrMapOvr>
+    <a:masterClrMapping/>
+  </p:clrMapOvr>
+</p:sld>
+</file>
+
+<file path=ppt/slides/slide15.xml><?xml version="1.0" encoding="utf-8"?>
+<p:sld xmlns:a="http://schemas.openxmlformats.org/drawingml/2006/main" xmlns:r="http://schemas.openxmlformats.org/officeDocument/2006/relationships" xmlns:p="http://schemas.openxmlformats.org/presentationml/2006/main">
+  <p:cSld>
+    <p:spTree>
+      <p:nvGrpSpPr>
+        <p:cNvPr id="1" name=""/>
+        <p:cNvGrpSpPr/>
+        <p:nvPr/>
+      </p:nvGrpSpPr>
+      <p:grpSpPr>
+        <a:xfrm>
+          <a:off x="0" y="0"/>
+          <a:ext cx="0" cy="0"/>
+          <a:chOff x="0" y="0"/>
+          <a:chExt cx="0" cy="0"/>
+        </a:xfrm>
+      </p:grpSpPr>
+      <p:sp>
+        <p:nvSpPr>
+          <p:cNvPr id="2" name="Titel 1">
+            <a:extLst>
+              <a:ext uri="{FF2B5EF4-FFF2-40B4-BE49-F238E27FC236}">
+                <a16:creationId xmlns:a16="http://schemas.microsoft.com/office/drawing/2014/main" id="{2B7EA457-A418-486D-B48E-E065B906F970}"/>
+              </a:ext>
+            </a:extLst>
+          </p:cNvPr>
+          <p:cNvSpPr>
+            <a:spLocks noGrp="1"/>
+          </p:cNvSpPr>
+          <p:nvPr>
+            <p:ph type="title"/>
+          </p:nvPr>
+        </p:nvSpPr>
+        <p:spPr/>
+        <p:txBody>
+          <a:bodyPr/>
+          <a:lstStyle/>
+          <a:p>
+            <a:r>
+              <a:rPr lang="de-DE" dirty="0"/>
+              <a:t>Fachbegriffe:</a:t>
+            </a:r>
+          </a:p>
+        </p:txBody>
+      </p:sp>
+      <p:sp>
+        <p:nvSpPr>
+          <p:cNvPr id="3" name="Inhaltsplatzhalter 2">
+            <a:extLst>
+              <a:ext uri="{FF2B5EF4-FFF2-40B4-BE49-F238E27FC236}">
+                <a16:creationId xmlns:a16="http://schemas.microsoft.com/office/drawing/2014/main" id="{48945719-7CA4-4090-B09B-61EA97BC3C17}"/>
+              </a:ext>
+            </a:extLst>
+          </p:cNvPr>
+          <p:cNvSpPr>
+            <a:spLocks noGrp="1"/>
+          </p:cNvSpPr>
+          <p:nvPr>
+            <p:ph idx="1"/>
+          </p:nvPr>
+        </p:nvSpPr>
+        <p:spPr/>
+        <p:txBody>
           <a:bodyPr>
             <a:normAutofit fontScale="25000" lnSpcReduction="20000"/>
           </a:bodyPr>
@@ -4886,15 +7389,7 @@
             </a:r>
             <a:r>
               <a:rPr lang="de-DE" dirty="0"/>
-              <a:t> (#) und </a:t>
-            </a:r>
-            <a:r>
-              <a:rPr lang="de-DE" dirty="0" err="1"/>
-              <a:t>public</a:t>
-            </a:r>
-            <a:r>
-              <a:rPr lang="de-DE" dirty="0"/>
-              <a:t> (+). Mit Hilfe der</a:t>
+              <a:t> (#) und public (+). Mit Hilfe der</a:t>
             </a:r>
             <a:br>
               <a:rPr lang="de-DE" dirty="0"/>
@@ -5150,7 +7645,7 @@
         </p:blipFill>
         <p:spPr>
           <a:xfrm>
-            <a:off x="7810500" y="95250"/>
+            <a:off x="7703402" y="95250"/>
             <a:ext cx="4381500" cy="6762750"/>
           </a:xfrm>
           <a:prstGeom prst="rect">
@@ -5437,41 +7932,6 @@
           </a:p>
         </p:txBody>
       </p:sp>
-      <p:sp>
-        <p:nvSpPr>
-          <p:cNvPr id="4" name="Textfeld 3">
-            <a:extLst>
-              <a:ext uri="{FF2B5EF4-FFF2-40B4-BE49-F238E27FC236}">
-                <a16:creationId xmlns:a16="http://schemas.microsoft.com/office/drawing/2014/main" id="{9DFC7BA3-7942-4BAF-B434-F57A357D7687}"/>
-              </a:ext>
-            </a:extLst>
-          </p:cNvPr>
-          <p:cNvSpPr txBox="1"/>
-          <p:nvPr/>
-        </p:nvSpPr>
-        <p:spPr>
-          <a:xfrm>
-            <a:off x="5906218" y="2800965"/>
-            <a:ext cx="2073215" cy="1200329"/>
-          </a:xfrm>
-          <a:prstGeom prst="rect">
-            <a:avLst/>
-          </a:prstGeom>
-          <a:noFill/>
-        </p:spPr>
-        <p:txBody>
-          <a:bodyPr wrap="square" rtlCol="0">
-            <a:spAutoFit/>
-          </a:bodyPr>
-          <a:lstStyle/>
-          <a:p>
-            <a:r>
-              <a:rPr lang="de-DE" dirty="0"/>
-              <a:t>Welche ersten Informationen kann man aus dem UML Diagramm ziehen?</a:t>
-            </a:r>
-          </a:p>
-        </p:txBody>
-      </p:sp>
     </p:spTree>
     <p:extLst>
       <p:ext uri="{BB962C8B-B14F-4D97-AF65-F5344CB8AC3E}">
@@ -5589,20 +8049,8 @@
               <a:buNone/>
             </a:pPr>
             <a:r>
-              <a:rPr lang="de-DE" dirty="0" err="1"/>
-              <a:t>public</a:t>
-            </a:r>
-            <a:r>
-              <a:rPr lang="de-DE" dirty="0"/>
-              <a:t> </a:t>
-            </a:r>
-            <a:r>
-              <a:rPr lang="de-DE" dirty="0" err="1"/>
-              <a:t>class</a:t>
-            </a:r>
-            <a:r>
-              <a:rPr lang="de-DE" dirty="0"/>
-              <a:t> </a:t>
+              <a:rPr lang="de-DE" dirty="0"/>
+              <a:t>public class </a:t>
             </a:r>
             <a:r>
               <a:rPr lang="de-DE" i="1" dirty="0"/>
@@ -5894,15 +8342,7 @@
           <a:p>
             <a:r>
               <a:rPr lang="de-DE" dirty="0"/>
-              <a:t>Wenn man ihr verschwindet das </a:t>
-            </a:r>
-            <a:r>
-              <a:rPr lang="de-DE" dirty="0" err="1"/>
-              <a:t>Object</a:t>
-            </a:r>
-            <a:r>
-              <a:rPr lang="de-DE" dirty="0"/>
-              <a:t> aber nicht einfach</a:t>
+              <a:t>Wenn man ihr verschwindet das Object aber nicht einfach</a:t>
             </a:r>
           </a:p>
         </p:txBody>
@@ -5977,7 +8417,7 @@
           <p:cNvPr id="2" name="Titel 1">
             <a:extLst>
               <a:ext uri="{FF2B5EF4-FFF2-40B4-BE49-F238E27FC236}">
-                <a16:creationId xmlns:a16="http://schemas.microsoft.com/office/drawing/2014/main" id="{DC3D9DD6-07D8-45DE-A49A-FD3ACE2DCC93}"/>
+                <a16:creationId xmlns:a16="http://schemas.microsoft.com/office/drawing/2014/main" id="{0340AF0A-5B1B-453A-AB7B-FCD76C193A27}"/>
               </a:ext>
             </a:extLst>
           </p:cNvPr>
@@ -5995,133 +8435,6 @@
           <a:p>
             <a:r>
               <a:rPr lang="de-DE" dirty="0"/>
-              <a:t>Geheimnisprinzip</a:t>
-            </a:r>
-          </a:p>
-        </p:txBody>
-      </p:sp>
-      <p:sp>
-        <p:nvSpPr>
-          <p:cNvPr id="3" name="Inhaltsplatzhalter 2">
-            <a:extLst>
-              <a:ext uri="{FF2B5EF4-FFF2-40B4-BE49-F238E27FC236}">
-                <a16:creationId xmlns:a16="http://schemas.microsoft.com/office/drawing/2014/main" id="{AB5C4C84-2179-4B0E-87FC-1C072C28F410}"/>
-              </a:ext>
-            </a:extLst>
-          </p:cNvPr>
-          <p:cNvSpPr>
-            <a:spLocks noGrp="1"/>
-          </p:cNvSpPr>
-          <p:nvPr>
-            <p:ph idx="1"/>
-          </p:nvPr>
-        </p:nvSpPr>
-        <p:spPr/>
-        <p:txBody>
-          <a:bodyPr/>
-          <a:lstStyle/>
-          <a:p>
-            <a:r>
-              <a:rPr lang="de-DE" dirty="0"/>
-              <a:t>Das Geheimnisprinzip besagt, dass das sowenig Information </a:t>
-            </a:r>
-            <a:r>
-              <a:rPr lang="de-DE" dirty="0" err="1"/>
-              <a:t>ischen</a:t>
-            </a:r>
-            <a:r>
-              <a:rPr lang="de-DE" dirty="0"/>
-              <a:t> den Klassen ausgetauscht werden</a:t>
-            </a:r>
-          </a:p>
-          <a:p>
-            <a:endParaRPr lang="de-DE" dirty="0"/>
-          </a:p>
-          <a:p>
-            <a:r>
-              <a:rPr lang="de-DE" b="1" dirty="0"/>
-              <a:t>Public</a:t>
-            </a:r>
-            <a:r>
-              <a:rPr lang="de-DE" dirty="0"/>
-              <a:t>(+) – alle Klassen können darauf zugreifen</a:t>
-            </a:r>
-          </a:p>
-          <a:p>
-            <a:r>
-              <a:rPr lang="de-DE" b="1" dirty="0"/>
-              <a:t>Private</a:t>
-            </a:r>
-            <a:r>
-              <a:rPr lang="de-DE" dirty="0"/>
-              <a:t>(-) – ist nur für die eigene Klasse sichtbar</a:t>
-            </a:r>
-          </a:p>
-          <a:p>
-            <a:r>
-              <a:rPr lang="de-DE" b="1" dirty="0" err="1"/>
-              <a:t>Protected</a:t>
-            </a:r>
-            <a:r>
-              <a:rPr lang="de-DE" dirty="0"/>
-              <a:t>(#) – alle Klassen im Package können darauf zugreifen</a:t>
-            </a:r>
-          </a:p>
-        </p:txBody>
-      </p:sp>
-    </p:spTree>
-    <p:extLst>
-      <p:ext uri="{BB962C8B-B14F-4D97-AF65-F5344CB8AC3E}">
-        <p14:creationId xmlns:p14="http://schemas.microsoft.com/office/powerpoint/2010/main" val="3452047011"/>
-      </p:ext>
-    </p:extLst>
-  </p:cSld>
-  <p:clrMapOvr>
-    <a:masterClrMapping/>
-  </p:clrMapOvr>
-</p:sld>
-</file>
-
-<file path=ppt/slides/slide7.xml><?xml version="1.0" encoding="utf-8"?>
-<p:sld xmlns:a="http://schemas.openxmlformats.org/drawingml/2006/main" xmlns:r="http://schemas.openxmlformats.org/officeDocument/2006/relationships" xmlns:p="http://schemas.openxmlformats.org/presentationml/2006/main">
-  <p:cSld>
-    <p:spTree>
-      <p:nvGrpSpPr>
-        <p:cNvPr id="1" name=""/>
-        <p:cNvGrpSpPr/>
-        <p:nvPr/>
-      </p:nvGrpSpPr>
-      <p:grpSpPr>
-        <a:xfrm>
-          <a:off x="0" y="0"/>
-          <a:ext cx="0" cy="0"/>
-          <a:chOff x="0" y="0"/>
-          <a:chExt cx="0" cy="0"/>
-        </a:xfrm>
-      </p:grpSpPr>
-      <p:sp>
-        <p:nvSpPr>
-          <p:cNvPr id="2" name="Titel 1">
-            <a:extLst>
-              <a:ext uri="{FF2B5EF4-FFF2-40B4-BE49-F238E27FC236}">
-                <a16:creationId xmlns:a16="http://schemas.microsoft.com/office/drawing/2014/main" id="{0340AF0A-5B1B-453A-AB7B-FCD76C193A27}"/>
-              </a:ext>
-            </a:extLst>
-          </p:cNvPr>
-          <p:cNvSpPr>
-            <a:spLocks noGrp="1"/>
-          </p:cNvSpPr>
-          <p:nvPr>
-            <p:ph type="title"/>
-          </p:nvPr>
-        </p:nvSpPr>
-        <p:spPr/>
-        <p:txBody>
-          <a:bodyPr/>
-          <a:lstStyle/>
-          <a:p>
-            <a:r>
-              <a:rPr lang="de-DE" dirty="0"/>
               <a:t>UML Diagramm</a:t>
             </a:r>
           </a:p>
@@ -6141,7 +8454,7 @@
         </p:nvSpPr>
         <p:spPr>
           <a:xfrm>
-            <a:off x="2239859" y="2256638"/>
+            <a:off x="2077934" y="2256638"/>
             <a:ext cx="2214642" cy="536895"/>
           </a:xfrm>
           <a:prstGeom prst="rect">
@@ -6196,7 +8509,7 @@
         </p:nvSpPr>
         <p:spPr>
           <a:xfrm>
-            <a:off x="2239859" y="2793533"/>
+            <a:off x="2077934" y="2793533"/>
             <a:ext cx="2214643" cy="1266739"/>
           </a:xfrm>
           <a:prstGeom prst="rect">
@@ -6250,7 +8563,7 @@
         </p:nvSpPr>
         <p:spPr>
           <a:xfrm>
-            <a:off x="2239858" y="4060272"/>
+            <a:off x="2077933" y="4060272"/>
             <a:ext cx="2214644" cy="1266739"/>
           </a:xfrm>
           <a:prstGeom prst="rect">
@@ -6304,7 +8617,7 @@
         </p:nvSpPr>
         <p:spPr>
           <a:xfrm>
-            <a:off x="2239857" y="4060272"/>
+            <a:off x="2077932" y="4060272"/>
             <a:ext cx="2214645" cy="1200329"/>
           </a:xfrm>
           <a:prstGeom prst="rect">
@@ -6324,13 +8637,8 @@
             </a:r>
             <a:r>
               <a:rPr lang="de-DE" i="1" dirty="0"/>
-              <a:t>Klassenname(): </a:t>
-            </a:r>
-            <a:r>
-              <a:rPr lang="de-DE" i="1" dirty="0" err="1"/>
-              <a:t>void</a:t>
-            </a:r>
-            <a:endParaRPr lang="de-DE" i="1" dirty="0"/>
+              <a:t>Klassenname(): void</a:t>
+            </a:r>
           </a:p>
           <a:p>
             <a:r>
@@ -6366,7 +8674,7 @@
         </p:nvSpPr>
         <p:spPr>
           <a:xfrm>
-            <a:off x="2639293" y="2321482"/>
+            <a:off x="2477368" y="2321482"/>
             <a:ext cx="1415772" cy="369332"/>
           </a:xfrm>
           <a:prstGeom prst="rect">
@@ -6401,8 +8709,8 @@
         </p:nvSpPr>
         <p:spPr>
           <a:xfrm>
-            <a:off x="4598142" y="5116466"/>
-            <a:ext cx="7638053" cy="1200329"/>
+            <a:off x="4636167" y="3626947"/>
+            <a:ext cx="7696402" cy="2031325"/>
           </a:xfrm>
           <a:prstGeom prst="rect">
             <a:avLst/>
@@ -6423,12 +8731,6 @@
           <a:p>
             <a:r>
               <a:rPr lang="de-DE" dirty="0"/>
-              <a:t>Wenn am Anfang einer Methode…</a:t>
-            </a:r>
-          </a:p>
-          <a:p>
-            <a:r>
-              <a:rPr lang="de-DE" dirty="0"/>
               <a:t>… </a:t>
             </a:r>
             <a:r>
@@ -6441,7 +8743,7 @@
             </a:r>
             <a:r>
               <a:rPr lang="de-DE" dirty="0"/>
-              <a:t> steht wird diese das private Attribut zurückgeben </a:t>
+              <a:t> – Methode gibt private Attribut mit dem Namen zurück </a:t>
             </a:r>
           </a:p>
           <a:p>
@@ -6458,16 +8760,65 @@
               <a:t>Attributname</a:t>
             </a:r>
             <a:r>
-              <a:rPr lang="de-DE" dirty="0"/>
-              <a:t> steht wird diese ein neue Wert für das private </a:t>
+              <a:rPr lang="de-DE" i="1" dirty="0"/>
+              <a:t> – </a:t>
+            </a:r>
+            <a:r>
+              <a:rPr lang="de-DE" dirty="0"/>
+              <a:t>Methode setzt private Attribut </a:t>
+            </a:r>
+          </a:p>
+          <a:p>
+            <a:r>
+              <a:rPr lang="de-DE" dirty="0"/>
+              <a:t>… </a:t>
             </a:r>
             <a:r>
               <a:rPr lang="de-DE" dirty="0" err="1"/>
-              <a:t>Attibut</a:t>
-            </a:r>
-            <a:r>
-              <a:rPr lang="de-DE" dirty="0"/>
-              <a:t> setzen</a:t>
+              <a:t>mehtoden</a:t>
+            </a:r>
+            <a:r>
+              <a:rPr lang="de-DE" dirty="0"/>
+              <a:t> werden klein </a:t>
+            </a:r>
+            <a:r>
+              <a:rPr lang="de-DE" dirty="0" err="1"/>
+              <a:t>geschieben</a:t>
+            </a:r>
+            <a:endParaRPr lang="de-DE" dirty="0"/>
+          </a:p>
+          <a:p>
+            <a:r>
+              <a:rPr lang="de-DE" dirty="0"/>
+              <a:t>…wenn ein Methode aus zusammengesetzten Wörtern besteht wird der Anfang </a:t>
+            </a:r>
+          </a:p>
+          <a:p>
+            <a:r>
+              <a:rPr lang="de-DE" dirty="0"/>
+              <a:t>    jedes Wortes groß geschrieben (z.B.: </a:t>
+            </a:r>
+            <a:r>
+              <a:rPr lang="de-DE" dirty="0" err="1"/>
+              <a:t>hasRoomObject</a:t>
+            </a:r>
+            <a:r>
+              <a:rPr lang="de-DE" dirty="0"/>
+              <a:t>())</a:t>
+            </a:r>
+          </a:p>
+          <a:p>
+            <a:r>
+              <a:rPr lang="de-DE" dirty="0"/>
+              <a:t>…Keine Umlaute (</a:t>
+            </a:r>
+            <a:r>
+              <a:rPr lang="de-DE" dirty="0" err="1"/>
+              <a:t>ä,ö,ü</a:t>
+            </a:r>
+            <a:r>
+              <a:rPr lang="de-DE" dirty="0"/>
+              <a:t>,…)!!!</a:t>
             </a:r>
           </a:p>
         </p:txBody>
@@ -6486,7 +8837,7 @@
         </p:nvSpPr>
         <p:spPr>
           <a:xfrm>
-            <a:off x="4598142" y="2716066"/>
+            <a:off x="216267" y="2701385"/>
             <a:ext cx="1029064" cy="369332"/>
           </a:xfrm>
           <a:prstGeom prst="rect">
@@ -6521,7 +8872,7 @@
         </p:nvSpPr>
         <p:spPr>
           <a:xfrm>
-            <a:off x="4648532" y="4198771"/>
+            <a:off x="234522" y="4231976"/>
             <a:ext cx="1366374" cy="923330"/>
           </a:xfrm>
           <a:prstGeom prst="rect">
@@ -6537,7 +8888,19 @@
           <a:p>
             <a:r>
               <a:rPr lang="de-DE" dirty="0"/>
-              <a:t>Methoden und Konstruktor</a:t>
+              <a:t>Konstruktor</a:t>
+            </a:r>
+          </a:p>
+          <a:p>
+            <a:r>
+              <a:rPr lang="de-DE" dirty="0"/>
+              <a:t>und</a:t>
+            </a:r>
+          </a:p>
+          <a:p>
+            <a:r>
+              <a:rPr lang="de-DE" dirty="0"/>
+              <a:t>Methoden</a:t>
             </a:r>
           </a:p>
         </p:txBody>
@@ -6556,7 +8919,7 @@
         </p:nvSpPr>
         <p:spPr>
           <a:xfrm>
-            <a:off x="2239856" y="2770367"/>
+            <a:off x="2077931" y="2770367"/>
             <a:ext cx="352982" cy="923330"/>
           </a:xfrm>
           <a:prstGeom prst="rect">
@@ -6603,8 +8966,8 @@
         </p:nvSpPr>
         <p:spPr>
           <a:xfrm>
-            <a:off x="6177096" y="3183108"/>
-            <a:ext cx="6096000" cy="1477328"/>
+            <a:off x="4636167" y="1857242"/>
+            <a:ext cx="6096000" cy="1569660"/>
           </a:xfrm>
           <a:prstGeom prst="rect">
             <a:avLst/>
@@ -6629,69 +8992,675 @@
           <a:p>
             <a:r>
               <a:rPr lang="de-DE" dirty="0"/>
-              <a:t>Der </a:t>
-            </a:r>
-            <a:r>
-              <a:rPr lang="de-DE" dirty="0" err="1"/>
-              <a:t>Konstruktur</a:t>
-            </a:r>
-            <a:r>
-              <a:rPr lang="de-DE" dirty="0"/>
-              <a:t> wird </a:t>
-            </a:r>
-            <a:r>
-              <a:rPr lang="de-DE" dirty="0" err="1"/>
-              <a:t>aufgeufen</a:t>
-            </a:r>
-            <a:r>
-              <a:rPr lang="de-DE" dirty="0"/>
-              <a:t>, wenn</a:t>
-            </a:r>
-          </a:p>
-          <a:p>
-            <a:r>
-              <a:rPr lang="de-DE" dirty="0"/>
-              <a:t>Wenn kein Konstruktor definiert wird </a:t>
-            </a:r>
-            <a:r>
-              <a:rPr lang="de-DE" dirty="0" err="1"/>
-              <a:t>wird</a:t>
-            </a:r>
-            <a:r>
-              <a:rPr lang="de-DE" dirty="0"/>
-              <a:t> trotzdem einer automatisch vom </a:t>
-            </a:r>
-            <a:r>
-              <a:rPr lang="de-DE" dirty="0" err="1"/>
-              <a:t>computer</a:t>
-            </a:r>
-            <a:r>
-              <a:rPr lang="de-DE" dirty="0"/>
-              <a:t> erzeugt</a:t>
-            </a:r>
-          </a:p>
-          <a:p>
-            <a:r>
-              <a:rPr lang="de-DE" dirty="0"/>
-              <a:t>Es kann nur einen </a:t>
-            </a:r>
-            <a:r>
-              <a:rPr lang="de-DE" dirty="0" err="1"/>
-              <a:t>Kunstrukt</a:t>
-            </a:r>
-            <a:r>
-              <a:rPr lang="de-DE" dirty="0"/>
-              <a:t> für eine Klasse definiert werden</a:t>
-            </a:r>
-          </a:p>
-        </p:txBody>
-      </p:sp>
-      <p:sp>
-        <p:nvSpPr>
-          <p:cNvPr id="3" name="Textfeld 2">
-            <a:extLst>
-              <a:ext uri="{FF2B5EF4-FFF2-40B4-BE49-F238E27FC236}">
-                <a16:creationId xmlns:a16="http://schemas.microsoft.com/office/drawing/2014/main" id="{76AAE367-79BB-4242-82CE-A2849CF35B2E}"/>
+              <a:t>Der Konstruktor wird aufgerufen, wenn Objekt der Klasse erstellt wird.</a:t>
+            </a:r>
+          </a:p>
+          <a:p>
+            <a:r>
+              <a:rPr lang="de-DE" sz="1400" dirty="0">
+                <a:solidFill>
+                  <a:schemeClr val="bg1">
+                    <a:lumMod val="50000"/>
+                  </a:schemeClr>
+                </a:solidFill>
+              </a:rPr>
+              <a:t>( - Wenn kein Konstruktor definiert wird trotzdem einer automatisch vom</a:t>
+            </a:r>
+            <a:br>
+              <a:rPr lang="de-DE" sz="1400" dirty="0">
+                <a:solidFill>
+                  <a:schemeClr val="bg1">
+                    <a:lumMod val="50000"/>
+                  </a:schemeClr>
+                </a:solidFill>
+              </a:rPr>
+            </a:br>
+            <a:r>
+              <a:rPr lang="de-DE" sz="1400" dirty="0">
+                <a:solidFill>
+                  <a:schemeClr val="bg1">
+                    <a:lumMod val="50000"/>
+                  </a:schemeClr>
+                </a:solidFill>
+              </a:rPr>
+              <a:t>     Computer erzeugt, jedoch ohne Inhalt. </a:t>
+            </a:r>
+          </a:p>
+          <a:p>
+            <a:r>
+              <a:rPr lang="de-DE" sz="1400" dirty="0">
+                <a:solidFill>
+                  <a:schemeClr val="bg1">
+                    <a:lumMod val="50000"/>
+                  </a:schemeClr>
+                </a:solidFill>
+              </a:rPr>
+              <a:t> - Es kann mehrere Konstruktoren definiert werden(überladen))</a:t>
+            </a:r>
+          </a:p>
+        </p:txBody>
+      </p:sp>
+      <p:sp>
+        <p:nvSpPr>
+          <p:cNvPr id="20" name="Freihandform: Form 19">
+            <a:extLst>
+              <a:ext uri="{FF2B5EF4-FFF2-40B4-BE49-F238E27FC236}">
+                <a16:creationId xmlns:a16="http://schemas.microsoft.com/office/drawing/2014/main" id="{DF28E547-0B86-4DDF-8ADB-FDF3F963F27E}"/>
+              </a:ext>
+            </a:extLst>
+          </p:cNvPr>
+          <p:cNvSpPr/>
+          <p:nvPr/>
+        </p:nvSpPr>
+        <p:spPr>
+          <a:xfrm>
+            <a:off x="1228725" y="2781300"/>
+            <a:ext cx="809625" cy="1247775"/>
+          </a:xfrm>
+          <a:custGeom>
+            <a:avLst/>
+            <a:gdLst>
+              <a:gd name="connsiteX0" fmla="*/ 809625 w 809625"/>
+              <a:gd name="connsiteY0" fmla="*/ 0 h 1247775"/>
+              <a:gd name="connsiteX1" fmla="*/ 352425 w 809625"/>
+              <a:gd name="connsiteY1" fmla="*/ 0 h 1247775"/>
+              <a:gd name="connsiteX2" fmla="*/ 352425 w 809625"/>
+              <a:gd name="connsiteY2" fmla="*/ 123825 h 1247775"/>
+              <a:gd name="connsiteX3" fmla="*/ 0 w 809625"/>
+              <a:gd name="connsiteY3" fmla="*/ 123825 h 1247775"/>
+              <a:gd name="connsiteX4" fmla="*/ 352425 w 809625"/>
+              <a:gd name="connsiteY4" fmla="*/ 123825 h 1247775"/>
+              <a:gd name="connsiteX5" fmla="*/ 352425 w 809625"/>
+              <a:gd name="connsiteY5" fmla="*/ 1247775 h 1247775"/>
+              <a:gd name="connsiteX6" fmla="*/ 800100 w 809625"/>
+              <a:gd name="connsiteY6" fmla="*/ 1247775 h 1247775"/>
+            </a:gdLst>
+            <a:ahLst/>
+            <a:cxnLst>
+              <a:cxn ang="0">
+                <a:pos x="connsiteX0" y="connsiteY0"/>
+              </a:cxn>
+              <a:cxn ang="0">
+                <a:pos x="connsiteX1" y="connsiteY1"/>
+              </a:cxn>
+              <a:cxn ang="0">
+                <a:pos x="connsiteX2" y="connsiteY2"/>
+              </a:cxn>
+              <a:cxn ang="0">
+                <a:pos x="connsiteX3" y="connsiteY3"/>
+              </a:cxn>
+              <a:cxn ang="0">
+                <a:pos x="connsiteX4" y="connsiteY4"/>
+              </a:cxn>
+              <a:cxn ang="0">
+                <a:pos x="connsiteX5" y="connsiteY5"/>
+              </a:cxn>
+              <a:cxn ang="0">
+                <a:pos x="connsiteX6" y="connsiteY6"/>
+              </a:cxn>
+            </a:cxnLst>
+            <a:rect l="l" t="t" r="r" b="b"/>
+            <a:pathLst>
+              <a:path w="809625" h="1247775">
+                <a:moveTo>
+                  <a:pt x="809625" y="0"/>
+                </a:moveTo>
+                <a:lnTo>
+                  <a:pt x="352425" y="0"/>
+                </a:lnTo>
+                <a:lnTo>
+                  <a:pt x="352425" y="123825"/>
+                </a:lnTo>
+                <a:lnTo>
+                  <a:pt x="0" y="123825"/>
+                </a:lnTo>
+                <a:lnTo>
+                  <a:pt x="352425" y="123825"/>
+                </a:lnTo>
+                <a:lnTo>
+                  <a:pt x="352425" y="1247775"/>
+                </a:lnTo>
+                <a:lnTo>
+                  <a:pt x="800100" y="1247775"/>
+                </a:lnTo>
+              </a:path>
+            </a:pathLst>
+          </a:custGeom>
+          <a:noFill/>
+          <a:ln>
+            <a:solidFill>
+              <a:srgbClr val="92D050"/>
+            </a:solidFill>
+          </a:ln>
+        </p:spPr>
+        <p:style>
+          <a:lnRef idx="2">
+            <a:schemeClr val="accent1">
+              <a:shade val="50000"/>
+            </a:schemeClr>
+          </a:lnRef>
+          <a:fillRef idx="1">
+            <a:schemeClr val="accent1"/>
+          </a:fillRef>
+          <a:effectRef idx="0">
+            <a:schemeClr val="accent1"/>
+          </a:effectRef>
+          <a:fontRef idx="minor">
+            <a:schemeClr val="lt1"/>
+          </a:fontRef>
+        </p:style>
+        <p:txBody>
+          <a:bodyPr rtlCol="0" anchor="ctr"/>
+          <a:lstStyle/>
+          <a:p>
+            <a:pPr algn="ctr"/>
+            <a:endParaRPr lang="de-DE"/>
+          </a:p>
+        </p:txBody>
+      </p:sp>
+      <p:sp>
+        <p:nvSpPr>
+          <p:cNvPr id="26" name="Freihandform: Form 25">
+            <a:extLst>
+              <a:ext uri="{FF2B5EF4-FFF2-40B4-BE49-F238E27FC236}">
+                <a16:creationId xmlns:a16="http://schemas.microsoft.com/office/drawing/2014/main" id="{11061AA7-AAB2-497D-90B4-76C7681E673F}"/>
+              </a:ext>
+            </a:extLst>
+          </p:cNvPr>
+          <p:cNvSpPr/>
+          <p:nvPr/>
+        </p:nvSpPr>
+        <p:spPr>
+          <a:xfrm>
+            <a:off x="1438275" y="4076700"/>
+            <a:ext cx="600075" cy="1219200"/>
+          </a:xfrm>
+          <a:custGeom>
+            <a:avLst/>
+            <a:gdLst>
+              <a:gd name="connsiteX0" fmla="*/ 609600 w 619125"/>
+              <a:gd name="connsiteY0" fmla="*/ 0 h 1219200"/>
+              <a:gd name="connsiteX1" fmla="*/ 152400 w 619125"/>
+              <a:gd name="connsiteY1" fmla="*/ 0 h 1219200"/>
+              <a:gd name="connsiteX2" fmla="*/ 152400 w 619125"/>
+              <a:gd name="connsiteY2" fmla="*/ 590550 h 1219200"/>
+              <a:gd name="connsiteX3" fmla="*/ 0 w 619125"/>
+              <a:gd name="connsiteY3" fmla="*/ 590550 h 1219200"/>
+              <a:gd name="connsiteX4" fmla="*/ 152400 w 619125"/>
+              <a:gd name="connsiteY4" fmla="*/ 590550 h 1219200"/>
+              <a:gd name="connsiteX5" fmla="*/ 152400 w 619125"/>
+              <a:gd name="connsiteY5" fmla="*/ 1219200 h 1219200"/>
+              <a:gd name="connsiteX6" fmla="*/ 619125 w 619125"/>
+              <a:gd name="connsiteY6" fmla="*/ 1219200 h 1219200"/>
+            </a:gdLst>
+            <a:ahLst/>
+            <a:cxnLst>
+              <a:cxn ang="0">
+                <a:pos x="connsiteX0" y="connsiteY0"/>
+              </a:cxn>
+              <a:cxn ang="0">
+                <a:pos x="connsiteX1" y="connsiteY1"/>
+              </a:cxn>
+              <a:cxn ang="0">
+                <a:pos x="connsiteX2" y="connsiteY2"/>
+              </a:cxn>
+              <a:cxn ang="0">
+                <a:pos x="connsiteX3" y="connsiteY3"/>
+              </a:cxn>
+              <a:cxn ang="0">
+                <a:pos x="connsiteX4" y="connsiteY4"/>
+              </a:cxn>
+              <a:cxn ang="0">
+                <a:pos x="connsiteX5" y="connsiteY5"/>
+              </a:cxn>
+              <a:cxn ang="0">
+                <a:pos x="connsiteX6" y="connsiteY6"/>
+              </a:cxn>
+            </a:cxnLst>
+            <a:rect l="l" t="t" r="r" b="b"/>
+            <a:pathLst>
+              <a:path w="619125" h="1219200">
+                <a:moveTo>
+                  <a:pt x="609600" y="0"/>
+                </a:moveTo>
+                <a:lnTo>
+                  <a:pt x="152400" y="0"/>
+                </a:lnTo>
+                <a:lnTo>
+                  <a:pt x="152400" y="590550"/>
+                </a:lnTo>
+                <a:lnTo>
+                  <a:pt x="0" y="590550"/>
+                </a:lnTo>
+                <a:lnTo>
+                  <a:pt x="152400" y="590550"/>
+                </a:lnTo>
+                <a:lnTo>
+                  <a:pt x="152400" y="1219200"/>
+                </a:lnTo>
+                <a:lnTo>
+                  <a:pt x="619125" y="1219200"/>
+                </a:lnTo>
+              </a:path>
+            </a:pathLst>
+          </a:custGeom>
+          <a:noFill/>
+          <a:ln>
+            <a:solidFill>
+              <a:srgbClr val="8FAADC"/>
+            </a:solidFill>
+          </a:ln>
+        </p:spPr>
+        <p:style>
+          <a:lnRef idx="2">
+            <a:schemeClr val="accent1">
+              <a:shade val="50000"/>
+            </a:schemeClr>
+          </a:lnRef>
+          <a:fillRef idx="1">
+            <a:schemeClr val="accent1"/>
+          </a:fillRef>
+          <a:effectRef idx="0">
+            <a:schemeClr val="accent1"/>
+          </a:effectRef>
+          <a:fontRef idx="minor">
+            <a:schemeClr val="lt1"/>
+          </a:fontRef>
+        </p:style>
+        <p:txBody>
+          <a:bodyPr rtlCol="0" anchor="ctr"/>
+          <a:lstStyle/>
+          <a:p>
+            <a:pPr algn="ctr"/>
+            <a:endParaRPr lang="de-DE"/>
+          </a:p>
+        </p:txBody>
+      </p:sp>
+    </p:spTree>
+    <p:extLst>
+      <p:ext uri="{BB962C8B-B14F-4D97-AF65-F5344CB8AC3E}">
+        <p14:creationId xmlns:p14="http://schemas.microsoft.com/office/powerpoint/2010/main" val="2957843070"/>
+      </p:ext>
+    </p:extLst>
+  </p:cSld>
+  <p:clrMapOvr>
+    <a:masterClrMapping/>
+  </p:clrMapOvr>
+</p:sld>
+</file>
+
+<file path=ppt/slides/slide7.xml><?xml version="1.0" encoding="utf-8"?>
+<p:sld xmlns:a="http://schemas.openxmlformats.org/drawingml/2006/main" xmlns:r="http://schemas.openxmlformats.org/officeDocument/2006/relationships" xmlns:p="http://schemas.openxmlformats.org/presentationml/2006/main">
+  <p:cSld>
+    <p:spTree>
+      <p:nvGrpSpPr>
+        <p:cNvPr id="1" name=""/>
+        <p:cNvGrpSpPr/>
+        <p:nvPr/>
+      </p:nvGrpSpPr>
+      <p:grpSpPr>
+        <a:xfrm>
+          <a:off x="0" y="0"/>
+          <a:ext cx="0" cy="0"/>
+          <a:chOff x="0" y="0"/>
+          <a:chExt cx="0" cy="0"/>
+        </a:xfrm>
+      </p:grpSpPr>
+      <p:sp>
+        <p:nvSpPr>
+          <p:cNvPr id="2" name="Titel 1">
+            <a:extLst>
+              <a:ext uri="{FF2B5EF4-FFF2-40B4-BE49-F238E27FC236}">
+                <a16:creationId xmlns:a16="http://schemas.microsoft.com/office/drawing/2014/main" id="{DC3D9DD6-07D8-45DE-A49A-FD3ACE2DCC93}"/>
+              </a:ext>
+            </a:extLst>
+          </p:cNvPr>
+          <p:cNvSpPr>
+            <a:spLocks noGrp="1"/>
+          </p:cNvSpPr>
+          <p:nvPr>
+            <p:ph type="title"/>
+          </p:nvPr>
+        </p:nvSpPr>
+        <p:spPr/>
+        <p:txBody>
+          <a:bodyPr/>
+          <a:lstStyle/>
+          <a:p>
+            <a:r>
+              <a:rPr lang="de-DE" dirty="0"/>
+              <a:t>Geheimnisprinzip</a:t>
+            </a:r>
+          </a:p>
+        </p:txBody>
+      </p:sp>
+      <p:sp>
+        <p:nvSpPr>
+          <p:cNvPr id="3" name="Inhaltsplatzhalter 2">
+            <a:extLst>
+              <a:ext uri="{FF2B5EF4-FFF2-40B4-BE49-F238E27FC236}">
+                <a16:creationId xmlns:a16="http://schemas.microsoft.com/office/drawing/2014/main" id="{AB5C4C84-2179-4B0E-87FC-1C072C28F410}"/>
+              </a:ext>
+            </a:extLst>
+          </p:cNvPr>
+          <p:cNvSpPr>
+            <a:spLocks noGrp="1"/>
+          </p:cNvSpPr>
+          <p:nvPr>
+            <p:ph idx="1"/>
+          </p:nvPr>
+        </p:nvSpPr>
+        <p:spPr/>
+        <p:txBody>
+          <a:bodyPr>
+            <a:normAutofit fontScale="92500"/>
+          </a:bodyPr>
+          <a:lstStyle/>
+          <a:p>
+            <a:pPr marL="0" indent="0">
+              <a:buNone/>
+            </a:pPr>
+            <a:r>
+              <a:rPr lang="de-DE" dirty="0"/>
+              <a:t>Das Geheimnisprinzip besagt, dass das </a:t>
+            </a:r>
+            <a:r>
+              <a:rPr lang="de-DE" i="1" dirty="0"/>
+              <a:t>sowenig Information zwischen den Klassen ausgetauscht werden sollen wie möglich</a:t>
+            </a:r>
+            <a:r>
+              <a:rPr lang="de-DE" dirty="0"/>
+              <a:t>. Um dies umzusetzen gibt es verschiedene </a:t>
+            </a:r>
+            <a:r>
+              <a:rPr lang="de-DE" u="sng" dirty="0"/>
+              <a:t>Sichtbarkeiten</a:t>
+            </a:r>
+            <a:r>
+              <a:rPr lang="de-DE" dirty="0"/>
+              <a:t> für Methoden und Attribute.</a:t>
+            </a:r>
+          </a:p>
+          <a:p>
+            <a:pPr marL="0" indent="0">
+              <a:buNone/>
+            </a:pPr>
+            <a:endParaRPr lang="de-DE" dirty="0"/>
+          </a:p>
+          <a:p>
+            <a:pPr marL="0" indent="0">
+              <a:buNone/>
+            </a:pPr>
+            <a:r>
+              <a:rPr lang="de-DE" dirty="0"/>
+              <a:t>Sichtbarkeiten:</a:t>
+            </a:r>
+          </a:p>
+          <a:p>
+            <a:r>
+              <a:rPr lang="de-DE" b="1" dirty="0"/>
+              <a:t>Public</a:t>
+            </a:r>
+            <a:r>
+              <a:rPr lang="de-DE" dirty="0"/>
+              <a:t>(+) 		  – alle Klassen können darauf zugreifen</a:t>
+            </a:r>
+          </a:p>
+          <a:p>
+            <a:r>
+              <a:rPr lang="de-DE" b="1" dirty="0"/>
+              <a:t>Private</a:t>
+            </a:r>
+            <a:r>
+              <a:rPr lang="de-DE" dirty="0"/>
+              <a:t>(-) 		  – ist nur für die eigene Klasse sichtbar</a:t>
+            </a:r>
+          </a:p>
+          <a:p>
+            <a:r>
+              <a:rPr lang="de-DE" b="1" dirty="0" err="1"/>
+              <a:t>Protected</a:t>
+            </a:r>
+            <a:r>
+              <a:rPr lang="de-DE" dirty="0"/>
+              <a:t>(#) 	  – alle Klassen im Package können darauf zugreifen</a:t>
+            </a:r>
+          </a:p>
+          <a:p>
+            <a:r>
+              <a:rPr lang="de-DE" dirty="0"/>
+              <a:t>Nichts angegeben – Im selbem Package aber nicht in Unterklasse sichtbar</a:t>
+            </a:r>
+          </a:p>
+        </p:txBody>
+      </p:sp>
+    </p:spTree>
+    <p:extLst>
+      <p:ext uri="{BB962C8B-B14F-4D97-AF65-F5344CB8AC3E}">
+        <p14:creationId xmlns:p14="http://schemas.microsoft.com/office/powerpoint/2010/main" val="3452047011"/>
+      </p:ext>
+    </p:extLst>
+  </p:cSld>
+  <p:clrMapOvr>
+    <a:masterClrMapping/>
+  </p:clrMapOvr>
+</p:sld>
+</file>
+
+<file path=ppt/slides/slide8.xml><?xml version="1.0" encoding="utf-8"?>
+<p:sld xmlns:a="http://schemas.openxmlformats.org/drawingml/2006/main" xmlns:r="http://schemas.openxmlformats.org/officeDocument/2006/relationships" xmlns:p="http://schemas.openxmlformats.org/presentationml/2006/main">
+  <p:cSld>
+    <p:spTree>
+      <p:nvGrpSpPr>
+        <p:cNvPr id="1" name=""/>
+        <p:cNvGrpSpPr/>
+        <p:nvPr/>
+      </p:nvGrpSpPr>
+      <p:grpSpPr>
+        <a:xfrm>
+          <a:off x="0" y="0"/>
+          <a:ext cx="0" cy="0"/>
+          <a:chOff x="0" y="0"/>
+          <a:chExt cx="0" cy="0"/>
+        </a:xfrm>
+      </p:grpSpPr>
+      <p:sp>
+        <p:nvSpPr>
+          <p:cNvPr id="2" name="Titel 1">
+            <a:extLst>
+              <a:ext uri="{FF2B5EF4-FFF2-40B4-BE49-F238E27FC236}">
+                <a16:creationId xmlns:a16="http://schemas.microsoft.com/office/drawing/2014/main" id="{0340AF0A-5B1B-453A-AB7B-FCD76C193A27}"/>
+              </a:ext>
+            </a:extLst>
+          </p:cNvPr>
+          <p:cNvSpPr>
+            <a:spLocks noGrp="1"/>
+          </p:cNvSpPr>
+          <p:nvPr>
+            <p:ph type="title"/>
+          </p:nvPr>
+        </p:nvSpPr>
+        <p:spPr/>
+        <p:txBody>
+          <a:bodyPr/>
+          <a:lstStyle/>
+          <a:p>
+            <a:r>
+              <a:rPr lang="de-DE" dirty="0"/>
+              <a:t>UML Diagramm - Sichtbarkeit</a:t>
+            </a:r>
+          </a:p>
+        </p:txBody>
+      </p:sp>
+      <p:sp>
+        <p:nvSpPr>
+          <p:cNvPr id="4" name="Rechteck 3">
+            <a:extLst>
+              <a:ext uri="{FF2B5EF4-FFF2-40B4-BE49-F238E27FC236}">
+                <a16:creationId xmlns:a16="http://schemas.microsoft.com/office/drawing/2014/main" id="{56C018FD-C9F5-403A-9DDB-E54BA53A0F1E}"/>
+              </a:ext>
+            </a:extLst>
+          </p:cNvPr>
+          <p:cNvSpPr/>
+          <p:nvPr/>
+        </p:nvSpPr>
+        <p:spPr>
+          <a:xfrm>
+            <a:off x="2077934" y="2256638"/>
+            <a:ext cx="2214642" cy="536895"/>
+          </a:xfrm>
+          <a:prstGeom prst="rect">
+            <a:avLst/>
+          </a:prstGeom>
+          <a:solidFill>
+            <a:schemeClr val="bg1">
+              <a:lumMod val="75000"/>
+              <a:alpha val="60000"/>
+            </a:schemeClr>
+          </a:solidFill>
+          <a:ln>
+            <a:noFill/>
+          </a:ln>
+        </p:spPr>
+        <p:style>
+          <a:lnRef idx="2">
+            <a:schemeClr val="accent1">
+              <a:shade val="50000"/>
+            </a:schemeClr>
+          </a:lnRef>
+          <a:fillRef idx="1">
+            <a:schemeClr val="accent1"/>
+          </a:fillRef>
+          <a:effectRef idx="0">
+            <a:schemeClr val="accent1"/>
+          </a:effectRef>
+          <a:fontRef idx="minor">
+            <a:schemeClr val="lt1"/>
+          </a:fontRef>
+        </p:style>
+        <p:txBody>
+          <a:bodyPr rtlCol="0" anchor="ctr"/>
+          <a:lstStyle/>
+          <a:p>
+            <a:pPr algn="ctr"/>
+            <a:endParaRPr lang="de-DE" dirty="0"/>
+          </a:p>
+        </p:txBody>
+      </p:sp>
+      <p:sp>
+        <p:nvSpPr>
+          <p:cNvPr id="5" name="Rechteck 4">
+            <a:extLst>
+              <a:ext uri="{FF2B5EF4-FFF2-40B4-BE49-F238E27FC236}">
+                <a16:creationId xmlns:a16="http://schemas.microsoft.com/office/drawing/2014/main" id="{9F2DB1ED-67E6-4C16-A184-E19650D4AFAB}"/>
+              </a:ext>
+            </a:extLst>
+          </p:cNvPr>
+          <p:cNvSpPr/>
+          <p:nvPr/>
+        </p:nvSpPr>
+        <p:spPr>
+          <a:xfrm>
+            <a:off x="2077934" y="2793533"/>
+            <a:ext cx="2214643" cy="1266739"/>
+          </a:xfrm>
+          <a:prstGeom prst="rect">
+            <a:avLst/>
+          </a:prstGeom>
+          <a:solidFill>
+            <a:srgbClr val="92D050">
+              <a:alpha val="60000"/>
+            </a:srgbClr>
+          </a:solidFill>
+          <a:ln>
+            <a:noFill/>
+          </a:ln>
+        </p:spPr>
+        <p:style>
+          <a:lnRef idx="2">
+            <a:schemeClr val="accent1">
+              <a:shade val="50000"/>
+            </a:schemeClr>
+          </a:lnRef>
+          <a:fillRef idx="1">
+            <a:schemeClr val="accent1"/>
+          </a:fillRef>
+          <a:effectRef idx="0">
+            <a:schemeClr val="accent1"/>
+          </a:effectRef>
+          <a:fontRef idx="minor">
+            <a:schemeClr val="lt1"/>
+          </a:fontRef>
+        </p:style>
+        <p:txBody>
+          <a:bodyPr rtlCol="0" anchor="ctr"/>
+          <a:lstStyle/>
+          <a:p>
+            <a:pPr algn="ctr"/>
+            <a:endParaRPr lang="de-DE"/>
+          </a:p>
+        </p:txBody>
+      </p:sp>
+      <p:sp>
+        <p:nvSpPr>
+          <p:cNvPr id="6" name="Rechteck 5">
+            <a:extLst>
+              <a:ext uri="{FF2B5EF4-FFF2-40B4-BE49-F238E27FC236}">
+                <a16:creationId xmlns:a16="http://schemas.microsoft.com/office/drawing/2014/main" id="{8AC26F15-0814-4E53-9910-D99D3EB0EA2F}"/>
+              </a:ext>
+            </a:extLst>
+          </p:cNvPr>
+          <p:cNvSpPr/>
+          <p:nvPr/>
+        </p:nvSpPr>
+        <p:spPr>
+          <a:xfrm>
+            <a:off x="2077933" y="4060272"/>
+            <a:ext cx="2214644" cy="1266739"/>
+          </a:xfrm>
+          <a:prstGeom prst="rect">
+            <a:avLst/>
+          </a:prstGeom>
+          <a:solidFill>
+            <a:schemeClr val="accent1">
+              <a:alpha val="60000"/>
+            </a:schemeClr>
+          </a:solidFill>
+          <a:ln>
+            <a:noFill/>
+          </a:ln>
+        </p:spPr>
+        <p:style>
+          <a:lnRef idx="2">
+            <a:schemeClr val="accent1">
+              <a:shade val="50000"/>
+            </a:schemeClr>
+          </a:lnRef>
+          <a:fillRef idx="1">
+            <a:schemeClr val="accent1"/>
+          </a:fillRef>
+          <a:effectRef idx="0">
+            <a:schemeClr val="accent1"/>
+          </a:effectRef>
+          <a:fontRef idx="minor">
+            <a:schemeClr val="lt1"/>
+          </a:fontRef>
+        </p:style>
+        <p:txBody>
+          <a:bodyPr rtlCol="0" anchor="ctr"/>
+          <a:lstStyle/>
+          <a:p>
+            <a:pPr algn="ctr"/>
+            <a:endParaRPr lang="de-DE"/>
+          </a:p>
+        </p:txBody>
+      </p:sp>
+      <p:sp>
+        <p:nvSpPr>
+          <p:cNvPr id="7" name="Textfeld 6">
+            <a:extLst>
+              <a:ext uri="{FF2B5EF4-FFF2-40B4-BE49-F238E27FC236}">
+                <a16:creationId xmlns:a16="http://schemas.microsoft.com/office/drawing/2014/main" id="{9DD6F0FE-9EAD-4C5C-B29B-7A2CEE31CB83}"/>
               </a:ext>
             </a:extLst>
           </p:cNvPr>
@@ -6700,7 +9669,146 @@
         </p:nvSpPr>
         <p:spPr>
           <a:xfrm>
-            <a:off x="988129" y="2770367"/>
+            <a:off x="2077932" y="4060272"/>
+            <a:ext cx="2214645" cy="1200329"/>
+          </a:xfrm>
+          <a:prstGeom prst="rect">
+            <a:avLst/>
+          </a:prstGeom>
+          <a:noFill/>
+        </p:spPr>
+        <p:txBody>
+          <a:bodyPr wrap="none" rtlCol="0">
+            <a:spAutoFit/>
+          </a:bodyPr>
+          <a:lstStyle/>
+          <a:p>
+            <a:r>
+              <a:rPr lang="de-DE" dirty="0"/>
+              <a:t>c </a:t>
+            </a:r>
+            <a:r>
+              <a:rPr lang="de-DE" i="1" dirty="0"/>
+              <a:t>Klassenname(): void</a:t>
+            </a:r>
+          </a:p>
+          <a:p>
+            <a:r>
+              <a:rPr lang="de-DE" dirty="0"/>
+              <a:t>+ </a:t>
+            </a:r>
+          </a:p>
+          <a:p>
+            <a:r>
+              <a:rPr lang="de-DE" dirty="0"/>
+              <a:t>-</a:t>
+            </a:r>
+          </a:p>
+          <a:p>
+            <a:r>
+              <a:rPr lang="de-DE" dirty="0"/>
+              <a:t>#</a:t>
+            </a:r>
+          </a:p>
+        </p:txBody>
+      </p:sp>
+      <p:sp>
+        <p:nvSpPr>
+          <p:cNvPr id="8" name="Textfeld 7">
+            <a:extLst>
+              <a:ext uri="{FF2B5EF4-FFF2-40B4-BE49-F238E27FC236}">
+                <a16:creationId xmlns:a16="http://schemas.microsoft.com/office/drawing/2014/main" id="{0279A572-B233-48DB-B126-DF9B56D0C2E3}"/>
+              </a:ext>
+            </a:extLst>
+          </p:cNvPr>
+          <p:cNvSpPr txBox="1"/>
+          <p:nvPr/>
+        </p:nvSpPr>
+        <p:spPr>
+          <a:xfrm>
+            <a:off x="2477368" y="2321482"/>
+            <a:ext cx="1415772" cy="369332"/>
+          </a:xfrm>
+          <a:prstGeom prst="rect">
+            <a:avLst/>
+          </a:prstGeom>
+          <a:noFill/>
+        </p:spPr>
+        <p:txBody>
+          <a:bodyPr wrap="none" rtlCol="0">
+            <a:spAutoFit/>
+          </a:bodyPr>
+          <a:lstStyle/>
+          <a:p>
+            <a:r>
+              <a:rPr lang="de-DE" i="1" dirty="0"/>
+              <a:t>Klassenname</a:t>
+            </a:r>
+          </a:p>
+        </p:txBody>
+      </p:sp>
+      <p:sp>
+        <p:nvSpPr>
+          <p:cNvPr id="12" name="Textfeld 11">
+            <a:extLst>
+              <a:ext uri="{FF2B5EF4-FFF2-40B4-BE49-F238E27FC236}">
+                <a16:creationId xmlns:a16="http://schemas.microsoft.com/office/drawing/2014/main" id="{B689E6F8-3C18-4221-9BAA-F5B71D9999B2}"/>
+              </a:ext>
+            </a:extLst>
+          </p:cNvPr>
+          <p:cNvSpPr txBox="1"/>
+          <p:nvPr/>
+        </p:nvSpPr>
+        <p:spPr>
+          <a:xfrm>
+            <a:off x="2077931" y="2770367"/>
+            <a:ext cx="352982" cy="923330"/>
+          </a:xfrm>
+          <a:prstGeom prst="rect">
+            <a:avLst/>
+          </a:prstGeom>
+          <a:noFill/>
+        </p:spPr>
+        <p:txBody>
+          <a:bodyPr wrap="none" rtlCol="0">
+            <a:spAutoFit/>
+          </a:bodyPr>
+          <a:lstStyle/>
+          <a:p>
+            <a:r>
+              <a:rPr lang="de-DE" dirty="0"/>
+              <a:t>+ </a:t>
+            </a:r>
+          </a:p>
+          <a:p>
+            <a:r>
+              <a:rPr lang="de-DE" dirty="0"/>
+              <a:t>-</a:t>
+            </a:r>
+          </a:p>
+          <a:p>
+            <a:r>
+              <a:rPr lang="de-DE" dirty="0"/>
+              <a:t>#</a:t>
+            </a:r>
+          </a:p>
+        </p:txBody>
+      </p:sp>
+      <p:sp>
+        <p:nvSpPr>
+          <p:cNvPr id="3" name="Textfeld 2">
+            <a:extLst>
+              <a:ext uri="{FF2B5EF4-FFF2-40B4-BE49-F238E27FC236}">
+                <a16:creationId xmlns:a16="http://schemas.microsoft.com/office/drawing/2014/main" id="{76AAE367-79BB-4242-82CE-A2849CF35B2E}"/>
+              </a:ext>
+            </a:extLst>
+          </p:cNvPr>
+          <p:cNvSpPr txBox="1"/>
+          <p:nvPr/>
+        </p:nvSpPr>
+        <p:spPr>
+          <a:xfrm>
+            <a:off x="491614" y="2800321"/>
             <a:ext cx="753732" cy="369332"/>
           </a:xfrm>
           <a:prstGeom prst="rect">
@@ -6715,7 +9823,7 @@
           <a:lstStyle/>
           <a:p>
             <a:r>
-              <a:rPr lang="de-DE" dirty="0" err="1">
+              <a:rPr lang="de-DE" dirty="0">
                 <a:solidFill>
                   <a:schemeClr val="bg1">
                     <a:lumMod val="50000"/>
@@ -6724,13 +9832,6 @@
               </a:rPr>
               <a:t>public</a:t>
             </a:r>
-            <a:endParaRPr lang="de-DE" dirty="0">
-              <a:solidFill>
-                <a:schemeClr val="bg1">
-                  <a:lumMod val="50000"/>
-                </a:schemeClr>
-              </a:solidFill>
-            </a:endParaRPr>
           </a:p>
         </p:txBody>
       </p:sp>
@@ -6748,7 +9849,7 @@
         </p:nvSpPr>
         <p:spPr>
           <a:xfrm>
-            <a:off x="988129" y="3060146"/>
+            <a:off x="491614" y="3090100"/>
             <a:ext cx="838691" cy="369332"/>
           </a:xfrm>
           <a:prstGeom prst="rect">
@@ -6789,7 +9890,7 @@
         </p:nvSpPr>
         <p:spPr>
           <a:xfrm>
-            <a:off x="988129" y="3349925"/>
+            <a:off x="491614" y="3379879"/>
             <a:ext cx="1104085" cy="369332"/>
           </a:xfrm>
           <a:prstGeom prst="rect">
@@ -6837,7 +9938,7 @@
         </p:nvSpPr>
         <p:spPr>
           <a:xfrm>
-            <a:off x="988129" y="4327108"/>
+            <a:off x="492829" y="4327108"/>
             <a:ext cx="753732" cy="369332"/>
           </a:xfrm>
           <a:prstGeom prst="rect">
@@ -6852,7 +9953,7 @@
           <a:lstStyle/>
           <a:p>
             <a:r>
-              <a:rPr lang="de-DE" dirty="0" err="1">
+              <a:rPr lang="de-DE" dirty="0">
                 <a:solidFill>
                   <a:schemeClr val="bg1">
                     <a:lumMod val="50000"/>
@@ -6861,13 +9962,6 @@
               </a:rPr>
               <a:t>public</a:t>
             </a:r>
-            <a:endParaRPr lang="de-DE" dirty="0">
-              <a:solidFill>
-                <a:schemeClr val="bg1">
-                  <a:lumMod val="50000"/>
-                </a:schemeClr>
-              </a:solidFill>
-            </a:endParaRPr>
           </a:p>
         </p:txBody>
       </p:sp>
@@ -6885,7 +9979,7 @@
         </p:nvSpPr>
         <p:spPr>
           <a:xfrm>
-            <a:off x="988129" y="4609189"/>
+            <a:off x="492829" y="4609189"/>
             <a:ext cx="838691" cy="369332"/>
           </a:xfrm>
           <a:prstGeom prst="rect">
@@ -6926,7 +10020,7 @@
         </p:nvSpPr>
         <p:spPr>
           <a:xfrm>
-            <a:off x="988129" y="4891269"/>
+            <a:off x="492829" y="4891269"/>
             <a:ext cx="1104085" cy="369332"/>
           </a:xfrm>
           <a:prstGeom prst="rect">
@@ -6962,10 +10056,10 @@
       </p:sp>
       <p:sp>
         <p:nvSpPr>
-          <p:cNvPr id="22" name="Textfeld 21">
-            <a:extLst>
-              <a:ext uri="{FF2B5EF4-FFF2-40B4-BE49-F238E27FC236}">
-                <a16:creationId xmlns:a16="http://schemas.microsoft.com/office/drawing/2014/main" id="{09613C6C-1D08-4A07-AF38-38C6D79081B2}"/>
+          <p:cNvPr id="24" name="Textfeld 23">
+            <a:extLst>
+              <a:ext uri="{FF2B5EF4-FFF2-40B4-BE49-F238E27FC236}">
+                <a16:creationId xmlns:a16="http://schemas.microsoft.com/office/drawing/2014/main" id="{F1DFF3C3-253C-40A5-AD17-627B4E1520B1}"/>
               </a:ext>
             </a:extLst>
           </p:cNvPr>
@@ -6974,8 +10068,8 @@
         </p:nvSpPr>
         <p:spPr>
           <a:xfrm>
-            <a:off x="988128" y="4045027"/>
-            <a:ext cx="1270604" cy="369332"/>
+            <a:off x="4773596" y="4449405"/>
+            <a:ext cx="6795826" cy="646331"/>
           </a:xfrm>
           <a:prstGeom prst="rect">
             <a:avLst/>
@@ -6983,37 +10077,36 @@
           <a:noFill/>
         </p:spPr>
         <p:txBody>
-          <a:bodyPr wrap="none" rtlCol="0">
+          <a:bodyPr wrap="square" rtlCol="0">
             <a:spAutoFit/>
           </a:bodyPr>
           <a:lstStyle/>
           <a:p>
             <a:r>
-              <a:rPr lang="de-DE" dirty="0" err="1">
-                <a:solidFill>
-                  <a:schemeClr val="bg1">
-                    <a:lumMod val="50000"/>
-                  </a:schemeClr>
-                </a:solidFill>
-              </a:rPr>
-              <a:t>konstruktor</a:t>
-            </a:r>
-            <a:endParaRPr lang="de-DE" dirty="0">
-              <a:solidFill>
-                <a:schemeClr val="bg1">
-                  <a:lumMod val="50000"/>
-                </a:schemeClr>
-              </a:solidFill>
-            </a:endParaRPr>
-          </a:p>
-        </p:txBody>
-      </p:sp>
-      <p:sp>
-        <p:nvSpPr>
-          <p:cNvPr id="23" name="Textfeld 22">
-            <a:extLst>
-              <a:ext uri="{FF2B5EF4-FFF2-40B4-BE49-F238E27FC236}">
-                <a16:creationId xmlns:a16="http://schemas.microsoft.com/office/drawing/2014/main" id="{5FCA61A2-9D67-4F1A-9E65-5457757BC1F4}"/>
+              <a:rPr lang="de-DE" dirty="0"/>
+              <a:t>Mit </a:t>
+            </a:r>
+            <a:r>
+              <a:rPr lang="de-DE" u="sng" dirty="0"/>
+              <a:t>Getter-,Setter-Methoden </a:t>
+            </a:r>
+            <a:r>
+              <a:rPr lang="de-DE" dirty="0"/>
+              <a:t>ermöglicht man das geregelte zugreifen auf Attribute und erfüllt das </a:t>
+            </a:r>
+            <a:r>
+              <a:rPr lang="de-DE" u="sng" dirty="0"/>
+              <a:t>Geheimnis Prinzip</a:t>
+            </a:r>
+          </a:p>
+        </p:txBody>
+      </p:sp>
+      <p:sp>
+        <p:nvSpPr>
+          <p:cNvPr id="19" name="Textfeld 18">
+            <a:extLst>
+              <a:ext uri="{FF2B5EF4-FFF2-40B4-BE49-F238E27FC236}">
+                <a16:creationId xmlns:a16="http://schemas.microsoft.com/office/drawing/2014/main" id="{FC6EC78D-BCFB-4C62-84AB-38BD0B8ADAA2}"/>
               </a:ext>
             </a:extLst>
           </p:cNvPr>
@@ -7022,8 +10115,8 @@
         </p:nvSpPr>
         <p:spPr>
           <a:xfrm>
-            <a:off x="8260958" y="990422"/>
-            <a:ext cx="3013956" cy="923330"/>
+            <a:off x="5000625" y="2770367"/>
+            <a:ext cx="7054945" cy="369332"/>
           </a:xfrm>
           <a:prstGeom prst="rect">
             <a:avLst/>
@@ -7031,56 +10124,355 @@
           <a:noFill/>
         </p:spPr>
         <p:txBody>
-          <a:bodyPr wrap="square" rtlCol="0">
+          <a:bodyPr wrap="none" rtlCol="0">
             <a:spAutoFit/>
           </a:bodyPr>
           <a:lstStyle/>
           <a:p>
             <a:r>
-              <a:rPr lang="de-DE" dirty="0">
-                <a:solidFill>
-                  <a:schemeClr val="bg1">
-                    <a:lumMod val="50000"/>
-                  </a:schemeClr>
-                </a:solidFill>
-              </a:rPr>
-              <a:t>Sollten Methoden den selben Namen haben wird dies als überladen bezeichnet</a:t>
-            </a:r>
-          </a:p>
-        </p:txBody>
-      </p:sp>
-      <p:sp>
-        <p:nvSpPr>
-          <p:cNvPr id="24" name="Textfeld 23">
-            <a:extLst>
-              <a:ext uri="{FF2B5EF4-FFF2-40B4-BE49-F238E27FC236}">
-                <a16:creationId xmlns:a16="http://schemas.microsoft.com/office/drawing/2014/main" id="{F1DFF3C3-253C-40A5-AD17-627B4E1520B1}"/>
-              </a:ext>
-            </a:extLst>
-          </p:cNvPr>
-          <p:cNvSpPr txBox="1"/>
+              <a:rPr lang="de-DE" dirty="0"/>
+              <a:t>Sowohl Attributen als auch Methoden wird eine Sichtbarkeit zugeordnet.</a:t>
+            </a:r>
+          </a:p>
+        </p:txBody>
+      </p:sp>
+      <p:sp>
+        <p:nvSpPr>
+          <p:cNvPr id="20" name="Rechteck 19">
+            <a:extLst>
+              <a:ext uri="{FF2B5EF4-FFF2-40B4-BE49-F238E27FC236}">
+                <a16:creationId xmlns:a16="http://schemas.microsoft.com/office/drawing/2014/main" id="{3FE6BA0E-6EEB-48AD-A661-9B031D8B6D6A}"/>
+              </a:ext>
+            </a:extLst>
+          </p:cNvPr>
+          <p:cNvSpPr/>
           <p:nvPr/>
         </p:nvSpPr>
         <p:spPr>
           <a:xfrm>
-            <a:off x="1717575" y="6370967"/>
-            <a:ext cx="8594661" cy="369332"/>
+            <a:off x="2116031" y="2828896"/>
+            <a:ext cx="197241" cy="864801"/>
           </a:xfrm>
           <a:prstGeom prst="rect">
             <a:avLst/>
           </a:prstGeom>
           <a:noFill/>
+          <a:ln w="25400">
+            <a:solidFill>
+              <a:srgbClr val="FF6E6E"/>
+            </a:solidFill>
+          </a:ln>
         </p:spPr>
-        <p:txBody>
-          <a:bodyPr wrap="none" rtlCol="0">
-            <a:spAutoFit/>
-          </a:bodyPr>
-          <a:lstStyle/>
-          <a:p>
-            <a:r>
-              <a:rPr lang="de-DE" dirty="0"/>
-              <a:t>So ermöglicht man das geregelte zugreifen auf Attribute und erfüllt das Geheimnis Prinzip</a:t>
-            </a:r>
+        <p:style>
+          <a:lnRef idx="2">
+            <a:schemeClr val="accent1">
+              <a:shade val="50000"/>
+            </a:schemeClr>
+          </a:lnRef>
+          <a:fillRef idx="1">
+            <a:schemeClr val="accent1"/>
+          </a:fillRef>
+          <a:effectRef idx="0">
+            <a:schemeClr val="accent1"/>
+          </a:effectRef>
+          <a:fontRef idx="minor">
+            <a:schemeClr val="lt1"/>
+          </a:fontRef>
+        </p:style>
+        <p:txBody>
+          <a:bodyPr rtlCol="0" anchor="ctr"/>
+          <a:lstStyle/>
+          <a:p>
+            <a:pPr algn="ctr"/>
+            <a:endParaRPr lang="de-DE"/>
+          </a:p>
+        </p:txBody>
+      </p:sp>
+      <p:sp>
+        <p:nvSpPr>
+          <p:cNvPr id="25" name="Rechteck 24">
+            <a:extLst>
+              <a:ext uri="{FF2B5EF4-FFF2-40B4-BE49-F238E27FC236}">
+                <a16:creationId xmlns:a16="http://schemas.microsoft.com/office/drawing/2014/main" id="{9D2D7375-529F-4317-8675-3EBC7A01555E}"/>
+              </a:ext>
+            </a:extLst>
+          </p:cNvPr>
+          <p:cNvSpPr/>
+          <p:nvPr/>
+        </p:nvSpPr>
+        <p:spPr>
+          <a:xfrm>
+            <a:off x="2125731" y="4372691"/>
+            <a:ext cx="197241" cy="864801"/>
+          </a:xfrm>
+          <a:prstGeom prst="rect">
+            <a:avLst/>
+          </a:prstGeom>
+          <a:noFill/>
+          <a:ln w="25400">
+            <a:solidFill>
+              <a:srgbClr val="FF6E6E"/>
+            </a:solidFill>
+          </a:ln>
+        </p:spPr>
+        <p:style>
+          <a:lnRef idx="2">
+            <a:schemeClr val="accent1">
+              <a:shade val="50000"/>
+            </a:schemeClr>
+          </a:lnRef>
+          <a:fillRef idx="1">
+            <a:schemeClr val="accent1"/>
+          </a:fillRef>
+          <a:effectRef idx="0">
+            <a:schemeClr val="accent1"/>
+          </a:effectRef>
+          <a:fontRef idx="minor">
+            <a:schemeClr val="lt1"/>
+          </a:fontRef>
+        </p:style>
+        <p:txBody>
+          <a:bodyPr rtlCol="0" anchor="ctr"/>
+          <a:lstStyle/>
+          <a:p>
+            <a:pPr algn="ctr"/>
+            <a:endParaRPr lang="de-DE"/>
+          </a:p>
+        </p:txBody>
+      </p:sp>
+      <p:sp>
+        <p:nvSpPr>
+          <p:cNvPr id="21" name="Freihandform: Form 20">
+            <a:extLst>
+              <a:ext uri="{FF2B5EF4-FFF2-40B4-BE49-F238E27FC236}">
+                <a16:creationId xmlns:a16="http://schemas.microsoft.com/office/drawing/2014/main" id="{150E2FAA-9DA7-495C-A4D1-15405C06854D}"/>
+              </a:ext>
+            </a:extLst>
+          </p:cNvPr>
+          <p:cNvSpPr/>
+          <p:nvPr/>
+        </p:nvSpPr>
+        <p:spPr>
+          <a:xfrm>
+            <a:off x="1457325" y="4352925"/>
+            <a:ext cx="666750" cy="942975"/>
+          </a:xfrm>
+          <a:custGeom>
+            <a:avLst/>
+            <a:gdLst>
+              <a:gd name="connsiteX0" fmla="*/ 666750 w 666750"/>
+              <a:gd name="connsiteY0" fmla="*/ 428625 h 942975"/>
+              <a:gd name="connsiteX1" fmla="*/ 285750 w 666750"/>
+              <a:gd name="connsiteY1" fmla="*/ 428625 h 942975"/>
+              <a:gd name="connsiteX2" fmla="*/ 285750 w 666750"/>
+              <a:gd name="connsiteY2" fmla="*/ 0 h 942975"/>
+              <a:gd name="connsiteX3" fmla="*/ 0 w 666750"/>
+              <a:gd name="connsiteY3" fmla="*/ 0 h 942975"/>
+              <a:gd name="connsiteX4" fmla="*/ 285750 w 666750"/>
+              <a:gd name="connsiteY4" fmla="*/ 0 h 942975"/>
+              <a:gd name="connsiteX5" fmla="*/ 285750 w 666750"/>
+              <a:gd name="connsiteY5" fmla="*/ 942975 h 942975"/>
+              <a:gd name="connsiteX6" fmla="*/ 0 w 666750"/>
+              <a:gd name="connsiteY6" fmla="*/ 942975 h 942975"/>
+            </a:gdLst>
+            <a:ahLst/>
+            <a:cxnLst>
+              <a:cxn ang="0">
+                <a:pos x="connsiteX0" y="connsiteY0"/>
+              </a:cxn>
+              <a:cxn ang="0">
+                <a:pos x="connsiteX1" y="connsiteY1"/>
+              </a:cxn>
+              <a:cxn ang="0">
+                <a:pos x="connsiteX2" y="connsiteY2"/>
+              </a:cxn>
+              <a:cxn ang="0">
+                <a:pos x="connsiteX3" y="connsiteY3"/>
+              </a:cxn>
+              <a:cxn ang="0">
+                <a:pos x="connsiteX4" y="connsiteY4"/>
+              </a:cxn>
+              <a:cxn ang="0">
+                <a:pos x="connsiteX5" y="connsiteY5"/>
+              </a:cxn>
+              <a:cxn ang="0">
+                <a:pos x="connsiteX6" y="connsiteY6"/>
+              </a:cxn>
+            </a:cxnLst>
+            <a:rect l="l" t="t" r="r" b="b"/>
+            <a:pathLst>
+              <a:path w="666750" h="942975">
+                <a:moveTo>
+                  <a:pt x="666750" y="428625"/>
+                </a:moveTo>
+                <a:lnTo>
+                  <a:pt x="285750" y="428625"/>
+                </a:lnTo>
+                <a:lnTo>
+                  <a:pt x="285750" y="0"/>
+                </a:lnTo>
+                <a:lnTo>
+                  <a:pt x="0" y="0"/>
+                </a:lnTo>
+                <a:lnTo>
+                  <a:pt x="285750" y="0"/>
+                </a:lnTo>
+                <a:lnTo>
+                  <a:pt x="285750" y="942975"/>
+                </a:lnTo>
+                <a:lnTo>
+                  <a:pt x="0" y="942975"/>
+                </a:lnTo>
+              </a:path>
+            </a:pathLst>
+          </a:custGeom>
+          <a:noFill/>
+          <a:ln w="22225">
+            <a:solidFill>
+              <a:srgbClr val="FF6E6E"/>
+            </a:solidFill>
+          </a:ln>
+        </p:spPr>
+        <p:style>
+          <a:lnRef idx="2">
+            <a:schemeClr val="accent1">
+              <a:shade val="50000"/>
+            </a:schemeClr>
+          </a:lnRef>
+          <a:fillRef idx="1">
+            <a:schemeClr val="accent1"/>
+          </a:fillRef>
+          <a:effectRef idx="0">
+            <a:schemeClr val="accent1"/>
+          </a:effectRef>
+          <a:fontRef idx="minor">
+            <a:schemeClr val="lt1"/>
+          </a:fontRef>
+        </p:style>
+        <p:txBody>
+          <a:bodyPr rtlCol="0" anchor="ctr"/>
+          <a:lstStyle/>
+          <a:p>
+            <a:pPr algn="ctr"/>
+            <a:endParaRPr lang="de-DE"/>
+          </a:p>
+        </p:txBody>
+      </p:sp>
+      <p:sp>
+        <p:nvSpPr>
+          <p:cNvPr id="26" name="Freihandform: Form 25">
+            <a:extLst>
+              <a:ext uri="{FF2B5EF4-FFF2-40B4-BE49-F238E27FC236}">
+                <a16:creationId xmlns:a16="http://schemas.microsoft.com/office/drawing/2014/main" id="{5E22EE7A-A175-445E-8E26-D6E6C5990C7C}"/>
+              </a:ext>
+            </a:extLst>
+          </p:cNvPr>
+          <p:cNvSpPr/>
+          <p:nvPr/>
+        </p:nvSpPr>
+        <p:spPr>
+          <a:xfrm>
+            <a:off x="1449280" y="2838245"/>
+            <a:ext cx="666750" cy="942975"/>
+          </a:xfrm>
+          <a:custGeom>
+            <a:avLst/>
+            <a:gdLst>
+              <a:gd name="connsiteX0" fmla="*/ 666750 w 666750"/>
+              <a:gd name="connsiteY0" fmla="*/ 428625 h 942975"/>
+              <a:gd name="connsiteX1" fmla="*/ 285750 w 666750"/>
+              <a:gd name="connsiteY1" fmla="*/ 428625 h 942975"/>
+              <a:gd name="connsiteX2" fmla="*/ 285750 w 666750"/>
+              <a:gd name="connsiteY2" fmla="*/ 0 h 942975"/>
+              <a:gd name="connsiteX3" fmla="*/ 0 w 666750"/>
+              <a:gd name="connsiteY3" fmla="*/ 0 h 942975"/>
+              <a:gd name="connsiteX4" fmla="*/ 285750 w 666750"/>
+              <a:gd name="connsiteY4" fmla="*/ 0 h 942975"/>
+              <a:gd name="connsiteX5" fmla="*/ 285750 w 666750"/>
+              <a:gd name="connsiteY5" fmla="*/ 942975 h 942975"/>
+              <a:gd name="connsiteX6" fmla="*/ 0 w 666750"/>
+              <a:gd name="connsiteY6" fmla="*/ 942975 h 942975"/>
+            </a:gdLst>
+            <a:ahLst/>
+            <a:cxnLst>
+              <a:cxn ang="0">
+                <a:pos x="connsiteX0" y="connsiteY0"/>
+              </a:cxn>
+              <a:cxn ang="0">
+                <a:pos x="connsiteX1" y="connsiteY1"/>
+              </a:cxn>
+              <a:cxn ang="0">
+                <a:pos x="connsiteX2" y="connsiteY2"/>
+              </a:cxn>
+              <a:cxn ang="0">
+                <a:pos x="connsiteX3" y="connsiteY3"/>
+              </a:cxn>
+              <a:cxn ang="0">
+                <a:pos x="connsiteX4" y="connsiteY4"/>
+              </a:cxn>
+              <a:cxn ang="0">
+                <a:pos x="connsiteX5" y="connsiteY5"/>
+              </a:cxn>
+              <a:cxn ang="0">
+                <a:pos x="connsiteX6" y="connsiteY6"/>
+              </a:cxn>
+            </a:cxnLst>
+            <a:rect l="l" t="t" r="r" b="b"/>
+            <a:pathLst>
+              <a:path w="666750" h="942975">
+                <a:moveTo>
+                  <a:pt x="666750" y="428625"/>
+                </a:moveTo>
+                <a:lnTo>
+                  <a:pt x="285750" y="428625"/>
+                </a:lnTo>
+                <a:lnTo>
+                  <a:pt x="285750" y="0"/>
+                </a:lnTo>
+                <a:lnTo>
+                  <a:pt x="0" y="0"/>
+                </a:lnTo>
+                <a:lnTo>
+                  <a:pt x="285750" y="0"/>
+                </a:lnTo>
+                <a:lnTo>
+                  <a:pt x="285750" y="942975"/>
+                </a:lnTo>
+                <a:lnTo>
+                  <a:pt x="0" y="942975"/>
+                </a:lnTo>
+              </a:path>
+            </a:pathLst>
+          </a:custGeom>
+          <a:noFill/>
+          <a:ln w="22225">
+            <a:solidFill>
+              <a:srgbClr val="FF6E6E"/>
+            </a:solidFill>
+          </a:ln>
+        </p:spPr>
+        <p:style>
+          <a:lnRef idx="2">
+            <a:schemeClr val="accent1">
+              <a:shade val="50000"/>
+            </a:schemeClr>
+          </a:lnRef>
+          <a:fillRef idx="1">
+            <a:schemeClr val="accent1"/>
+          </a:fillRef>
+          <a:effectRef idx="0">
+            <a:schemeClr val="accent1"/>
+          </a:effectRef>
+          <a:fontRef idx="minor">
+            <a:schemeClr val="lt1"/>
+          </a:fontRef>
+        </p:style>
+        <p:txBody>
+          <a:bodyPr rtlCol="0" anchor="ctr"/>
+          <a:lstStyle/>
+          <a:p>
+            <a:pPr algn="ctr"/>
+            <a:endParaRPr lang="de-DE"/>
           </a:p>
         </p:txBody>
       </p:sp>
@@ -7097,7 +10489,7 @@
 </p:sld>
 </file>
 
-<file path=ppt/slides/slide8.xml><?xml version="1.0" encoding="utf-8"?>
+<file path=ppt/slides/slide9.xml><?xml version="1.0" encoding="utf-8"?>
 <p:sld xmlns:a="http://schemas.openxmlformats.org/drawingml/2006/main" xmlns:r="http://schemas.openxmlformats.org/officeDocument/2006/relationships" xmlns:p="http://schemas.openxmlformats.org/presentationml/2006/main">
   <p:cSld>
     <p:spTree>
@@ -7452,7 +10844,7 @@
           <p:spPr>
             <a:xfrm>
               <a:off x="1510014" y="2443197"/>
-              <a:ext cx="2014334" cy="369332"/>
+              <a:ext cx="1835439" cy="369332"/>
             </a:xfrm>
             <a:prstGeom prst="rect">
               <a:avLst/>
@@ -7467,7 +10859,15 @@
             <a:p>
               <a:r>
                 <a:rPr lang="de-DE" dirty="0"/>
-                <a:t>- ListKlass1 :Klasse1</a:t>
+                <a:t>- </a:t>
+              </a:r>
+              <a:r>
+                <a:rPr lang="de-DE" i="1" dirty="0" err="1"/>
+                <a:t>attribut</a:t>
+              </a:r>
+              <a:r>
+                <a:rPr lang="de-DE" dirty="0"/>
+                <a:t> :Klasse1</a:t>
               </a:r>
             </a:p>
           </p:txBody>
@@ -7487,8 +10887,8 @@
         </p:nvSpPr>
         <p:spPr>
           <a:xfrm>
-            <a:off x="122127" y="4896377"/>
-            <a:ext cx="12116125" cy="1754326"/>
+            <a:off x="1282354" y="5520795"/>
+            <a:ext cx="9014171" cy="923330"/>
           </a:xfrm>
           <a:prstGeom prst="rect">
             <a:avLst/>
@@ -7509,13 +10909,7 @@
           <a:p>
             <a:r>
               <a:rPr lang="de-DE" dirty="0"/>
-              <a:t>Eine Assoziation beschreibt eine Beziehung zwischen zwei Klassen. Mit Hilfe einer gerichteten Assoziation kann dargestellt werden, dass diese Beziehung nur in einer Richtung existiert. Grafisch wird die ungerichtete Assoziation als Strecke und die gerichtete Assoziation als Pfeil dargestellt. Im Unterschied zur bidirektionalen Datenmodellierung im ER-Modell wird bei der objektorientierten</a:t>
-            </a:r>
-          </a:p>
-          <a:p>
-            <a:r>
-              <a:rPr lang="de-DE" dirty="0"/>
-              <a:t>Modellierung in der Regel mit gerichteten Assoziationen gearbeitet.</a:t>
+              <a:t>Eine Assoziation beschreibt eine Beziehung zwischen zwei Klassen. Sie wird gezeichnet, wenn eine Klasse ein Objekt einer anderen Klasse als Attribut besitzt. </a:t>
             </a:r>
           </a:p>
         </p:txBody>
@@ -7775,7 +11169,7 @@
           <p:spPr>
             <a:xfrm>
               <a:off x="2230851" y="2000695"/>
-              <a:ext cx="772969" cy="369332"/>
+              <a:ext cx="883575" cy="369332"/>
             </a:xfrm>
             <a:prstGeom prst="rect">
               <a:avLst/>
@@ -7790,7 +11184,7 @@
             <a:p>
               <a:r>
                 <a:rPr lang="de-DE" i="1" dirty="0"/>
-                <a:t>Klass1</a:t>
+                <a:t>Klasse1</a:t>
               </a:r>
             </a:p>
           </p:txBody>
@@ -7888,1617 +11282,6 @@
     <p:extLst>
       <p:ext uri="{BB962C8B-B14F-4D97-AF65-F5344CB8AC3E}">
         <p14:creationId xmlns:p14="http://schemas.microsoft.com/office/powerpoint/2010/main" val="1606398936"/>
-      </p:ext>
-    </p:extLst>
-  </p:cSld>
-  <p:clrMapOvr>
-    <a:masterClrMapping/>
-  </p:clrMapOvr>
-</p:sld>
-</file>
-
-<file path=ppt/slides/slide9.xml><?xml version="1.0" encoding="utf-8"?>
-<p:sld xmlns:a="http://schemas.openxmlformats.org/drawingml/2006/main" xmlns:r="http://schemas.openxmlformats.org/officeDocument/2006/relationships" xmlns:p="http://schemas.openxmlformats.org/presentationml/2006/main">
-  <p:cSld>
-    <p:spTree>
-      <p:nvGrpSpPr>
-        <p:cNvPr id="1" name=""/>
-        <p:cNvGrpSpPr/>
-        <p:nvPr/>
-      </p:nvGrpSpPr>
-      <p:grpSpPr>
-        <a:xfrm>
-          <a:off x="0" y="0"/>
-          <a:ext cx="0" cy="0"/>
-          <a:chOff x="0" y="0"/>
-          <a:chExt cx="0" cy="0"/>
-        </a:xfrm>
-      </p:grpSpPr>
-      <p:sp>
-        <p:nvSpPr>
-          <p:cNvPr id="2" name="Titel 1">
-            <a:extLst>
-              <a:ext uri="{FF2B5EF4-FFF2-40B4-BE49-F238E27FC236}">
-                <a16:creationId xmlns:a16="http://schemas.microsoft.com/office/drawing/2014/main" id="{782CE7BC-D855-4B20-8877-C9DD44CF4F9D}"/>
-              </a:ext>
-            </a:extLst>
-          </p:cNvPr>
-          <p:cNvSpPr>
-            <a:spLocks noGrp="1"/>
-          </p:cNvSpPr>
-          <p:nvPr>
-            <p:ph type="title"/>
-          </p:nvPr>
-        </p:nvSpPr>
-        <p:spPr/>
-        <p:txBody>
-          <a:bodyPr/>
-          <a:lstStyle/>
-          <a:p>
-            <a:r>
-              <a:rPr lang="de-DE" dirty="0"/>
-              <a:t>Beziehungen</a:t>
-            </a:r>
-            <a:br>
-              <a:rPr lang="de-DE" dirty="0"/>
-            </a:br>
-            <a:r>
-              <a:rPr lang="de-DE" sz="2800" dirty="0">
-                <a:solidFill>
-                  <a:schemeClr val="bg1">
-                    <a:lumMod val="75000"/>
-                  </a:schemeClr>
-                </a:solidFill>
-              </a:rPr>
-              <a:t>- Aggregation -</a:t>
-            </a:r>
-            <a:endParaRPr lang="de-DE" dirty="0">
-              <a:solidFill>
-                <a:schemeClr val="bg1">
-                  <a:lumMod val="75000"/>
-                </a:schemeClr>
-              </a:solidFill>
-            </a:endParaRPr>
-          </a:p>
-        </p:txBody>
-      </p:sp>
-      <p:sp>
-        <p:nvSpPr>
-          <p:cNvPr id="16" name="Textfeld 15">
-            <a:extLst>
-              <a:ext uri="{FF2B5EF4-FFF2-40B4-BE49-F238E27FC236}">
-                <a16:creationId xmlns:a16="http://schemas.microsoft.com/office/drawing/2014/main" id="{9C78366B-AE22-4D47-8276-EEA91EEA3145}"/>
-              </a:ext>
-            </a:extLst>
-          </p:cNvPr>
-          <p:cNvSpPr txBox="1"/>
-          <p:nvPr/>
-        </p:nvSpPr>
-        <p:spPr>
-          <a:xfrm>
-            <a:off x="1571300" y="5496847"/>
-            <a:ext cx="4524700" cy="646331"/>
-          </a:xfrm>
-          <a:prstGeom prst="rect">
-            <a:avLst/>
-          </a:prstGeom>
-          <a:noFill/>
-        </p:spPr>
-        <p:txBody>
-          <a:bodyPr wrap="none" rtlCol="0">
-            <a:spAutoFit/>
-          </a:bodyPr>
-          <a:lstStyle/>
-          <a:p>
-            <a:r>
-              <a:rPr lang="de-DE" dirty="0"/>
-              <a:t>Aggregation</a:t>
-            </a:r>
-          </a:p>
-          <a:p>
-            <a:r>
-              <a:rPr lang="de-DE" dirty="0"/>
-              <a:t>Man nennt eine Beziehung Aggregation, wenn</a:t>
-            </a:r>
-          </a:p>
-        </p:txBody>
-      </p:sp>
-      <p:grpSp>
-        <p:nvGrpSpPr>
-          <p:cNvPr id="13" name="Gruppieren 12">
-            <a:extLst>
-              <a:ext uri="{FF2B5EF4-FFF2-40B4-BE49-F238E27FC236}">
-                <a16:creationId xmlns:a16="http://schemas.microsoft.com/office/drawing/2014/main" id="{9E812677-9616-4027-B48A-F5FF14FEA38E}"/>
-              </a:ext>
-            </a:extLst>
-          </p:cNvPr>
-          <p:cNvGrpSpPr/>
-          <p:nvPr/>
-        </p:nvGrpSpPr>
-        <p:grpSpPr>
-          <a:xfrm>
-            <a:off x="6096000" y="2058743"/>
-            <a:ext cx="5115817" cy="2786261"/>
-            <a:chOff x="2921659" y="2031025"/>
-            <a:chExt cx="5115817" cy="2786261"/>
-          </a:xfrm>
-        </p:grpSpPr>
-        <p:grpSp>
-          <p:nvGrpSpPr>
-            <p:cNvPr id="17" name="Gruppieren 16">
-              <a:extLst>
-                <a:ext uri="{FF2B5EF4-FFF2-40B4-BE49-F238E27FC236}">
-                  <a16:creationId xmlns:a16="http://schemas.microsoft.com/office/drawing/2014/main" id="{89A88DDE-0AE1-43B9-AE5F-1AF419B1CDE4}"/>
-                </a:ext>
-              </a:extLst>
-            </p:cNvPr>
-            <p:cNvGrpSpPr/>
-            <p:nvPr/>
-          </p:nvGrpSpPr>
-          <p:grpSpPr>
-            <a:xfrm>
-              <a:off x="2921659" y="2046913"/>
-              <a:ext cx="2214646" cy="2770373"/>
-              <a:chOff x="1510014" y="1929468"/>
-              <a:chExt cx="2214646" cy="2770373"/>
-            </a:xfrm>
-          </p:grpSpPr>
-          <p:sp>
-            <p:nvSpPr>
-              <p:cNvPr id="4" name="Rechteck 3">
-                <a:extLst>
-                  <a:ext uri="{FF2B5EF4-FFF2-40B4-BE49-F238E27FC236}">
-                    <a16:creationId xmlns:a16="http://schemas.microsoft.com/office/drawing/2014/main" id="{AF1EC51F-7536-477C-86AB-296920D47CC5}"/>
-                  </a:ext>
-                </a:extLst>
-              </p:cNvPr>
-              <p:cNvSpPr/>
-              <p:nvPr/>
-            </p:nvSpPr>
-            <p:spPr>
-              <a:xfrm>
-                <a:off x="1510017" y="1929468"/>
-                <a:ext cx="2214642" cy="536895"/>
-              </a:xfrm>
-              <a:prstGeom prst="rect">
-                <a:avLst/>
-              </a:prstGeom>
-              <a:solidFill>
-                <a:schemeClr val="bg1">
-                  <a:lumMod val="75000"/>
-                  <a:alpha val="60000"/>
-                </a:schemeClr>
-              </a:solidFill>
-              <a:ln>
-                <a:noFill/>
-              </a:ln>
-            </p:spPr>
-            <p:style>
-              <a:lnRef idx="2">
-                <a:schemeClr val="accent1">
-                  <a:shade val="50000"/>
-                </a:schemeClr>
-              </a:lnRef>
-              <a:fillRef idx="1">
-                <a:schemeClr val="accent1"/>
-              </a:fillRef>
-              <a:effectRef idx="0">
-                <a:schemeClr val="accent1"/>
-              </a:effectRef>
-              <a:fontRef idx="minor">
-                <a:schemeClr val="lt1"/>
-              </a:fontRef>
-            </p:style>
-            <p:txBody>
-              <a:bodyPr rtlCol="0" anchor="ctr"/>
-              <a:lstStyle/>
-              <a:p>
-                <a:pPr algn="ctr"/>
-                <a:endParaRPr lang="de-DE" dirty="0"/>
-              </a:p>
-            </p:txBody>
-          </p:sp>
-          <p:sp>
-            <p:nvSpPr>
-              <p:cNvPr id="5" name="Rechteck 4">
-                <a:extLst>
-                  <a:ext uri="{FF2B5EF4-FFF2-40B4-BE49-F238E27FC236}">
-                    <a16:creationId xmlns:a16="http://schemas.microsoft.com/office/drawing/2014/main" id="{1BE165BD-7477-4F61-8575-B61137DE6641}"/>
-                  </a:ext>
-                </a:extLst>
-              </p:cNvPr>
-              <p:cNvSpPr/>
-              <p:nvPr/>
-            </p:nvSpPr>
-            <p:spPr>
-              <a:xfrm>
-                <a:off x="1510017" y="2466363"/>
-                <a:ext cx="2214643" cy="962637"/>
-              </a:xfrm>
-              <a:prstGeom prst="rect">
-                <a:avLst/>
-              </a:prstGeom>
-              <a:solidFill>
-                <a:srgbClr val="92D050">
-                  <a:alpha val="60000"/>
-                </a:srgbClr>
-              </a:solidFill>
-              <a:ln>
-                <a:noFill/>
-              </a:ln>
-            </p:spPr>
-            <p:style>
-              <a:lnRef idx="2">
-                <a:schemeClr val="accent1">
-                  <a:shade val="50000"/>
-                </a:schemeClr>
-              </a:lnRef>
-              <a:fillRef idx="1">
-                <a:schemeClr val="accent1"/>
-              </a:fillRef>
-              <a:effectRef idx="0">
-                <a:schemeClr val="accent1"/>
-              </a:effectRef>
-              <a:fontRef idx="minor">
-                <a:schemeClr val="lt1"/>
-              </a:fontRef>
-            </p:style>
-            <p:txBody>
-              <a:bodyPr rtlCol="0" anchor="ctr"/>
-              <a:lstStyle/>
-              <a:p>
-                <a:pPr algn="ctr"/>
-                <a:endParaRPr lang="de-DE"/>
-              </a:p>
-            </p:txBody>
-          </p:sp>
-          <p:sp>
-            <p:nvSpPr>
-              <p:cNvPr id="6" name="Rechteck 5">
-                <a:extLst>
-                  <a:ext uri="{FF2B5EF4-FFF2-40B4-BE49-F238E27FC236}">
-                    <a16:creationId xmlns:a16="http://schemas.microsoft.com/office/drawing/2014/main" id="{A974DD69-A7FC-44A1-A9D6-A923602BB5BD}"/>
-                  </a:ext>
-                </a:extLst>
-              </p:cNvPr>
-              <p:cNvSpPr/>
-              <p:nvPr/>
-            </p:nvSpPr>
-            <p:spPr>
-              <a:xfrm>
-                <a:off x="1510015" y="3433102"/>
-                <a:ext cx="2214644" cy="1266739"/>
-              </a:xfrm>
-              <a:prstGeom prst="rect">
-                <a:avLst/>
-              </a:prstGeom>
-              <a:solidFill>
-                <a:schemeClr val="accent1">
-                  <a:alpha val="60000"/>
-                </a:schemeClr>
-              </a:solidFill>
-              <a:ln>
-                <a:noFill/>
-              </a:ln>
-            </p:spPr>
-            <p:style>
-              <a:lnRef idx="2">
-                <a:schemeClr val="accent1">
-                  <a:shade val="50000"/>
-                </a:schemeClr>
-              </a:lnRef>
-              <a:fillRef idx="1">
-                <a:schemeClr val="accent1"/>
-              </a:fillRef>
-              <a:effectRef idx="0">
-                <a:schemeClr val="accent1"/>
-              </a:effectRef>
-              <a:fontRef idx="minor">
-                <a:schemeClr val="lt1"/>
-              </a:fontRef>
-            </p:style>
-            <p:txBody>
-              <a:bodyPr rtlCol="0" anchor="ctr"/>
-              <a:lstStyle/>
-              <a:p>
-                <a:pPr algn="ctr"/>
-                <a:endParaRPr lang="de-DE"/>
-              </a:p>
-            </p:txBody>
-          </p:sp>
-          <p:sp>
-            <p:nvSpPr>
-              <p:cNvPr id="7" name="Textfeld 6">
-                <a:extLst>
-                  <a:ext uri="{FF2B5EF4-FFF2-40B4-BE49-F238E27FC236}">
-                    <a16:creationId xmlns:a16="http://schemas.microsoft.com/office/drawing/2014/main" id="{DC674F73-4A2B-4524-B01C-23582C027E91}"/>
-                  </a:ext>
-                </a:extLst>
-              </p:cNvPr>
-              <p:cNvSpPr txBox="1"/>
-              <p:nvPr/>
-            </p:nvSpPr>
-            <p:spPr>
-              <a:xfrm>
-                <a:off x="1510014" y="3433287"/>
-                <a:ext cx="1770036" cy="1200329"/>
-              </a:xfrm>
-              <a:prstGeom prst="rect">
-                <a:avLst/>
-              </a:prstGeom>
-              <a:noFill/>
-            </p:spPr>
-            <p:txBody>
-              <a:bodyPr wrap="none" rtlCol="0">
-                <a:spAutoFit/>
-              </a:bodyPr>
-              <a:lstStyle/>
-              <a:p>
-                <a:r>
-                  <a:rPr lang="de-DE" dirty="0"/>
-                  <a:t>c </a:t>
-                </a:r>
-                <a:r>
-                  <a:rPr lang="de-DE" i="1" dirty="0"/>
-                  <a:t>Klassenname()</a:t>
-                </a:r>
-              </a:p>
-              <a:p>
-                <a:r>
-                  <a:rPr lang="de-DE" dirty="0"/>
-                  <a:t>+ </a:t>
-                </a:r>
-              </a:p>
-              <a:p>
-                <a:r>
-                  <a:rPr lang="de-DE" dirty="0"/>
-                  <a:t>-</a:t>
-                </a:r>
-              </a:p>
-              <a:p>
-                <a:r>
-                  <a:rPr lang="de-DE" dirty="0"/>
-                  <a:t>#</a:t>
-                </a:r>
-              </a:p>
-            </p:txBody>
-          </p:sp>
-          <p:sp>
-            <p:nvSpPr>
-              <p:cNvPr id="8" name="Textfeld 7">
-                <a:extLst>
-                  <a:ext uri="{FF2B5EF4-FFF2-40B4-BE49-F238E27FC236}">
-                    <a16:creationId xmlns:a16="http://schemas.microsoft.com/office/drawing/2014/main" id="{A422D8FB-696E-4A83-941B-9D3AC1E76A0E}"/>
-                  </a:ext>
-                </a:extLst>
-              </p:cNvPr>
-              <p:cNvSpPr txBox="1"/>
-              <p:nvPr/>
-            </p:nvSpPr>
-            <p:spPr>
-              <a:xfrm>
-                <a:off x="2175548" y="1994312"/>
-                <a:ext cx="883575" cy="369332"/>
-              </a:xfrm>
-              <a:prstGeom prst="rect">
-                <a:avLst/>
-              </a:prstGeom>
-              <a:noFill/>
-            </p:spPr>
-            <p:txBody>
-              <a:bodyPr wrap="none" rtlCol="0">
-                <a:spAutoFit/>
-              </a:bodyPr>
-              <a:lstStyle/>
-              <a:p>
-                <a:r>
-                  <a:rPr lang="de-DE" i="1" dirty="0"/>
-                  <a:t>Klasse0</a:t>
-                </a:r>
-              </a:p>
-            </p:txBody>
-          </p:sp>
-          <p:sp>
-            <p:nvSpPr>
-              <p:cNvPr id="9" name="Textfeld 8">
-                <a:extLst>
-                  <a:ext uri="{FF2B5EF4-FFF2-40B4-BE49-F238E27FC236}">
-                    <a16:creationId xmlns:a16="http://schemas.microsoft.com/office/drawing/2014/main" id="{E25CADDF-0E71-43BD-95A6-BCB13D6463CF}"/>
-                  </a:ext>
-                </a:extLst>
-              </p:cNvPr>
-              <p:cNvSpPr txBox="1"/>
-              <p:nvPr/>
-            </p:nvSpPr>
-            <p:spPr>
-              <a:xfrm>
-                <a:off x="1510014" y="2443197"/>
-                <a:ext cx="2014334" cy="369332"/>
-              </a:xfrm>
-              <a:prstGeom prst="rect">
-                <a:avLst/>
-              </a:prstGeom>
-              <a:noFill/>
-            </p:spPr>
-            <p:txBody>
-              <a:bodyPr wrap="none" rtlCol="0">
-                <a:spAutoFit/>
-              </a:bodyPr>
-              <a:lstStyle/>
-              <a:p>
-                <a:r>
-                  <a:rPr lang="de-DE" dirty="0"/>
-                  <a:t>- ListKlass1 :Klasse1</a:t>
-                </a:r>
-              </a:p>
-            </p:txBody>
-          </p:sp>
-        </p:grpSp>
-        <p:grpSp>
-          <p:nvGrpSpPr>
-            <p:cNvPr id="18" name="Gruppieren 17">
-              <a:extLst>
-                <a:ext uri="{FF2B5EF4-FFF2-40B4-BE49-F238E27FC236}">
-                  <a16:creationId xmlns:a16="http://schemas.microsoft.com/office/drawing/2014/main" id="{D6E3DEB9-C732-49F3-8DC1-720D30B0E207}"/>
-                </a:ext>
-              </a:extLst>
-            </p:cNvPr>
-            <p:cNvGrpSpPr/>
-            <p:nvPr/>
-          </p:nvGrpSpPr>
-          <p:grpSpPr>
-            <a:xfrm>
-              <a:off x="5822830" y="2031025"/>
-              <a:ext cx="2214646" cy="2770373"/>
-              <a:chOff x="1510014" y="1929468"/>
-              <a:chExt cx="2214646" cy="2770373"/>
-            </a:xfrm>
-          </p:grpSpPr>
-          <p:sp>
-            <p:nvSpPr>
-              <p:cNvPr id="19" name="Rechteck 18">
-                <a:extLst>
-                  <a:ext uri="{FF2B5EF4-FFF2-40B4-BE49-F238E27FC236}">
-                    <a16:creationId xmlns:a16="http://schemas.microsoft.com/office/drawing/2014/main" id="{2A311017-6714-4F2A-85A5-E36E3BA64233}"/>
-                  </a:ext>
-                </a:extLst>
-              </p:cNvPr>
-              <p:cNvSpPr/>
-              <p:nvPr/>
-            </p:nvSpPr>
-            <p:spPr>
-              <a:xfrm>
-                <a:off x="1510017" y="1929468"/>
-                <a:ext cx="2214642" cy="536895"/>
-              </a:xfrm>
-              <a:prstGeom prst="rect">
-                <a:avLst/>
-              </a:prstGeom>
-              <a:solidFill>
-                <a:schemeClr val="bg1">
-                  <a:lumMod val="75000"/>
-                  <a:alpha val="60000"/>
-                </a:schemeClr>
-              </a:solidFill>
-              <a:ln>
-                <a:noFill/>
-              </a:ln>
-            </p:spPr>
-            <p:style>
-              <a:lnRef idx="2">
-                <a:schemeClr val="accent1">
-                  <a:shade val="50000"/>
-                </a:schemeClr>
-              </a:lnRef>
-              <a:fillRef idx="1">
-                <a:schemeClr val="accent1"/>
-              </a:fillRef>
-              <a:effectRef idx="0">
-                <a:schemeClr val="accent1"/>
-              </a:effectRef>
-              <a:fontRef idx="minor">
-                <a:schemeClr val="lt1"/>
-              </a:fontRef>
-            </p:style>
-            <p:txBody>
-              <a:bodyPr rtlCol="0" anchor="ctr"/>
-              <a:lstStyle/>
-              <a:p>
-                <a:pPr algn="ctr"/>
-                <a:endParaRPr lang="de-DE" dirty="0"/>
-              </a:p>
-            </p:txBody>
-          </p:sp>
-          <p:sp>
-            <p:nvSpPr>
-              <p:cNvPr id="20" name="Rechteck 19">
-                <a:extLst>
-                  <a:ext uri="{FF2B5EF4-FFF2-40B4-BE49-F238E27FC236}">
-                    <a16:creationId xmlns:a16="http://schemas.microsoft.com/office/drawing/2014/main" id="{EDEF8969-3DAC-4579-AEF6-C97CF61C321D}"/>
-                  </a:ext>
-                </a:extLst>
-              </p:cNvPr>
-              <p:cNvSpPr/>
-              <p:nvPr/>
-            </p:nvSpPr>
-            <p:spPr>
-              <a:xfrm>
-                <a:off x="1510017" y="2466363"/>
-                <a:ext cx="2214643" cy="962637"/>
-              </a:xfrm>
-              <a:prstGeom prst="rect">
-                <a:avLst/>
-              </a:prstGeom>
-              <a:solidFill>
-                <a:srgbClr val="92D050">
-                  <a:alpha val="60000"/>
-                </a:srgbClr>
-              </a:solidFill>
-              <a:ln>
-                <a:noFill/>
-              </a:ln>
-            </p:spPr>
-            <p:style>
-              <a:lnRef idx="2">
-                <a:schemeClr val="accent1">
-                  <a:shade val="50000"/>
-                </a:schemeClr>
-              </a:lnRef>
-              <a:fillRef idx="1">
-                <a:schemeClr val="accent1"/>
-              </a:fillRef>
-              <a:effectRef idx="0">
-                <a:schemeClr val="accent1"/>
-              </a:effectRef>
-              <a:fontRef idx="minor">
-                <a:schemeClr val="lt1"/>
-              </a:fontRef>
-            </p:style>
-            <p:txBody>
-              <a:bodyPr rtlCol="0" anchor="ctr"/>
-              <a:lstStyle/>
-              <a:p>
-                <a:pPr algn="ctr"/>
-                <a:endParaRPr lang="de-DE"/>
-              </a:p>
-            </p:txBody>
-          </p:sp>
-          <p:sp>
-            <p:nvSpPr>
-              <p:cNvPr id="21" name="Rechteck 20">
-                <a:extLst>
-                  <a:ext uri="{FF2B5EF4-FFF2-40B4-BE49-F238E27FC236}">
-                    <a16:creationId xmlns:a16="http://schemas.microsoft.com/office/drawing/2014/main" id="{47012A2D-9B77-4433-A3FE-68A50B206692}"/>
-                  </a:ext>
-                </a:extLst>
-              </p:cNvPr>
-              <p:cNvSpPr/>
-              <p:nvPr/>
-            </p:nvSpPr>
-            <p:spPr>
-              <a:xfrm>
-                <a:off x="1510015" y="3433102"/>
-                <a:ext cx="2214644" cy="1266739"/>
-              </a:xfrm>
-              <a:prstGeom prst="rect">
-                <a:avLst/>
-              </a:prstGeom>
-              <a:solidFill>
-                <a:schemeClr val="accent1">
-                  <a:alpha val="60000"/>
-                </a:schemeClr>
-              </a:solidFill>
-              <a:ln>
-                <a:noFill/>
-              </a:ln>
-            </p:spPr>
-            <p:style>
-              <a:lnRef idx="2">
-                <a:schemeClr val="accent1">
-                  <a:shade val="50000"/>
-                </a:schemeClr>
-              </a:lnRef>
-              <a:fillRef idx="1">
-                <a:schemeClr val="accent1"/>
-              </a:fillRef>
-              <a:effectRef idx="0">
-                <a:schemeClr val="accent1"/>
-              </a:effectRef>
-              <a:fontRef idx="minor">
-                <a:schemeClr val="lt1"/>
-              </a:fontRef>
-            </p:style>
-            <p:txBody>
-              <a:bodyPr rtlCol="0" anchor="ctr"/>
-              <a:lstStyle/>
-              <a:p>
-                <a:pPr algn="ctr"/>
-                <a:endParaRPr lang="de-DE"/>
-              </a:p>
-            </p:txBody>
-          </p:sp>
-          <p:sp>
-            <p:nvSpPr>
-              <p:cNvPr id="22" name="Textfeld 21">
-                <a:extLst>
-                  <a:ext uri="{FF2B5EF4-FFF2-40B4-BE49-F238E27FC236}">
-                    <a16:creationId xmlns:a16="http://schemas.microsoft.com/office/drawing/2014/main" id="{24326C4E-3C96-4407-8240-B240F33F2755}"/>
-                  </a:ext>
-                </a:extLst>
-              </p:cNvPr>
-              <p:cNvSpPr txBox="1"/>
-              <p:nvPr/>
-            </p:nvSpPr>
-            <p:spPr>
-              <a:xfrm>
-                <a:off x="1510014" y="3433287"/>
-                <a:ext cx="1770036" cy="1200329"/>
-              </a:xfrm>
-              <a:prstGeom prst="rect">
-                <a:avLst/>
-              </a:prstGeom>
-              <a:noFill/>
-            </p:spPr>
-            <p:txBody>
-              <a:bodyPr wrap="none" rtlCol="0">
-                <a:spAutoFit/>
-              </a:bodyPr>
-              <a:lstStyle/>
-              <a:p>
-                <a:r>
-                  <a:rPr lang="de-DE" dirty="0"/>
-                  <a:t>c </a:t>
-                </a:r>
-                <a:r>
-                  <a:rPr lang="de-DE" i="1" dirty="0"/>
-                  <a:t>Klassenname()</a:t>
-                </a:r>
-              </a:p>
-              <a:p>
-                <a:r>
-                  <a:rPr lang="de-DE" dirty="0"/>
-                  <a:t>+ </a:t>
-                </a:r>
-              </a:p>
-              <a:p>
-                <a:r>
-                  <a:rPr lang="de-DE" dirty="0"/>
-                  <a:t>-</a:t>
-                </a:r>
-              </a:p>
-              <a:p>
-                <a:r>
-                  <a:rPr lang="de-DE" dirty="0"/>
-                  <a:t>#</a:t>
-                </a:r>
-              </a:p>
-            </p:txBody>
-          </p:sp>
-          <p:sp>
-            <p:nvSpPr>
-              <p:cNvPr id="23" name="Textfeld 22">
-                <a:extLst>
-                  <a:ext uri="{FF2B5EF4-FFF2-40B4-BE49-F238E27FC236}">
-                    <a16:creationId xmlns:a16="http://schemas.microsoft.com/office/drawing/2014/main" id="{56D80766-5075-4138-85D9-2BE888EAF5CF}"/>
-                  </a:ext>
-                </a:extLst>
-              </p:cNvPr>
-              <p:cNvSpPr txBox="1"/>
-              <p:nvPr/>
-            </p:nvSpPr>
-            <p:spPr>
-              <a:xfrm>
-                <a:off x="2230851" y="2000695"/>
-                <a:ext cx="772969" cy="369332"/>
-              </a:xfrm>
-              <a:prstGeom prst="rect">
-                <a:avLst/>
-              </a:prstGeom>
-              <a:noFill/>
-            </p:spPr>
-            <p:txBody>
-              <a:bodyPr wrap="none" rtlCol="0">
-                <a:spAutoFit/>
-              </a:bodyPr>
-              <a:lstStyle/>
-              <a:p>
-                <a:r>
-                  <a:rPr lang="de-DE" i="1" dirty="0"/>
-                  <a:t>Klass1</a:t>
-                </a:r>
-              </a:p>
-            </p:txBody>
-          </p:sp>
-          <p:sp>
-            <p:nvSpPr>
-              <p:cNvPr id="24" name="Textfeld 23">
-                <a:extLst>
-                  <a:ext uri="{FF2B5EF4-FFF2-40B4-BE49-F238E27FC236}">
-                    <a16:creationId xmlns:a16="http://schemas.microsoft.com/office/drawing/2014/main" id="{F4B52A61-F3D5-4541-8FDB-3DD1801D5889}"/>
-                  </a:ext>
-                </a:extLst>
-              </p:cNvPr>
-              <p:cNvSpPr txBox="1"/>
-              <p:nvPr/>
-            </p:nvSpPr>
-            <p:spPr>
-              <a:xfrm>
-                <a:off x="1510014" y="2443197"/>
-                <a:ext cx="352982" cy="923330"/>
-              </a:xfrm>
-              <a:prstGeom prst="rect">
-                <a:avLst/>
-              </a:prstGeom>
-              <a:noFill/>
-            </p:spPr>
-            <p:txBody>
-              <a:bodyPr wrap="none" rtlCol="0">
-                <a:spAutoFit/>
-              </a:bodyPr>
-              <a:lstStyle/>
-              <a:p>
-                <a:r>
-                  <a:rPr lang="de-DE" dirty="0"/>
-                  <a:t>+ </a:t>
-                </a:r>
-              </a:p>
-              <a:p>
-                <a:r>
-                  <a:rPr lang="de-DE" dirty="0"/>
-                  <a:t>-</a:t>
-                </a:r>
-              </a:p>
-              <a:p>
-                <a:r>
-                  <a:rPr lang="de-DE" dirty="0"/>
-                  <a:t>#</a:t>
-                </a:r>
-              </a:p>
-            </p:txBody>
-          </p:sp>
-        </p:grpSp>
-        <p:cxnSp>
-          <p:nvCxnSpPr>
-            <p:cNvPr id="25" name="Gerade Verbindung mit Pfeil 24">
-              <a:extLst>
-                <a:ext uri="{FF2B5EF4-FFF2-40B4-BE49-F238E27FC236}">
-                  <a16:creationId xmlns:a16="http://schemas.microsoft.com/office/drawing/2014/main" id="{30738549-A80F-4E14-AECB-E8A5446CE781}"/>
-                </a:ext>
-              </a:extLst>
-            </p:cNvPr>
-            <p:cNvCxnSpPr>
-              <a:cxnSpLocks/>
-            </p:cNvCxnSpPr>
-            <p:nvPr/>
-          </p:nvCxnSpPr>
-          <p:spPr>
-            <a:xfrm flipH="1">
-              <a:off x="5210176" y="3546445"/>
-              <a:ext cx="612654" cy="0"/>
-            </a:xfrm>
-            <a:prstGeom prst="straightConnector1">
-              <a:avLst/>
-            </a:prstGeom>
-            <a:ln>
-              <a:tailEnd type="diamond" w="lg" len="lg"/>
-            </a:ln>
-          </p:spPr>
-          <p:style>
-            <a:lnRef idx="1">
-              <a:schemeClr val="accent1"/>
-            </a:lnRef>
-            <a:fillRef idx="0">
-              <a:schemeClr val="accent1"/>
-            </a:fillRef>
-            <a:effectRef idx="0">
-              <a:schemeClr val="accent1"/>
-            </a:effectRef>
-            <a:fontRef idx="minor">
-              <a:schemeClr val="tx1"/>
-            </a:fontRef>
-          </p:style>
-        </p:cxnSp>
-      </p:grpSp>
-      <p:sp>
-        <p:nvSpPr>
-          <p:cNvPr id="26" name="Freihandform: Form 25">
-            <a:extLst>
-              <a:ext uri="{FF2B5EF4-FFF2-40B4-BE49-F238E27FC236}">
-                <a16:creationId xmlns:a16="http://schemas.microsoft.com/office/drawing/2014/main" id="{B905EE40-4924-423A-BEF7-6C701FD024BD}"/>
-              </a:ext>
-            </a:extLst>
-          </p:cNvPr>
-          <p:cNvSpPr/>
-          <p:nvPr/>
-        </p:nvSpPr>
-        <p:spPr>
-          <a:xfrm>
-            <a:off x="11020982" y="1821977"/>
-            <a:ext cx="522515" cy="551715"/>
-          </a:xfrm>
-          <a:custGeom>
-            <a:avLst/>
-            <a:gdLst>
-              <a:gd name="connsiteX0" fmla="*/ 232229 w 653143"/>
-              <a:gd name="connsiteY0" fmla="*/ 667657 h 667657"/>
-              <a:gd name="connsiteX1" fmla="*/ 653143 w 653143"/>
-              <a:gd name="connsiteY1" fmla="*/ 667657 h 667657"/>
-              <a:gd name="connsiteX2" fmla="*/ 653143 w 653143"/>
-              <a:gd name="connsiteY2" fmla="*/ 0 h 667657"/>
-              <a:gd name="connsiteX3" fmla="*/ 0 w 653143"/>
-              <a:gd name="connsiteY3" fmla="*/ 0 h 667657"/>
-              <a:gd name="connsiteX4" fmla="*/ 0 w 653143"/>
-              <a:gd name="connsiteY4" fmla="*/ 232228 h 667657"/>
-            </a:gdLst>
-            <a:ahLst/>
-            <a:cxnLst>
-              <a:cxn ang="0">
-                <a:pos x="connsiteX0" y="connsiteY0"/>
-              </a:cxn>
-              <a:cxn ang="0">
-                <a:pos x="connsiteX1" y="connsiteY1"/>
-              </a:cxn>
-              <a:cxn ang="0">
-                <a:pos x="connsiteX2" y="connsiteY2"/>
-              </a:cxn>
-              <a:cxn ang="0">
-                <a:pos x="connsiteX3" y="connsiteY3"/>
-              </a:cxn>
-              <a:cxn ang="0">
-                <a:pos x="connsiteX4" y="connsiteY4"/>
-              </a:cxn>
-            </a:cxnLst>
-            <a:rect l="l" t="t" r="r" b="b"/>
-            <a:pathLst>
-              <a:path w="653143" h="667657">
-                <a:moveTo>
-                  <a:pt x="232229" y="667657"/>
-                </a:moveTo>
-                <a:lnTo>
-                  <a:pt x="653143" y="667657"/>
-                </a:lnTo>
-                <a:lnTo>
-                  <a:pt x="653143" y="0"/>
-                </a:lnTo>
-                <a:lnTo>
-                  <a:pt x="0" y="0"/>
-                </a:lnTo>
-                <a:lnTo>
-                  <a:pt x="0" y="232228"/>
-                </a:lnTo>
-              </a:path>
-            </a:pathLst>
-          </a:custGeom>
-          <a:noFill/>
-          <a:ln>
-            <a:tailEnd type="arrow"/>
-          </a:ln>
-        </p:spPr>
-        <p:style>
-          <a:lnRef idx="2">
-            <a:schemeClr val="accent1">
-              <a:shade val="50000"/>
-            </a:schemeClr>
-          </a:lnRef>
-          <a:fillRef idx="1">
-            <a:schemeClr val="accent1"/>
-          </a:fillRef>
-          <a:effectRef idx="0">
-            <a:schemeClr val="accent1"/>
-          </a:effectRef>
-          <a:fontRef idx="minor">
-            <a:schemeClr val="lt1"/>
-          </a:fontRef>
-        </p:style>
-        <p:txBody>
-          <a:bodyPr rtlCol="0" anchor="ctr"/>
-          <a:lstStyle/>
-          <a:p>
-            <a:pPr algn="ctr"/>
-            <a:endParaRPr lang="de-DE"/>
-          </a:p>
-        </p:txBody>
-      </p:sp>
-      <p:grpSp>
-        <p:nvGrpSpPr>
-          <p:cNvPr id="58" name="Gruppieren 57">
-            <a:extLst>
-              <a:ext uri="{FF2B5EF4-FFF2-40B4-BE49-F238E27FC236}">
-                <a16:creationId xmlns:a16="http://schemas.microsoft.com/office/drawing/2014/main" id="{D2494B2D-50A1-4B49-B087-85230AA37D56}"/>
-              </a:ext>
-            </a:extLst>
-          </p:cNvPr>
-          <p:cNvGrpSpPr/>
-          <p:nvPr/>
-        </p:nvGrpSpPr>
-        <p:grpSpPr>
-          <a:xfrm>
-            <a:off x="607296" y="2081947"/>
-            <a:ext cx="5115817" cy="2786261"/>
-            <a:chOff x="2921659" y="2031025"/>
-            <a:chExt cx="5115817" cy="2786261"/>
-          </a:xfrm>
-        </p:grpSpPr>
-        <p:grpSp>
-          <p:nvGrpSpPr>
-            <p:cNvPr id="59" name="Gruppieren 58">
-              <a:extLst>
-                <a:ext uri="{FF2B5EF4-FFF2-40B4-BE49-F238E27FC236}">
-                  <a16:creationId xmlns:a16="http://schemas.microsoft.com/office/drawing/2014/main" id="{8F1230D9-9EE5-4700-9674-FDCFF0E7234A}"/>
-                </a:ext>
-              </a:extLst>
-            </p:cNvPr>
-            <p:cNvGrpSpPr/>
-            <p:nvPr/>
-          </p:nvGrpSpPr>
-          <p:grpSpPr>
-            <a:xfrm>
-              <a:off x="2921659" y="2046913"/>
-              <a:ext cx="2214646" cy="2770373"/>
-              <a:chOff x="1510014" y="1929468"/>
-              <a:chExt cx="2214646" cy="2770373"/>
-            </a:xfrm>
-          </p:grpSpPr>
-          <p:sp>
-            <p:nvSpPr>
-              <p:cNvPr id="68" name="Rechteck 67">
-                <a:extLst>
-                  <a:ext uri="{FF2B5EF4-FFF2-40B4-BE49-F238E27FC236}">
-                    <a16:creationId xmlns:a16="http://schemas.microsoft.com/office/drawing/2014/main" id="{30A4800F-D29B-49B2-B78B-5B3B4D39D0CF}"/>
-                  </a:ext>
-                </a:extLst>
-              </p:cNvPr>
-              <p:cNvSpPr/>
-              <p:nvPr/>
-            </p:nvSpPr>
-            <p:spPr>
-              <a:xfrm>
-                <a:off x="1510017" y="1929468"/>
-                <a:ext cx="2214642" cy="536895"/>
-              </a:xfrm>
-              <a:prstGeom prst="rect">
-                <a:avLst/>
-              </a:prstGeom>
-              <a:solidFill>
-                <a:schemeClr val="bg1">
-                  <a:lumMod val="75000"/>
-                  <a:alpha val="60000"/>
-                </a:schemeClr>
-              </a:solidFill>
-              <a:ln>
-                <a:noFill/>
-              </a:ln>
-            </p:spPr>
-            <p:style>
-              <a:lnRef idx="2">
-                <a:schemeClr val="accent1">
-                  <a:shade val="50000"/>
-                </a:schemeClr>
-              </a:lnRef>
-              <a:fillRef idx="1">
-                <a:schemeClr val="accent1"/>
-              </a:fillRef>
-              <a:effectRef idx="0">
-                <a:schemeClr val="accent1"/>
-              </a:effectRef>
-              <a:fontRef idx="minor">
-                <a:schemeClr val="lt1"/>
-              </a:fontRef>
-            </p:style>
-            <p:txBody>
-              <a:bodyPr rtlCol="0" anchor="ctr"/>
-              <a:lstStyle/>
-              <a:p>
-                <a:pPr algn="ctr"/>
-                <a:endParaRPr lang="de-DE" dirty="0"/>
-              </a:p>
-            </p:txBody>
-          </p:sp>
-          <p:sp>
-            <p:nvSpPr>
-              <p:cNvPr id="69" name="Rechteck 68">
-                <a:extLst>
-                  <a:ext uri="{FF2B5EF4-FFF2-40B4-BE49-F238E27FC236}">
-                    <a16:creationId xmlns:a16="http://schemas.microsoft.com/office/drawing/2014/main" id="{9C29478F-E397-4C0A-BBDF-D02398383256}"/>
-                  </a:ext>
-                </a:extLst>
-              </p:cNvPr>
-              <p:cNvSpPr/>
-              <p:nvPr/>
-            </p:nvSpPr>
-            <p:spPr>
-              <a:xfrm>
-                <a:off x="1510017" y="2466363"/>
-                <a:ext cx="2214643" cy="962637"/>
-              </a:xfrm>
-              <a:prstGeom prst="rect">
-                <a:avLst/>
-              </a:prstGeom>
-              <a:solidFill>
-                <a:srgbClr val="92D050">
-                  <a:alpha val="60000"/>
-                </a:srgbClr>
-              </a:solidFill>
-              <a:ln>
-                <a:noFill/>
-              </a:ln>
-            </p:spPr>
-            <p:style>
-              <a:lnRef idx="2">
-                <a:schemeClr val="accent1">
-                  <a:shade val="50000"/>
-                </a:schemeClr>
-              </a:lnRef>
-              <a:fillRef idx="1">
-                <a:schemeClr val="accent1"/>
-              </a:fillRef>
-              <a:effectRef idx="0">
-                <a:schemeClr val="accent1"/>
-              </a:effectRef>
-              <a:fontRef idx="minor">
-                <a:schemeClr val="lt1"/>
-              </a:fontRef>
-            </p:style>
-            <p:txBody>
-              <a:bodyPr rtlCol="0" anchor="ctr"/>
-              <a:lstStyle/>
-              <a:p>
-                <a:pPr algn="ctr"/>
-                <a:endParaRPr lang="de-DE"/>
-              </a:p>
-            </p:txBody>
-          </p:sp>
-          <p:sp>
-            <p:nvSpPr>
-              <p:cNvPr id="70" name="Rechteck 69">
-                <a:extLst>
-                  <a:ext uri="{FF2B5EF4-FFF2-40B4-BE49-F238E27FC236}">
-                    <a16:creationId xmlns:a16="http://schemas.microsoft.com/office/drawing/2014/main" id="{C3D317A5-69C4-455D-95DC-02BF19CBC221}"/>
-                  </a:ext>
-                </a:extLst>
-              </p:cNvPr>
-              <p:cNvSpPr/>
-              <p:nvPr/>
-            </p:nvSpPr>
-            <p:spPr>
-              <a:xfrm>
-                <a:off x="1510015" y="3433102"/>
-                <a:ext cx="2214644" cy="1266739"/>
-              </a:xfrm>
-              <a:prstGeom prst="rect">
-                <a:avLst/>
-              </a:prstGeom>
-              <a:solidFill>
-                <a:schemeClr val="accent1">
-                  <a:alpha val="60000"/>
-                </a:schemeClr>
-              </a:solidFill>
-              <a:ln>
-                <a:noFill/>
-              </a:ln>
-            </p:spPr>
-            <p:style>
-              <a:lnRef idx="2">
-                <a:schemeClr val="accent1">
-                  <a:shade val="50000"/>
-                </a:schemeClr>
-              </a:lnRef>
-              <a:fillRef idx="1">
-                <a:schemeClr val="accent1"/>
-              </a:fillRef>
-              <a:effectRef idx="0">
-                <a:schemeClr val="accent1"/>
-              </a:effectRef>
-              <a:fontRef idx="minor">
-                <a:schemeClr val="lt1"/>
-              </a:fontRef>
-            </p:style>
-            <p:txBody>
-              <a:bodyPr rtlCol="0" anchor="ctr"/>
-              <a:lstStyle/>
-              <a:p>
-                <a:pPr algn="ctr"/>
-                <a:endParaRPr lang="de-DE"/>
-              </a:p>
-            </p:txBody>
-          </p:sp>
-          <p:sp>
-            <p:nvSpPr>
-              <p:cNvPr id="71" name="Textfeld 70">
-                <a:extLst>
-                  <a:ext uri="{FF2B5EF4-FFF2-40B4-BE49-F238E27FC236}">
-                    <a16:creationId xmlns:a16="http://schemas.microsoft.com/office/drawing/2014/main" id="{FA14B949-D205-43AA-9820-2335C586A688}"/>
-                  </a:ext>
-                </a:extLst>
-              </p:cNvPr>
-              <p:cNvSpPr txBox="1"/>
-              <p:nvPr/>
-            </p:nvSpPr>
-            <p:spPr>
-              <a:xfrm>
-                <a:off x="1510014" y="3433287"/>
-                <a:ext cx="1770036" cy="1200329"/>
-              </a:xfrm>
-              <a:prstGeom prst="rect">
-                <a:avLst/>
-              </a:prstGeom>
-              <a:noFill/>
-            </p:spPr>
-            <p:txBody>
-              <a:bodyPr wrap="none" rtlCol="0">
-                <a:spAutoFit/>
-              </a:bodyPr>
-              <a:lstStyle/>
-              <a:p>
-                <a:r>
-                  <a:rPr lang="de-DE" dirty="0"/>
-                  <a:t>c </a:t>
-                </a:r>
-                <a:r>
-                  <a:rPr lang="de-DE" i="1" dirty="0"/>
-                  <a:t>Klassenname()</a:t>
-                </a:r>
-              </a:p>
-              <a:p>
-                <a:r>
-                  <a:rPr lang="de-DE" dirty="0"/>
-                  <a:t>+ </a:t>
-                </a:r>
-              </a:p>
-              <a:p>
-                <a:r>
-                  <a:rPr lang="de-DE" dirty="0"/>
-                  <a:t>-</a:t>
-                </a:r>
-              </a:p>
-              <a:p>
-                <a:r>
-                  <a:rPr lang="de-DE" dirty="0"/>
-                  <a:t>#</a:t>
-                </a:r>
-              </a:p>
-            </p:txBody>
-          </p:sp>
-          <p:sp>
-            <p:nvSpPr>
-              <p:cNvPr id="72" name="Textfeld 71">
-                <a:extLst>
-                  <a:ext uri="{FF2B5EF4-FFF2-40B4-BE49-F238E27FC236}">
-                    <a16:creationId xmlns:a16="http://schemas.microsoft.com/office/drawing/2014/main" id="{5C68C0D3-3755-49A8-8DFE-CE3A945E8ED4}"/>
-                  </a:ext>
-                </a:extLst>
-              </p:cNvPr>
-              <p:cNvSpPr txBox="1"/>
-              <p:nvPr/>
-            </p:nvSpPr>
-            <p:spPr>
-              <a:xfrm>
-                <a:off x="2175548" y="1994312"/>
-                <a:ext cx="883575" cy="369332"/>
-              </a:xfrm>
-              <a:prstGeom prst="rect">
-                <a:avLst/>
-              </a:prstGeom>
-              <a:noFill/>
-            </p:spPr>
-            <p:txBody>
-              <a:bodyPr wrap="none" rtlCol="0">
-                <a:spAutoFit/>
-              </a:bodyPr>
-              <a:lstStyle/>
-              <a:p>
-                <a:r>
-                  <a:rPr lang="de-DE" i="1" dirty="0"/>
-                  <a:t>Klasse0</a:t>
-                </a:r>
-              </a:p>
-            </p:txBody>
-          </p:sp>
-          <p:sp>
-            <p:nvSpPr>
-              <p:cNvPr id="73" name="Textfeld 72">
-                <a:extLst>
-                  <a:ext uri="{FF2B5EF4-FFF2-40B4-BE49-F238E27FC236}">
-                    <a16:creationId xmlns:a16="http://schemas.microsoft.com/office/drawing/2014/main" id="{6F617FB8-462B-440C-B1C1-47B191E6C2ED}"/>
-                  </a:ext>
-                </a:extLst>
-              </p:cNvPr>
-              <p:cNvSpPr txBox="1"/>
-              <p:nvPr/>
-            </p:nvSpPr>
-            <p:spPr>
-              <a:xfrm>
-                <a:off x="1510014" y="2443197"/>
-                <a:ext cx="2155398" cy="369332"/>
-              </a:xfrm>
-              <a:prstGeom prst="rect">
-                <a:avLst/>
-              </a:prstGeom>
-              <a:noFill/>
-            </p:spPr>
-            <p:txBody>
-              <a:bodyPr wrap="none" rtlCol="0">
-                <a:spAutoFit/>
-              </a:bodyPr>
-              <a:lstStyle/>
-              <a:p>
-                <a:r>
-                  <a:rPr lang="de-DE" dirty="0"/>
-                  <a:t>- ListKlass1 :Klasse1[]</a:t>
-                </a:r>
-              </a:p>
-            </p:txBody>
-          </p:sp>
-        </p:grpSp>
-        <p:grpSp>
-          <p:nvGrpSpPr>
-            <p:cNvPr id="60" name="Gruppieren 59">
-              <a:extLst>
-                <a:ext uri="{FF2B5EF4-FFF2-40B4-BE49-F238E27FC236}">
-                  <a16:creationId xmlns:a16="http://schemas.microsoft.com/office/drawing/2014/main" id="{B1EDD865-361E-4159-989A-57B5A406E215}"/>
-                </a:ext>
-              </a:extLst>
-            </p:cNvPr>
-            <p:cNvGrpSpPr/>
-            <p:nvPr/>
-          </p:nvGrpSpPr>
-          <p:grpSpPr>
-            <a:xfrm>
-              <a:off x="5822830" y="2031025"/>
-              <a:ext cx="2214646" cy="2770373"/>
-              <a:chOff x="1510014" y="1929468"/>
-              <a:chExt cx="2214646" cy="2770373"/>
-            </a:xfrm>
-          </p:grpSpPr>
-          <p:sp>
-            <p:nvSpPr>
-              <p:cNvPr id="62" name="Rechteck 61">
-                <a:extLst>
-                  <a:ext uri="{FF2B5EF4-FFF2-40B4-BE49-F238E27FC236}">
-                    <a16:creationId xmlns:a16="http://schemas.microsoft.com/office/drawing/2014/main" id="{60AA64FA-193A-4727-9A35-873313C94E06}"/>
-                  </a:ext>
-                </a:extLst>
-              </p:cNvPr>
-              <p:cNvSpPr/>
-              <p:nvPr/>
-            </p:nvSpPr>
-            <p:spPr>
-              <a:xfrm>
-                <a:off x="1510017" y="1929468"/>
-                <a:ext cx="2214642" cy="536895"/>
-              </a:xfrm>
-              <a:prstGeom prst="rect">
-                <a:avLst/>
-              </a:prstGeom>
-              <a:solidFill>
-                <a:schemeClr val="bg1">
-                  <a:lumMod val="75000"/>
-                  <a:alpha val="60000"/>
-                </a:schemeClr>
-              </a:solidFill>
-              <a:ln>
-                <a:noFill/>
-              </a:ln>
-            </p:spPr>
-            <p:style>
-              <a:lnRef idx="2">
-                <a:schemeClr val="accent1">
-                  <a:shade val="50000"/>
-                </a:schemeClr>
-              </a:lnRef>
-              <a:fillRef idx="1">
-                <a:schemeClr val="accent1"/>
-              </a:fillRef>
-              <a:effectRef idx="0">
-                <a:schemeClr val="accent1"/>
-              </a:effectRef>
-              <a:fontRef idx="minor">
-                <a:schemeClr val="lt1"/>
-              </a:fontRef>
-            </p:style>
-            <p:txBody>
-              <a:bodyPr rtlCol="0" anchor="ctr"/>
-              <a:lstStyle/>
-              <a:p>
-                <a:pPr algn="ctr"/>
-                <a:endParaRPr lang="de-DE" dirty="0"/>
-              </a:p>
-            </p:txBody>
-          </p:sp>
-          <p:sp>
-            <p:nvSpPr>
-              <p:cNvPr id="63" name="Rechteck 62">
-                <a:extLst>
-                  <a:ext uri="{FF2B5EF4-FFF2-40B4-BE49-F238E27FC236}">
-                    <a16:creationId xmlns:a16="http://schemas.microsoft.com/office/drawing/2014/main" id="{895CA047-65D0-4D5D-8F44-9665E3499213}"/>
-                  </a:ext>
-                </a:extLst>
-              </p:cNvPr>
-              <p:cNvSpPr/>
-              <p:nvPr/>
-            </p:nvSpPr>
-            <p:spPr>
-              <a:xfrm>
-                <a:off x="1510017" y="2466363"/>
-                <a:ext cx="2214643" cy="962637"/>
-              </a:xfrm>
-              <a:prstGeom prst="rect">
-                <a:avLst/>
-              </a:prstGeom>
-              <a:solidFill>
-                <a:srgbClr val="92D050">
-                  <a:alpha val="60000"/>
-                </a:srgbClr>
-              </a:solidFill>
-              <a:ln>
-                <a:noFill/>
-              </a:ln>
-            </p:spPr>
-            <p:style>
-              <a:lnRef idx="2">
-                <a:schemeClr val="accent1">
-                  <a:shade val="50000"/>
-                </a:schemeClr>
-              </a:lnRef>
-              <a:fillRef idx="1">
-                <a:schemeClr val="accent1"/>
-              </a:fillRef>
-              <a:effectRef idx="0">
-                <a:schemeClr val="accent1"/>
-              </a:effectRef>
-              <a:fontRef idx="minor">
-                <a:schemeClr val="lt1"/>
-              </a:fontRef>
-            </p:style>
-            <p:txBody>
-              <a:bodyPr rtlCol="0" anchor="ctr"/>
-              <a:lstStyle/>
-              <a:p>
-                <a:pPr algn="ctr"/>
-                <a:endParaRPr lang="de-DE"/>
-              </a:p>
-            </p:txBody>
-          </p:sp>
-          <p:sp>
-            <p:nvSpPr>
-              <p:cNvPr id="64" name="Rechteck 63">
-                <a:extLst>
-                  <a:ext uri="{FF2B5EF4-FFF2-40B4-BE49-F238E27FC236}">
-                    <a16:creationId xmlns:a16="http://schemas.microsoft.com/office/drawing/2014/main" id="{1C78826B-D58A-43BD-B48B-4A8D5DEC3594}"/>
-                  </a:ext>
-                </a:extLst>
-              </p:cNvPr>
-              <p:cNvSpPr/>
-              <p:nvPr/>
-            </p:nvSpPr>
-            <p:spPr>
-              <a:xfrm>
-                <a:off x="1510015" y="3433102"/>
-                <a:ext cx="2214644" cy="1266739"/>
-              </a:xfrm>
-              <a:prstGeom prst="rect">
-                <a:avLst/>
-              </a:prstGeom>
-              <a:solidFill>
-                <a:schemeClr val="accent1">
-                  <a:alpha val="60000"/>
-                </a:schemeClr>
-              </a:solidFill>
-              <a:ln>
-                <a:noFill/>
-              </a:ln>
-            </p:spPr>
-            <p:style>
-              <a:lnRef idx="2">
-                <a:schemeClr val="accent1">
-                  <a:shade val="50000"/>
-                </a:schemeClr>
-              </a:lnRef>
-              <a:fillRef idx="1">
-                <a:schemeClr val="accent1"/>
-              </a:fillRef>
-              <a:effectRef idx="0">
-                <a:schemeClr val="accent1"/>
-              </a:effectRef>
-              <a:fontRef idx="minor">
-                <a:schemeClr val="lt1"/>
-              </a:fontRef>
-            </p:style>
-            <p:txBody>
-              <a:bodyPr rtlCol="0" anchor="ctr"/>
-              <a:lstStyle/>
-              <a:p>
-                <a:pPr algn="ctr"/>
-                <a:endParaRPr lang="de-DE"/>
-              </a:p>
-            </p:txBody>
-          </p:sp>
-          <p:sp>
-            <p:nvSpPr>
-              <p:cNvPr id="65" name="Textfeld 64">
-                <a:extLst>
-                  <a:ext uri="{FF2B5EF4-FFF2-40B4-BE49-F238E27FC236}">
-                    <a16:creationId xmlns:a16="http://schemas.microsoft.com/office/drawing/2014/main" id="{161348E9-A1F7-4026-936B-5401545BAC82}"/>
-                  </a:ext>
-                </a:extLst>
-              </p:cNvPr>
-              <p:cNvSpPr txBox="1"/>
-              <p:nvPr/>
-            </p:nvSpPr>
-            <p:spPr>
-              <a:xfrm>
-                <a:off x="1510014" y="3433287"/>
-                <a:ext cx="1770036" cy="1200329"/>
-              </a:xfrm>
-              <a:prstGeom prst="rect">
-                <a:avLst/>
-              </a:prstGeom>
-              <a:noFill/>
-            </p:spPr>
-            <p:txBody>
-              <a:bodyPr wrap="none" rtlCol="0">
-                <a:spAutoFit/>
-              </a:bodyPr>
-              <a:lstStyle/>
-              <a:p>
-                <a:r>
-                  <a:rPr lang="de-DE" dirty="0"/>
-                  <a:t>c </a:t>
-                </a:r>
-                <a:r>
-                  <a:rPr lang="de-DE" i="1" dirty="0"/>
-                  <a:t>Klassenname()</a:t>
-                </a:r>
-              </a:p>
-              <a:p>
-                <a:r>
-                  <a:rPr lang="de-DE" dirty="0"/>
-                  <a:t>+ </a:t>
-                </a:r>
-              </a:p>
-              <a:p>
-                <a:r>
-                  <a:rPr lang="de-DE" dirty="0"/>
-                  <a:t>-</a:t>
-                </a:r>
-              </a:p>
-              <a:p>
-                <a:r>
-                  <a:rPr lang="de-DE" dirty="0"/>
-                  <a:t>#</a:t>
-                </a:r>
-              </a:p>
-            </p:txBody>
-          </p:sp>
-          <p:sp>
-            <p:nvSpPr>
-              <p:cNvPr id="66" name="Textfeld 65">
-                <a:extLst>
-                  <a:ext uri="{FF2B5EF4-FFF2-40B4-BE49-F238E27FC236}">
-                    <a16:creationId xmlns:a16="http://schemas.microsoft.com/office/drawing/2014/main" id="{D9D21A55-FD04-45CD-924A-A26F10B84F8D}"/>
-                  </a:ext>
-                </a:extLst>
-              </p:cNvPr>
-              <p:cNvSpPr txBox="1"/>
-              <p:nvPr/>
-            </p:nvSpPr>
-            <p:spPr>
-              <a:xfrm>
-                <a:off x="2230851" y="2000695"/>
-                <a:ext cx="772969" cy="369332"/>
-              </a:xfrm>
-              <a:prstGeom prst="rect">
-                <a:avLst/>
-              </a:prstGeom>
-              <a:noFill/>
-            </p:spPr>
-            <p:txBody>
-              <a:bodyPr wrap="none" rtlCol="0">
-                <a:spAutoFit/>
-              </a:bodyPr>
-              <a:lstStyle/>
-              <a:p>
-                <a:r>
-                  <a:rPr lang="de-DE" i="1" dirty="0"/>
-                  <a:t>Klass1</a:t>
-                </a:r>
-              </a:p>
-            </p:txBody>
-          </p:sp>
-          <p:sp>
-            <p:nvSpPr>
-              <p:cNvPr id="67" name="Textfeld 66">
-                <a:extLst>
-                  <a:ext uri="{FF2B5EF4-FFF2-40B4-BE49-F238E27FC236}">
-                    <a16:creationId xmlns:a16="http://schemas.microsoft.com/office/drawing/2014/main" id="{F06BA00F-05D0-4ED9-9618-1B222F4061D0}"/>
-                  </a:ext>
-                </a:extLst>
-              </p:cNvPr>
-              <p:cNvSpPr txBox="1"/>
-              <p:nvPr/>
-            </p:nvSpPr>
-            <p:spPr>
-              <a:xfrm>
-                <a:off x="1510014" y="2443197"/>
-                <a:ext cx="352982" cy="923330"/>
-              </a:xfrm>
-              <a:prstGeom prst="rect">
-                <a:avLst/>
-              </a:prstGeom>
-              <a:noFill/>
-            </p:spPr>
-            <p:txBody>
-              <a:bodyPr wrap="none" rtlCol="0">
-                <a:spAutoFit/>
-              </a:bodyPr>
-              <a:lstStyle/>
-              <a:p>
-                <a:r>
-                  <a:rPr lang="de-DE" dirty="0"/>
-                  <a:t>+ </a:t>
-                </a:r>
-              </a:p>
-              <a:p>
-                <a:r>
-                  <a:rPr lang="de-DE" dirty="0"/>
-                  <a:t>-</a:t>
-                </a:r>
-              </a:p>
-              <a:p>
-                <a:r>
-                  <a:rPr lang="de-DE" dirty="0"/>
-                  <a:t>#</a:t>
-                </a:r>
-              </a:p>
-            </p:txBody>
-          </p:sp>
-        </p:grpSp>
-        <p:cxnSp>
-          <p:nvCxnSpPr>
-            <p:cNvPr id="61" name="Gerade Verbindung mit Pfeil 60">
-              <a:extLst>
-                <a:ext uri="{FF2B5EF4-FFF2-40B4-BE49-F238E27FC236}">
-                  <a16:creationId xmlns:a16="http://schemas.microsoft.com/office/drawing/2014/main" id="{B7D31187-CC22-4EFB-97A6-B4B72658EDDC}"/>
-                </a:ext>
-              </a:extLst>
-            </p:cNvPr>
-            <p:cNvCxnSpPr>
-              <a:cxnSpLocks/>
-            </p:cNvCxnSpPr>
-            <p:nvPr/>
-          </p:nvCxnSpPr>
-          <p:spPr>
-            <a:xfrm flipH="1">
-              <a:off x="5210176" y="3546445"/>
-              <a:ext cx="612654" cy="0"/>
-            </a:xfrm>
-            <a:prstGeom prst="straightConnector1">
-              <a:avLst/>
-            </a:prstGeom>
-            <a:ln>
-              <a:tailEnd type="diamond" w="lg" len="lg"/>
-            </a:ln>
-          </p:spPr>
-          <p:style>
-            <a:lnRef idx="1">
-              <a:schemeClr val="accent1"/>
-            </a:lnRef>
-            <a:fillRef idx="0">
-              <a:schemeClr val="accent1"/>
-            </a:fillRef>
-            <a:effectRef idx="0">
-              <a:schemeClr val="accent1"/>
-            </a:effectRef>
-            <a:fontRef idx="minor">
-              <a:schemeClr val="tx1"/>
-            </a:fontRef>
-          </p:style>
-        </p:cxnSp>
-      </p:grpSp>
-    </p:spTree>
-    <p:extLst>
-      <p:ext uri="{BB962C8B-B14F-4D97-AF65-F5344CB8AC3E}">
-        <p14:creationId xmlns:p14="http://schemas.microsoft.com/office/powerpoint/2010/main" val="2233902049"/>
       </p:ext>
     </p:extLst>
   </p:cSld>
